--- a/基督等待你.pptx
+++ b/基督等待你.pptx
@@ -2,15 +2,20 @@
 <file path=ppt/presentation.xml><?xml version="1.0" encoding="utf-8"?>
 <p:presentation xmlns:a="http://schemas.openxmlformats.org/drawingml/2006/main" xmlns:r="http://schemas.openxmlformats.org/officeDocument/2006/relationships" xmlns:p="http://schemas.openxmlformats.org/presentationml/2006/main" saveSubsetFonts="1">
   <p:sldMasterIdLst>
-    <p:sldMasterId id="2147483660" r:id="rId1"/>
+    <p:sldMasterId id="2147483672" r:id="rId1"/>
   </p:sldMasterIdLst>
   <p:sldIdLst>
-    <p:sldId id="256" r:id="rId2"/>
-    <p:sldId id="257" r:id="rId3"/>
-    <p:sldId id="258" r:id="rId4"/>
-    <p:sldId id="259" r:id="rId5"/>
+    <p:sldId id="260" r:id="rId2"/>
+    <p:sldId id="261" r:id="rId3"/>
+    <p:sldId id="262" r:id="rId4"/>
+    <p:sldId id="263" r:id="rId5"/>
+    <p:sldId id="264" r:id="rId6"/>
+    <p:sldId id="265" r:id="rId7"/>
+    <p:sldId id="266" r:id="rId8"/>
+    <p:sldId id="267" r:id="rId9"/>
+    <p:sldId id="268" r:id="rId10"/>
   </p:sldIdLst>
-  <p:sldSz cx="9144000" cy="6858000" type="screen4x3"/>
+  <p:sldSz cx="12192000" cy="6858000"/>
   <p:notesSz cx="6858000" cy="9144000"/>
   <p:defaultTextStyle>
     <a:defPPr>
@@ -107,6 +112,22 @@
       </a:defRPr>
     </a:lvl9pPr>
   </p:defaultTextStyle>
+  <p:extLst>
+    <p:ext uri="{EFAFB233-063F-42B5-8137-9DF3F51BA10A}">
+      <p15:sldGuideLst xmlns:p15="http://schemas.microsoft.com/office/powerpoint/2012/main">
+        <p15:guide id="1" orient="horz" pos="2160" userDrawn="1">
+          <p15:clr>
+            <a:srgbClr val="A4A3A4"/>
+          </p15:clr>
+        </p15:guide>
+        <p15:guide id="2" pos="3840" userDrawn="1">
+          <p15:clr>
+            <a:srgbClr val="A4A3A4"/>
+          </p15:clr>
+        </p15:guide>
+      </p15:sldGuideLst>
+    </p:ext>
+  </p:extLst>
 </p:presentation>
 </file>
 
@@ -129,7 +150,7 @@
       </p:grpSpPr>
       <p:sp>
         <p:nvSpPr>
-          <p:cNvPr id="2" name="Title 1"/>
+          <p:cNvPr id="2" name="標題 1"/>
           <p:cNvSpPr>
             <a:spLocks noGrp="1"/>
           </p:cNvSpPr>
@@ -139,8 +160,8 @@
         </p:nvSpPr>
         <p:spPr>
           <a:xfrm>
-            <a:off x="685800" y="2130425"/>
-            <a:ext cx="7772400" cy="1470025"/>
+            <a:off x="914400" y="2130426"/>
+            <a:ext cx="10363200" cy="1470025"/>
           </a:xfrm>
         </p:spPr>
         <p:txBody>
@@ -148,16 +169,16 @@
           <a:lstStyle/>
           <a:p>
             <a:r>
-              <a:rPr lang="zh-TW" altLang="en-US" smtClean="0"/>
-              <a:t>按一下以編輯母片標題樣式</a:t>
-            </a:r>
-            <a:endParaRPr lang="en-US"/>
-          </a:p>
-        </p:txBody>
-      </p:sp>
-      <p:sp>
-        <p:nvSpPr>
-          <p:cNvPr id="3" name="Subtitle 2"/>
+              <a:rPr lang="en-US" altLang="zh-TW" smtClean="0"/>
+              <a:t>Click to edit Master title style</a:t>
+            </a:r>
+            <a:endParaRPr lang="zh-TW" altLang="en-US"/>
+          </a:p>
+        </p:txBody>
+      </p:sp>
+      <p:sp>
+        <p:nvSpPr>
+          <p:cNvPr id="3" name="副標題 2"/>
           <p:cNvSpPr>
             <a:spLocks noGrp="1"/>
           </p:cNvSpPr>
@@ -167,8 +188,8 @@
         </p:nvSpPr>
         <p:spPr>
           <a:xfrm>
-            <a:off x="1371600" y="3886200"/>
-            <a:ext cx="6400800" cy="1752600"/>
+            <a:off x="1828800" y="3886200"/>
+            <a:ext cx="8534400" cy="1752600"/>
           </a:xfrm>
         </p:spPr>
         <p:txBody>
@@ -184,7 +205,7 @@
                 </a:solidFill>
               </a:defRPr>
             </a:lvl1pPr>
-            <a:lvl2pPr marL="457200" indent="0" algn="ctr">
+            <a:lvl2pPr marL="609585" indent="0" algn="ctr">
               <a:buNone/>
               <a:defRPr>
                 <a:solidFill>
@@ -194,7 +215,7 @@
                 </a:solidFill>
               </a:defRPr>
             </a:lvl2pPr>
-            <a:lvl3pPr marL="914400" indent="0" algn="ctr">
+            <a:lvl3pPr marL="1219170" indent="0" algn="ctr">
               <a:buNone/>
               <a:defRPr>
                 <a:solidFill>
@@ -204,7 +225,7 @@
                 </a:solidFill>
               </a:defRPr>
             </a:lvl3pPr>
-            <a:lvl4pPr marL="1371600" indent="0" algn="ctr">
+            <a:lvl4pPr marL="1828754" indent="0" algn="ctr">
               <a:buNone/>
               <a:defRPr>
                 <a:solidFill>
@@ -214,7 +235,7 @@
                 </a:solidFill>
               </a:defRPr>
             </a:lvl4pPr>
-            <a:lvl5pPr marL="1828800" indent="0" algn="ctr">
+            <a:lvl5pPr marL="2438339" indent="0" algn="ctr">
               <a:buNone/>
               <a:defRPr>
                 <a:solidFill>
@@ -224,7 +245,7 @@
                 </a:solidFill>
               </a:defRPr>
             </a:lvl5pPr>
-            <a:lvl6pPr marL="2286000" indent="0" algn="ctr">
+            <a:lvl6pPr marL="3047924" indent="0" algn="ctr">
               <a:buNone/>
               <a:defRPr>
                 <a:solidFill>
@@ -234,7 +255,7 @@
                 </a:solidFill>
               </a:defRPr>
             </a:lvl6pPr>
-            <a:lvl7pPr marL="2743200" indent="0" algn="ctr">
+            <a:lvl7pPr marL="3657509" indent="0" algn="ctr">
               <a:buNone/>
               <a:defRPr>
                 <a:solidFill>
@@ -244,7 +265,7 @@
                 </a:solidFill>
               </a:defRPr>
             </a:lvl7pPr>
-            <a:lvl8pPr marL="3200400" indent="0" algn="ctr">
+            <a:lvl8pPr marL="4267093" indent="0" algn="ctr">
               <a:buNone/>
               <a:defRPr>
                 <a:solidFill>
@@ -254,7 +275,7 @@
                 </a:solidFill>
               </a:defRPr>
             </a:lvl8pPr>
-            <a:lvl9pPr marL="3657600" indent="0" algn="ctr">
+            <a:lvl9pPr marL="4876678" indent="0" algn="ctr">
               <a:buNone/>
               <a:defRPr>
                 <a:solidFill>
@@ -267,16 +288,16 @@
           </a:lstStyle>
           <a:p>
             <a:r>
-              <a:rPr lang="zh-TW" altLang="en-US" smtClean="0"/>
-              <a:t>按一下以編輯母片副標題樣式</a:t>
-            </a:r>
-            <a:endParaRPr lang="en-US"/>
-          </a:p>
-        </p:txBody>
-      </p:sp>
-      <p:sp>
-        <p:nvSpPr>
-          <p:cNvPr id="4" name="Date Placeholder 3"/>
+              <a:rPr lang="en-US" altLang="zh-TW" smtClean="0"/>
+              <a:t>Click to edit Master subtitle style</a:t>
+            </a:r>
+            <a:endParaRPr lang="zh-TW" altLang="en-US"/>
+          </a:p>
+        </p:txBody>
+      </p:sp>
+      <p:sp>
+        <p:nvSpPr>
+          <p:cNvPr id="4" name="日期版面配置區 3"/>
           <p:cNvSpPr>
             <a:spLocks noGrp="1"/>
           </p:cNvSpPr>
@@ -287,16 +308,12 @@
         <p:spPr/>
         <p:txBody>
           <a:bodyPr/>
-          <a:lstStyle>
-            <a:lvl1pPr>
-              <a:defRPr/>
-            </a:lvl1pPr>
-          </a:lstStyle>
+          <a:lstStyle/>
           <a:p>
             <a:fld id="{5206280B-8FF8-4552-83E2-7FA6F95602A5}" type="datetimeFigureOut">
               <a:rPr lang="zh-TW" altLang="en-US" smtClean="0"/>
               <a:pPr/>
-              <a:t>2016/9/3</a:t>
+              <a:t>2021/4/24</a:t>
             </a:fld>
             <a:endParaRPr lang="zh-TW" altLang="en-US"/>
           </a:p>
@@ -304,7 +321,7 @@
       </p:sp>
       <p:sp>
         <p:nvSpPr>
-          <p:cNvPr id="5" name="Footer Placeholder 4"/>
+          <p:cNvPr id="5" name="頁尾版面配置區 4"/>
           <p:cNvSpPr>
             <a:spLocks noGrp="1"/>
           </p:cNvSpPr>
@@ -315,19 +332,15 @@
         <p:spPr/>
         <p:txBody>
           <a:bodyPr/>
-          <a:lstStyle>
-            <a:lvl1pPr>
-              <a:defRPr/>
-            </a:lvl1pPr>
-          </a:lstStyle>
-          <a:p>
-            <a:endParaRPr lang="zh-TW" altLang="en-US"/>
-          </a:p>
-        </p:txBody>
-      </p:sp>
-      <p:sp>
-        <p:nvSpPr>
-          <p:cNvPr id="6" name="Slide Number Placeholder 5"/>
+          <a:lstStyle/>
+          <a:p>
+            <a:endParaRPr lang="zh-TW" altLang="en-US"/>
+          </a:p>
+        </p:txBody>
+      </p:sp>
+      <p:sp>
+        <p:nvSpPr>
+          <p:cNvPr id="6" name="投影片編號版面配置區 5"/>
           <p:cNvSpPr>
             <a:spLocks noGrp="1"/>
           </p:cNvSpPr>
@@ -338,11 +351,7 @@
         <p:spPr/>
         <p:txBody>
           <a:bodyPr/>
-          <a:lstStyle>
-            <a:lvl1pPr>
-              <a:defRPr/>
-            </a:lvl1pPr>
-          </a:lstStyle>
+          <a:lstStyle/>
           <a:p>
             <a:fld id="{7C3A066A-B5C6-4F63-9854-EC4CA86BC07F}" type="slidenum">
               <a:rPr lang="zh-TW" altLang="en-US" smtClean="0"/>
@@ -354,6 +363,11 @@
         </p:txBody>
       </p:sp>
     </p:spTree>
+    <p:extLst>
+      <p:ext uri="{BB962C8B-B14F-4D97-AF65-F5344CB8AC3E}">
+        <p14:creationId xmlns:p14="http://schemas.microsoft.com/office/powerpoint/2010/main" val="1074203070"/>
+      </p:ext>
+    </p:extLst>
   </p:cSld>
   <p:clrMapOvr>
     <a:masterClrMapping/>
@@ -380,7 +394,7 @@
       </p:grpSpPr>
       <p:sp>
         <p:nvSpPr>
-          <p:cNvPr id="2" name="Title 1"/>
+          <p:cNvPr id="2" name="標題 1"/>
           <p:cNvSpPr>
             <a:spLocks noGrp="1"/>
           </p:cNvSpPr>
@@ -394,16 +408,16 @@
           <a:lstStyle/>
           <a:p>
             <a:r>
-              <a:rPr lang="zh-TW" altLang="en-US" smtClean="0"/>
-              <a:t>按一下以編輯母片標題樣式</a:t>
-            </a:r>
-            <a:endParaRPr lang="en-US"/>
-          </a:p>
-        </p:txBody>
-      </p:sp>
-      <p:sp>
-        <p:nvSpPr>
-          <p:cNvPr id="3" name="Vertical Text Placeholder 2"/>
+              <a:rPr lang="en-US" altLang="zh-TW" smtClean="0"/>
+              <a:t>Click to edit Master title style</a:t>
+            </a:r>
+            <a:endParaRPr lang="zh-TW" altLang="en-US"/>
+          </a:p>
+        </p:txBody>
+      </p:sp>
+      <p:sp>
+        <p:nvSpPr>
+          <p:cNvPr id="3" name="直排文字版面配置區 2"/>
           <p:cNvSpPr>
             <a:spLocks noGrp="1"/>
           </p:cNvSpPr>
@@ -418,44 +432,44 @@
           <a:p>
             <a:pPr lvl="0"/>
             <a:r>
-              <a:rPr lang="zh-TW" altLang="en-US" smtClean="0"/>
-              <a:t>按一下以編輯母片文字樣式</a:t>
+              <a:rPr lang="en-US" altLang="zh-TW" smtClean="0"/>
+              <a:t>Edit Master text styles</a:t>
             </a:r>
           </a:p>
           <a:p>
             <a:pPr lvl="1"/>
             <a:r>
-              <a:rPr lang="zh-TW" altLang="en-US" smtClean="0"/>
-              <a:t>第二層</a:t>
+              <a:rPr lang="en-US" altLang="zh-TW" smtClean="0"/>
+              <a:t>Second level</a:t>
             </a:r>
           </a:p>
           <a:p>
             <a:pPr lvl="2"/>
             <a:r>
-              <a:rPr lang="zh-TW" altLang="en-US" smtClean="0"/>
-              <a:t>第三層</a:t>
+              <a:rPr lang="en-US" altLang="zh-TW" smtClean="0"/>
+              <a:t>Third level</a:t>
             </a:r>
           </a:p>
           <a:p>
             <a:pPr lvl="3"/>
             <a:r>
-              <a:rPr lang="zh-TW" altLang="en-US" smtClean="0"/>
-              <a:t>第四層</a:t>
+              <a:rPr lang="en-US" altLang="zh-TW" smtClean="0"/>
+              <a:t>Fourth level</a:t>
             </a:r>
           </a:p>
           <a:p>
             <a:pPr lvl="4"/>
             <a:r>
-              <a:rPr lang="zh-TW" altLang="en-US" smtClean="0"/>
-              <a:t>第五層</a:t>
-            </a:r>
-            <a:endParaRPr lang="en-US"/>
-          </a:p>
-        </p:txBody>
-      </p:sp>
-      <p:sp>
-        <p:nvSpPr>
-          <p:cNvPr id="4" name="Date Placeholder 3"/>
+              <a:rPr lang="en-US" altLang="zh-TW" smtClean="0"/>
+              <a:t>Fifth level</a:t>
+            </a:r>
+            <a:endParaRPr lang="zh-TW" altLang="en-US"/>
+          </a:p>
+        </p:txBody>
+      </p:sp>
+      <p:sp>
+        <p:nvSpPr>
+          <p:cNvPr id="4" name="日期版面配置區 3"/>
           <p:cNvSpPr>
             <a:spLocks noGrp="1"/>
           </p:cNvSpPr>
@@ -466,16 +480,12 @@
         <p:spPr/>
         <p:txBody>
           <a:bodyPr/>
-          <a:lstStyle>
-            <a:lvl1pPr>
-              <a:defRPr/>
-            </a:lvl1pPr>
-          </a:lstStyle>
+          <a:lstStyle/>
           <a:p>
             <a:fld id="{5206280B-8FF8-4552-83E2-7FA6F95602A5}" type="datetimeFigureOut">
               <a:rPr lang="zh-TW" altLang="en-US" smtClean="0"/>
               <a:pPr/>
-              <a:t>2016/9/3</a:t>
+              <a:t>2021/4/24</a:t>
             </a:fld>
             <a:endParaRPr lang="zh-TW" altLang="en-US"/>
           </a:p>
@@ -483,7 +493,7 @@
       </p:sp>
       <p:sp>
         <p:nvSpPr>
-          <p:cNvPr id="5" name="Footer Placeholder 4"/>
+          <p:cNvPr id="5" name="頁尾版面配置區 4"/>
           <p:cNvSpPr>
             <a:spLocks noGrp="1"/>
           </p:cNvSpPr>
@@ -494,19 +504,15 @@
         <p:spPr/>
         <p:txBody>
           <a:bodyPr/>
-          <a:lstStyle>
-            <a:lvl1pPr>
-              <a:defRPr/>
-            </a:lvl1pPr>
-          </a:lstStyle>
-          <a:p>
-            <a:endParaRPr lang="zh-TW" altLang="en-US"/>
-          </a:p>
-        </p:txBody>
-      </p:sp>
-      <p:sp>
-        <p:nvSpPr>
-          <p:cNvPr id="6" name="Slide Number Placeholder 5"/>
+          <a:lstStyle/>
+          <a:p>
+            <a:endParaRPr lang="zh-TW" altLang="en-US"/>
+          </a:p>
+        </p:txBody>
+      </p:sp>
+      <p:sp>
+        <p:nvSpPr>
+          <p:cNvPr id="6" name="投影片編號版面配置區 5"/>
           <p:cNvSpPr>
             <a:spLocks noGrp="1"/>
           </p:cNvSpPr>
@@ -517,11 +523,7 @@
         <p:spPr/>
         <p:txBody>
           <a:bodyPr/>
-          <a:lstStyle>
-            <a:lvl1pPr>
-              <a:defRPr/>
-            </a:lvl1pPr>
-          </a:lstStyle>
+          <a:lstStyle/>
           <a:p>
             <a:fld id="{7C3A066A-B5C6-4F63-9854-EC4CA86BC07F}" type="slidenum">
               <a:rPr lang="zh-TW" altLang="en-US" smtClean="0"/>
@@ -533,6 +535,11 @@
         </p:txBody>
       </p:sp>
     </p:spTree>
+    <p:extLst>
+      <p:ext uri="{BB962C8B-B14F-4D97-AF65-F5344CB8AC3E}">
+        <p14:creationId xmlns:p14="http://schemas.microsoft.com/office/powerpoint/2010/main" val="320912814"/>
+      </p:ext>
+    </p:extLst>
   </p:cSld>
   <p:clrMapOvr>
     <a:masterClrMapping/>
@@ -559,7 +566,7 @@
       </p:grpSpPr>
       <p:sp>
         <p:nvSpPr>
-          <p:cNvPr id="2" name="Vertical Title 1"/>
+          <p:cNvPr id="2" name="直排標題 1"/>
           <p:cNvSpPr>
             <a:spLocks noGrp="1"/>
           </p:cNvSpPr>
@@ -569,8 +576,8 @@
         </p:nvSpPr>
         <p:spPr>
           <a:xfrm>
-            <a:off x="6629400" y="274638"/>
-            <a:ext cx="2057400" cy="5851525"/>
+            <a:off x="8839200" y="274639"/>
+            <a:ext cx="2743200" cy="5851525"/>
           </a:xfrm>
         </p:spPr>
         <p:txBody>
@@ -578,16 +585,16 @@
           <a:lstStyle/>
           <a:p>
             <a:r>
-              <a:rPr lang="zh-TW" altLang="en-US" smtClean="0"/>
-              <a:t>按一下以編輯母片標題樣式</a:t>
-            </a:r>
-            <a:endParaRPr lang="en-US"/>
-          </a:p>
-        </p:txBody>
-      </p:sp>
-      <p:sp>
-        <p:nvSpPr>
-          <p:cNvPr id="3" name="Vertical Text Placeholder 2"/>
+              <a:rPr lang="en-US" altLang="zh-TW" smtClean="0"/>
+              <a:t>Click to edit Master title style</a:t>
+            </a:r>
+            <a:endParaRPr lang="zh-TW" altLang="en-US"/>
+          </a:p>
+        </p:txBody>
+      </p:sp>
+      <p:sp>
+        <p:nvSpPr>
+          <p:cNvPr id="3" name="直排文字版面配置區 2"/>
           <p:cNvSpPr>
             <a:spLocks noGrp="1"/>
           </p:cNvSpPr>
@@ -597,8 +604,8 @@
         </p:nvSpPr>
         <p:spPr>
           <a:xfrm>
-            <a:off x="457200" y="274638"/>
-            <a:ext cx="6019800" cy="5851525"/>
+            <a:off x="609600" y="274639"/>
+            <a:ext cx="8026400" cy="5851525"/>
           </a:xfrm>
         </p:spPr>
         <p:txBody>
@@ -607,44 +614,44 @@
           <a:p>
             <a:pPr lvl="0"/>
             <a:r>
-              <a:rPr lang="zh-TW" altLang="en-US" smtClean="0"/>
-              <a:t>按一下以編輯母片文字樣式</a:t>
+              <a:rPr lang="en-US" altLang="zh-TW" smtClean="0"/>
+              <a:t>Edit Master text styles</a:t>
             </a:r>
           </a:p>
           <a:p>
             <a:pPr lvl="1"/>
             <a:r>
-              <a:rPr lang="zh-TW" altLang="en-US" smtClean="0"/>
-              <a:t>第二層</a:t>
+              <a:rPr lang="en-US" altLang="zh-TW" smtClean="0"/>
+              <a:t>Second level</a:t>
             </a:r>
           </a:p>
           <a:p>
             <a:pPr lvl="2"/>
             <a:r>
-              <a:rPr lang="zh-TW" altLang="en-US" smtClean="0"/>
-              <a:t>第三層</a:t>
+              <a:rPr lang="en-US" altLang="zh-TW" smtClean="0"/>
+              <a:t>Third level</a:t>
             </a:r>
           </a:p>
           <a:p>
             <a:pPr lvl="3"/>
             <a:r>
-              <a:rPr lang="zh-TW" altLang="en-US" smtClean="0"/>
-              <a:t>第四層</a:t>
+              <a:rPr lang="en-US" altLang="zh-TW" smtClean="0"/>
+              <a:t>Fourth level</a:t>
             </a:r>
           </a:p>
           <a:p>
             <a:pPr lvl="4"/>
             <a:r>
-              <a:rPr lang="zh-TW" altLang="en-US" smtClean="0"/>
-              <a:t>第五層</a:t>
-            </a:r>
-            <a:endParaRPr lang="en-US"/>
-          </a:p>
-        </p:txBody>
-      </p:sp>
-      <p:sp>
-        <p:nvSpPr>
-          <p:cNvPr id="4" name="Date Placeholder 3"/>
+              <a:rPr lang="en-US" altLang="zh-TW" smtClean="0"/>
+              <a:t>Fifth level</a:t>
+            </a:r>
+            <a:endParaRPr lang="zh-TW" altLang="en-US"/>
+          </a:p>
+        </p:txBody>
+      </p:sp>
+      <p:sp>
+        <p:nvSpPr>
+          <p:cNvPr id="4" name="日期版面配置區 3"/>
           <p:cNvSpPr>
             <a:spLocks noGrp="1"/>
           </p:cNvSpPr>
@@ -655,16 +662,12 @@
         <p:spPr/>
         <p:txBody>
           <a:bodyPr/>
-          <a:lstStyle>
-            <a:lvl1pPr>
-              <a:defRPr/>
-            </a:lvl1pPr>
-          </a:lstStyle>
+          <a:lstStyle/>
           <a:p>
             <a:fld id="{5206280B-8FF8-4552-83E2-7FA6F95602A5}" type="datetimeFigureOut">
               <a:rPr lang="zh-TW" altLang="en-US" smtClean="0"/>
               <a:pPr/>
-              <a:t>2016/9/3</a:t>
+              <a:t>2021/4/24</a:t>
             </a:fld>
             <a:endParaRPr lang="zh-TW" altLang="en-US"/>
           </a:p>
@@ -672,7 +675,7 @@
       </p:sp>
       <p:sp>
         <p:nvSpPr>
-          <p:cNvPr id="5" name="Footer Placeholder 4"/>
+          <p:cNvPr id="5" name="頁尾版面配置區 4"/>
           <p:cNvSpPr>
             <a:spLocks noGrp="1"/>
           </p:cNvSpPr>
@@ -683,19 +686,15 @@
         <p:spPr/>
         <p:txBody>
           <a:bodyPr/>
-          <a:lstStyle>
-            <a:lvl1pPr>
-              <a:defRPr/>
-            </a:lvl1pPr>
-          </a:lstStyle>
-          <a:p>
-            <a:endParaRPr lang="zh-TW" altLang="en-US"/>
-          </a:p>
-        </p:txBody>
-      </p:sp>
-      <p:sp>
-        <p:nvSpPr>
-          <p:cNvPr id="6" name="Slide Number Placeholder 5"/>
+          <a:lstStyle/>
+          <a:p>
+            <a:endParaRPr lang="zh-TW" altLang="en-US"/>
+          </a:p>
+        </p:txBody>
+      </p:sp>
+      <p:sp>
+        <p:nvSpPr>
+          <p:cNvPr id="6" name="投影片編號版面配置區 5"/>
           <p:cNvSpPr>
             <a:spLocks noGrp="1"/>
           </p:cNvSpPr>
@@ -706,11 +705,7 @@
         <p:spPr/>
         <p:txBody>
           <a:bodyPr/>
-          <a:lstStyle>
-            <a:lvl1pPr>
-              <a:defRPr/>
-            </a:lvl1pPr>
-          </a:lstStyle>
+          <a:lstStyle/>
           <a:p>
             <a:fld id="{7C3A066A-B5C6-4F63-9854-EC4CA86BC07F}" type="slidenum">
               <a:rPr lang="zh-TW" altLang="en-US" smtClean="0"/>
@@ -722,6 +717,11 @@
         </p:txBody>
       </p:sp>
     </p:spTree>
+    <p:extLst>
+      <p:ext uri="{BB962C8B-B14F-4D97-AF65-F5344CB8AC3E}">
+        <p14:creationId xmlns:p14="http://schemas.microsoft.com/office/powerpoint/2010/main" val="540515853"/>
+      </p:ext>
+    </p:extLst>
   </p:cSld>
   <p:clrMapOvr>
     <a:masterClrMapping/>
@@ -748,7 +748,7 @@
       </p:grpSpPr>
       <p:sp>
         <p:nvSpPr>
-          <p:cNvPr id="2" name="Title 1"/>
+          <p:cNvPr id="2" name="標題 1"/>
           <p:cNvSpPr>
             <a:spLocks noGrp="1"/>
           </p:cNvSpPr>
@@ -762,16 +762,16 @@
           <a:lstStyle/>
           <a:p>
             <a:r>
-              <a:rPr lang="zh-TW" altLang="en-US" smtClean="0"/>
-              <a:t>按一下以編輯母片標題樣式</a:t>
-            </a:r>
-            <a:endParaRPr lang="en-US"/>
-          </a:p>
-        </p:txBody>
-      </p:sp>
-      <p:sp>
-        <p:nvSpPr>
-          <p:cNvPr id="3" name="Content Placeholder 2"/>
+              <a:rPr lang="en-US" altLang="zh-TW" smtClean="0"/>
+              <a:t>Click to edit Master title style</a:t>
+            </a:r>
+            <a:endParaRPr lang="zh-TW" altLang="en-US"/>
+          </a:p>
+        </p:txBody>
+      </p:sp>
+      <p:sp>
+        <p:nvSpPr>
+          <p:cNvPr id="3" name="內容版面配置區 2"/>
           <p:cNvSpPr>
             <a:spLocks noGrp="1"/>
           </p:cNvSpPr>
@@ -786,44 +786,44 @@
           <a:p>
             <a:pPr lvl="0"/>
             <a:r>
-              <a:rPr lang="zh-TW" altLang="en-US" smtClean="0"/>
-              <a:t>按一下以編輯母片文字樣式</a:t>
+              <a:rPr lang="en-US" altLang="zh-TW" smtClean="0"/>
+              <a:t>Edit Master text styles</a:t>
             </a:r>
           </a:p>
           <a:p>
             <a:pPr lvl="1"/>
             <a:r>
-              <a:rPr lang="zh-TW" altLang="en-US" smtClean="0"/>
-              <a:t>第二層</a:t>
+              <a:rPr lang="en-US" altLang="zh-TW" smtClean="0"/>
+              <a:t>Second level</a:t>
             </a:r>
           </a:p>
           <a:p>
             <a:pPr lvl="2"/>
             <a:r>
-              <a:rPr lang="zh-TW" altLang="en-US" smtClean="0"/>
-              <a:t>第三層</a:t>
+              <a:rPr lang="en-US" altLang="zh-TW" smtClean="0"/>
+              <a:t>Third level</a:t>
             </a:r>
           </a:p>
           <a:p>
             <a:pPr lvl="3"/>
             <a:r>
-              <a:rPr lang="zh-TW" altLang="en-US" smtClean="0"/>
-              <a:t>第四層</a:t>
+              <a:rPr lang="en-US" altLang="zh-TW" smtClean="0"/>
+              <a:t>Fourth level</a:t>
             </a:r>
           </a:p>
           <a:p>
             <a:pPr lvl="4"/>
             <a:r>
-              <a:rPr lang="zh-TW" altLang="en-US" smtClean="0"/>
-              <a:t>第五層</a:t>
-            </a:r>
-            <a:endParaRPr lang="en-US"/>
-          </a:p>
-        </p:txBody>
-      </p:sp>
-      <p:sp>
-        <p:nvSpPr>
-          <p:cNvPr id="4" name="Date Placeholder 3"/>
+              <a:rPr lang="en-US" altLang="zh-TW" smtClean="0"/>
+              <a:t>Fifth level</a:t>
+            </a:r>
+            <a:endParaRPr lang="zh-TW" altLang="en-US"/>
+          </a:p>
+        </p:txBody>
+      </p:sp>
+      <p:sp>
+        <p:nvSpPr>
+          <p:cNvPr id="4" name="日期版面配置區 3"/>
           <p:cNvSpPr>
             <a:spLocks noGrp="1"/>
           </p:cNvSpPr>
@@ -834,16 +834,12 @@
         <p:spPr/>
         <p:txBody>
           <a:bodyPr/>
-          <a:lstStyle>
-            <a:lvl1pPr>
-              <a:defRPr/>
-            </a:lvl1pPr>
-          </a:lstStyle>
+          <a:lstStyle/>
           <a:p>
             <a:fld id="{5206280B-8FF8-4552-83E2-7FA6F95602A5}" type="datetimeFigureOut">
               <a:rPr lang="zh-TW" altLang="en-US" smtClean="0"/>
               <a:pPr/>
-              <a:t>2016/9/3</a:t>
+              <a:t>2021/4/24</a:t>
             </a:fld>
             <a:endParaRPr lang="zh-TW" altLang="en-US"/>
           </a:p>
@@ -851,7 +847,7 @@
       </p:sp>
       <p:sp>
         <p:nvSpPr>
-          <p:cNvPr id="5" name="Footer Placeholder 4"/>
+          <p:cNvPr id="5" name="頁尾版面配置區 4"/>
           <p:cNvSpPr>
             <a:spLocks noGrp="1"/>
           </p:cNvSpPr>
@@ -862,19 +858,15 @@
         <p:spPr/>
         <p:txBody>
           <a:bodyPr/>
-          <a:lstStyle>
-            <a:lvl1pPr>
-              <a:defRPr/>
-            </a:lvl1pPr>
-          </a:lstStyle>
-          <a:p>
-            <a:endParaRPr lang="zh-TW" altLang="en-US"/>
-          </a:p>
-        </p:txBody>
-      </p:sp>
-      <p:sp>
-        <p:nvSpPr>
-          <p:cNvPr id="6" name="Slide Number Placeholder 5"/>
+          <a:lstStyle/>
+          <a:p>
+            <a:endParaRPr lang="zh-TW" altLang="en-US"/>
+          </a:p>
+        </p:txBody>
+      </p:sp>
+      <p:sp>
+        <p:nvSpPr>
+          <p:cNvPr id="6" name="投影片編號版面配置區 5"/>
           <p:cNvSpPr>
             <a:spLocks noGrp="1"/>
           </p:cNvSpPr>
@@ -885,11 +877,7 @@
         <p:spPr/>
         <p:txBody>
           <a:bodyPr/>
-          <a:lstStyle>
-            <a:lvl1pPr>
-              <a:defRPr/>
-            </a:lvl1pPr>
-          </a:lstStyle>
+          <a:lstStyle/>
           <a:p>
             <a:fld id="{7C3A066A-B5C6-4F63-9854-EC4CA86BC07F}" type="slidenum">
               <a:rPr lang="zh-TW" altLang="en-US" smtClean="0"/>
@@ -901,6 +889,11 @@
         </p:txBody>
       </p:sp>
     </p:spTree>
+    <p:extLst>
+      <p:ext uri="{BB962C8B-B14F-4D97-AF65-F5344CB8AC3E}">
+        <p14:creationId xmlns:p14="http://schemas.microsoft.com/office/powerpoint/2010/main" val="1019468104"/>
+      </p:ext>
+    </p:extLst>
   </p:cSld>
   <p:clrMapOvr>
     <a:masterClrMapping/>
@@ -927,7 +920,7 @@
       </p:grpSpPr>
       <p:sp>
         <p:nvSpPr>
-          <p:cNvPr id="2" name="Title 1"/>
+          <p:cNvPr id="2" name="標題 1"/>
           <p:cNvSpPr>
             <a:spLocks noGrp="1"/>
           </p:cNvSpPr>
@@ -937,29 +930,29 @@
         </p:nvSpPr>
         <p:spPr>
           <a:xfrm>
-            <a:off x="722313" y="4406900"/>
-            <a:ext cx="7772400" cy="1362075"/>
+            <a:off x="963084" y="4406901"/>
+            <a:ext cx="10363200" cy="1362075"/>
           </a:xfrm>
         </p:spPr>
         <p:txBody>
           <a:bodyPr anchor="t"/>
           <a:lstStyle>
             <a:lvl1pPr algn="l">
-              <a:defRPr sz="4000" b="1" cap="all"/>
+              <a:defRPr sz="5333" b="1" cap="all"/>
             </a:lvl1pPr>
           </a:lstStyle>
           <a:p>
             <a:r>
-              <a:rPr lang="zh-TW" altLang="en-US" smtClean="0"/>
-              <a:t>按一下以編輯母片標題樣式</a:t>
-            </a:r>
-            <a:endParaRPr lang="en-US"/>
-          </a:p>
-        </p:txBody>
-      </p:sp>
-      <p:sp>
-        <p:nvSpPr>
-          <p:cNvPr id="3" name="Text Placeholder 2"/>
+              <a:rPr lang="en-US" altLang="zh-TW" smtClean="0"/>
+              <a:t>Click to edit Master title style</a:t>
+            </a:r>
+            <a:endParaRPr lang="zh-TW" altLang="en-US"/>
+          </a:p>
+        </p:txBody>
+      </p:sp>
+      <p:sp>
+        <p:nvSpPr>
+          <p:cNvPr id="3" name="文字版面配置區 2"/>
           <p:cNvSpPr>
             <a:spLocks noGrp="1"/>
           </p:cNvSpPr>
@@ -969,8 +962,8 @@
         </p:nvSpPr>
         <p:spPr>
           <a:xfrm>
-            <a:off x="722313" y="2906713"/>
-            <a:ext cx="7772400" cy="1500187"/>
+            <a:off x="963084" y="2906713"/>
+            <a:ext cx="10363200" cy="1500187"/>
           </a:xfrm>
         </p:spPr>
         <p:txBody>
@@ -978,7 +971,7 @@
           <a:lstStyle>
             <a:lvl1pPr marL="0" indent="0">
               <a:buNone/>
-              <a:defRPr sz="2000">
+              <a:defRPr sz="2667">
                 <a:solidFill>
                   <a:schemeClr val="tx1">
                     <a:tint val="75000"/>
@@ -986,9 +979,9 @@
                 </a:solidFill>
               </a:defRPr>
             </a:lvl1pPr>
-            <a:lvl2pPr marL="457200" indent="0">
-              <a:buNone/>
-              <a:defRPr sz="1800">
+            <a:lvl2pPr marL="609585" indent="0">
+              <a:buNone/>
+              <a:defRPr sz="2400">
                 <a:solidFill>
                   <a:schemeClr val="tx1">
                     <a:tint val="75000"/>
@@ -996,9 +989,9 @@
                 </a:solidFill>
               </a:defRPr>
             </a:lvl2pPr>
-            <a:lvl3pPr marL="914400" indent="0">
-              <a:buNone/>
-              <a:defRPr sz="1600">
+            <a:lvl3pPr marL="1219170" indent="0">
+              <a:buNone/>
+              <a:defRPr sz="2133">
                 <a:solidFill>
                   <a:schemeClr val="tx1">
                     <a:tint val="75000"/>
@@ -1006,9 +999,9 @@
                 </a:solidFill>
               </a:defRPr>
             </a:lvl3pPr>
-            <a:lvl4pPr marL="1371600" indent="0">
-              <a:buNone/>
-              <a:defRPr sz="1400">
+            <a:lvl4pPr marL="1828754" indent="0">
+              <a:buNone/>
+              <a:defRPr sz="1867">
                 <a:solidFill>
                   <a:schemeClr val="tx1">
                     <a:tint val="75000"/>
@@ -1016,9 +1009,9 @@
                 </a:solidFill>
               </a:defRPr>
             </a:lvl4pPr>
-            <a:lvl5pPr marL="1828800" indent="0">
-              <a:buNone/>
-              <a:defRPr sz="1400">
+            <a:lvl5pPr marL="2438339" indent="0">
+              <a:buNone/>
+              <a:defRPr sz="1867">
                 <a:solidFill>
                   <a:schemeClr val="tx1">
                     <a:tint val="75000"/>
@@ -1026,9 +1019,9 @@
                 </a:solidFill>
               </a:defRPr>
             </a:lvl5pPr>
-            <a:lvl6pPr marL="2286000" indent="0">
-              <a:buNone/>
-              <a:defRPr sz="1400">
+            <a:lvl6pPr marL="3047924" indent="0">
+              <a:buNone/>
+              <a:defRPr sz="1867">
                 <a:solidFill>
                   <a:schemeClr val="tx1">
                     <a:tint val="75000"/>
@@ -1036,9 +1029,9 @@
                 </a:solidFill>
               </a:defRPr>
             </a:lvl6pPr>
-            <a:lvl7pPr marL="2743200" indent="0">
-              <a:buNone/>
-              <a:defRPr sz="1400">
+            <a:lvl7pPr marL="3657509" indent="0">
+              <a:buNone/>
+              <a:defRPr sz="1867">
                 <a:solidFill>
                   <a:schemeClr val="tx1">
                     <a:tint val="75000"/>
@@ -1046,9 +1039,9 @@
                 </a:solidFill>
               </a:defRPr>
             </a:lvl7pPr>
-            <a:lvl8pPr marL="3200400" indent="0">
-              <a:buNone/>
-              <a:defRPr sz="1400">
+            <a:lvl8pPr marL="4267093" indent="0">
+              <a:buNone/>
+              <a:defRPr sz="1867">
                 <a:solidFill>
                   <a:schemeClr val="tx1">
                     <a:tint val="75000"/>
@@ -1056,9 +1049,9 @@
                 </a:solidFill>
               </a:defRPr>
             </a:lvl8pPr>
-            <a:lvl9pPr marL="3657600" indent="0">
-              <a:buNone/>
-              <a:defRPr sz="1400">
+            <a:lvl9pPr marL="4876678" indent="0">
+              <a:buNone/>
+              <a:defRPr sz="1867">
                 <a:solidFill>
                   <a:schemeClr val="tx1">
                     <a:tint val="75000"/>
@@ -1070,15 +1063,15 @@
           <a:p>
             <a:pPr lvl="0"/>
             <a:r>
-              <a:rPr lang="zh-TW" altLang="en-US" smtClean="0"/>
-              <a:t>按一下以編輯母片文字樣式</a:t>
-            </a:r>
-          </a:p>
-        </p:txBody>
-      </p:sp>
-      <p:sp>
-        <p:nvSpPr>
-          <p:cNvPr id="4" name="Date Placeholder 3"/>
+              <a:rPr lang="en-US" altLang="zh-TW" smtClean="0"/>
+              <a:t>Edit Master text styles</a:t>
+            </a:r>
+          </a:p>
+        </p:txBody>
+      </p:sp>
+      <p:sp>
+        <p:nvSpPr>
+          <p:cNvPr id="4" name="日期版面配置區 3"/>
           <p:cNvSpPr>
             <a:spLocks noGrp="1"/>
           </p:cNvSpPr>
@@ -1089,16 +1082,12 @@
         <p:spPr/>
         <p:txBody>
           <a:bodyPr/>
-          <a:lstStyle>
-            <a:lvl1pPr>
-              <a:defRPr/>
-            </a:lvl1pPr>
-          </a:lstStyle>
+          <a:lstStyle/>
           <a:p>
             <a:fld id="{5206280B-8FF8-4552-83E2-7FA6F95602A5}" type="datetimeFigureOut">
               <a:rPr lang="zh-TW" altLang="en-US" smtClean="0"/>
               <a:pPr/>
-              <a:t>2016/9/3</a:t>
+              <a:t>2021/4/24</a:t>
             </a:fld>
             <a:endParaRPr lang="zh-TW" altLang="en-US"/>
           </a:p>
@@ -1106,7 +1095,7 @@
       </p:sp>
       <p:sp>
         <p:nvSpPr>
-          <p:cNvPr id="5" name="Footer Placeholder 4"/>
+          <p:cNvPr id="5" name="頁尾版面配置區 4"/>
           <p:cNvSpPr>
             <a:spLocks noGrp="1"/>
           </p:cNvSpPr>
@@ -1117,19 +1106,15 @@
         <p:spPr/>
         <p:txBody>
           <a:bodyPr/>
-          <a:lstStyle>
-            <a:lvl1pPr>
-              <a:defRPr/>
-            </a:lvl1pPr>
-          </a:lstStyle>
-          <a:p>
-            <a:endParaRPr lang="zh-TW" altLang="en-US"/>
-          </a:p>
-        </p:txBody>
-      </p:sp>
-      <p:sp>
-        <p:nvSpPr>
-          <p:cNvPr id="6" name="Slide Number Placeholder 5"/>
+          <a:lstStyle/>
+          <a:p>
+            <a:endParaRPr lang="zh-TW" altLang="en-US"/>
+          </a:p>
+        </p:txBody>
+      </p:sp>
+      <p:sp>
+        <p:nvSpPr>
+          <p:cNvPr id="6" name="投影片編號版面配置區 5"/>
           <p:cNvSpPr>
             <a:spLocks noGrp="1"/>
           </p:cNvSpPr>
@@ -1140,11 +1125,7 @@
         <p:spPr/>
         <p:txBody>
           <a:bodyPr/>
-          <a:lstStyle>
-            <a:lvl1pPr>
-              <a:defRPr/>
-            </a:lvl1pPr>
-          </a:lstStyle>
+          <a:lstStyle/>
           <a:p>
             <a:fld id="{7C3A066A-B5C6-4F63-9854-EC4CA86BC07F}" type="slidenum">
               <a:rPr lang="zh-TW" altLang="en-US" smtClean="0"/>
@@ -1156,6 +1137,11 @@
         </p:txBody>
       </p:sp>
     </p:spTree>
+    <p:extLst>
+      <p:ext uri="{BB962C8B-B14F-4D97-AF65-F5344CB8AC3E}">
+        <p14:creationId xmlns:p14="http://schemas.microsoft.com/office/powerpoint/2010/main" val="1250531420"/>
+      </p:ext>
+    </p:extLst>
   </p:cSld>
   <p:clrMapOvr>
     <a:masterClrMapping/>
@@ -1182,7 +1168,7 @@
       </p:grpSpPr>
       <p:sp>
         <p:nvSpPr>
-          <p:cNvPr id="2" name="Title 1"/>
+          <p:cNvPr id="2" name="標題 1"/>
           <p:cNvSpPr>
             <a:spLocks noGrp="1"/>
           </p:cNvSpPr>
@@ -1196,16 +1182,16 @@
           <a:lstStyle/>
           <a:p>
             <a:r>
-              <a:rPr lang="zh-TW" altLang="en-US" smtClean="0"/>
-              <a:t>按一下以編輯母片標題樣式</a:t>
-            </a:r>
-            <a:endParaRPr lang="en-US"/>
-          </a:p>
-        </p:txBody>
-      </p:sp>
-      <p:sp>
-        <p:nvSpPr>
-          <p:cNvPr id="3" name="Content Placeholder 2"/>
+              <a:rPr lang="en-US" altLang="zh-TW" smtClean="0"/>
+              <a:t>Click to edit Master title style</a:t>
+            </a:r>
+            <a:endParaRPr lang="zh-TW" altLang="en-US"/>
+          </a:p>
+        </p:txBody>
+      </p:sp>
+      <p:sp>
+        <p:nvSpPr>
+          <p:cNvPr id="3" name="內容版面配置區 2"/>
           <p:cNvSpPr>
             <a:spLocks noGrp="1"/>
           </p:cNvSpPr>
@@ -1215,82 +1201,82 @@
         </p:nvSpPr>
         <p:spPr>
           <a:xfrm>
-            <a:off x="457200" y="1600200"/>
-            <a:ext cx="4038600" cy="4525963"/>
+            <a:off x="609600" y="1600201"/>
+            <a:ext cx="5384800" cy="4525963"/>
           </a:xfrm>
         </p:spPr>
         <p:txBody>
           <a:bodyPr/>
           <a:lstStyle>
             <a:lvl1pPr>
-              <a:defRPr sz="2800"/>
+              <a:defRPr sz="3733"/>
             </a:lvl1pPr>
             <a:lvl2pPr>
-              <a:defRPr sz="2400"/>
+              <a:defRPr sz="3200"/>
             </a:lvl2pPr>
             <a:lvl3pPr>
-              <a:defRPr sz="2000"/>
+              <a:defRPr sz="2667"/>
             </a:lvl3pPr>
             <a:lvl4pPr>
-              <a:defRPr sz="1800"/>
+              <a:defRPr sz="2400"/>
             </a:lvl4pPr>
             <a:lvl5pPr>
-              <a:defRPr sz="1800"/>
+              <a:defRPr sz="2400"/>
             </a:lvl5pPr>
             <a:lvl6pPr>
-              <a:defRPr sz="1800"/>
+              <a:defRPr sz="2400"/>
             </a:lvl6pPr>
             <a:lvl7pPr>
-              <a:defRPr sz="1800"/>
+              <a:defRPr sz="2400"/>
             </a:lvl7pPr>
             <a:lvl8pPr>
-              <a:defRPr sz="1800"/>
+              <a:defRPr sz="2400"/>
             </a:lvl8pPr>
             <a:lvl9pPr>
-              <a:defRPr sz="1800"/>
+              <a:defRPr sz="2400"/>
             </a:lvl9pPr>
           </a:lstStyle>
           <a:p>
             <a:pPr lvl="0"/>
             <a:r>
-              <a:rPr lang="zh-TW" altLang="en-US" smtClean="0"/>
-              <a:t>按一下以編輯母片文字樣式</a:t>
+              <a:rPr lang="en-US" altLang="zh-TW" smtClean="0"/>
+              <a:t>Edit Master text styles</a:t>
             </a:r>
           </a:p>
           <a:p>
             <a:pPr lvl="1"/>
             <a:r>
-              <a:rPr lang="zh-TW" altLang="en-US" smtClean="0"/>
-              <a:t>第二層</a:t>
+              <a:rPr lang="en-US" altLang="zh-TW" smtClean="0"/>
+              <a:t>Second level</a:t>
             </a:r>
           </a:p>
           <a:p>
             <a:pPr lvl="2"/>
             <a:r>
-              <a:rPr lang="zh-TW" altLang="en-US" smtClean="0"/>
-              <a:t>第三層</a:t>
+              <a:rPr lang="en-US" altLang="zh-TW" smtClean="0"/>
+              <a:t>Third level</a:t>
             </a:r>
           </a:p>
           <a:p>
             <a:pPr lvl="3"/>
             <a:r>
-              <a:rPr lang="zh-TW" altLang="en-US" smtClean="0"/>
-              <a:t>第四層</a:t>
+              <a:rPr lang="en-US" altLang="zh-TW" smtClean="0"/>
+              <a:t>Fourth level</a:t>
             </a:r>
           </a:p>
           <a:p>
             <a:pPr lvl="4"/>
             <a:r>
-              <a:rPr lang="zh-TW" altLang="en-US" smtClean="0"/>
-              <a:t>第五層</a:t>
-            </a:r>
-            <a:endParaRPr lang="en-US"/>
-          </a:p>
-        </p:txBody>
-      </p:sp>
-      <p:sp>
-        <p:nvSpPr>
-          <p:cNvPr id="4" name="Content Placeholder 3"/>
+              <a:rPr lang="en-US" altLang="zh-TW" smtClean="0"/>
+              <a:t>Fifth level</a:t>
+            </a:r>
+            <a:endParaRPr lang="zh-TW" altLang="en-US"/>
+          </a:p>
+        </p:txBody>
+      </p:sp>
+      <p:sp>
+        <p:nvSpPr>
+          <p:cNvPr id="4" name="內容版面配置區 3"/>
           <p:cNvSpPr>
             <a:spLocks noGrp="1"/>
           </p:cNvSpPr>
@@ -1300,82 +1286,82 @@
         </p:nvSpPr>
         <p:spPr>
           <a:xfrm>
-            <a:off x="4648200" y="1600200"/>
-            <a:ext cx="4038600" cy="4525963"/>
+            <a:off x="6197600" y="1600201"/>
+            <a:ext cx="5384800" cy="4525963"/>
           </a:xfrm>
         </p:spPr>
         <p:txBody>
           <a:bodyPr/>
           <a:lstStyle>
             <a:lvl1pPr>
-              <a:defRPr sz="2800"/>
+              <a:defRPr sz="3733"/>
             </a:lvl1pPr>
             <a:lvl2pPr>
-              <a:defRPr sz="2400"/>
+              <a:defRPr sz="3200"/>
             </a:lvl2pPr>
             <a:lvl3pPr>
-              <a:defRPr sz="2000"/>
+              <a:defRPr sz="2667"/>
             </a:lvl3pPr>
             <a:lvl4pPr>
-              <a:defRPr sz="1800"/>
+              <a:defRPr sz="2400"/>
             </a:lvl4pPr>
             <a:lvl5pPr>
-              <a:defRPr sz="1800"/>
+              <a:defRPr sz="2400"/>
             </a:lvl5pPr>
             <a:lvl6pPr>
-              <a:defRPr sz="1800"/>
+              <a:defRPr sz="2400"/>
             </a:lvl6pPr>
             <a:lvl7pPr>
-              <a:defRPr sz="1800"/>
+              <a:defRPr sz="2400"/>
             </a:lvl7pPr>
             <a:lvl8pPr>
-              <a:defRPr sz="1800"/>
+              <a:defRPr sz="2400"/>
             </a:lvl8pPr>
             <a:lvl9pPr>
-              <a:defRPr sz="1800"/>
+              <a:defRPr sz="2400"/>
             </a:lvl9pPr>
           </a:lstStyle>
           <a:p>
             <a:pPr lvl="0"/>
             <a:r>
-              <a:rPr lang="zh-TW" altLang="en-US" smtClean="0"/>
-              <a:t>按一下以編輯母片文字樣式</a:t>
+              <a:rPr lang="en-US" altLang="zh-TW" smtClean="0"/>
+              <a:t>Edit Master text styles</a:t>
             </a:r>
           </a:p>
           <a:p>
             <a:pPr lvl="1"/>
             <a:r>
-              <a:rPr lang="zh-TW" altLang="en-US" smtClean="0"/>
-              <a:t>第二層</a:t>
+              <a:rPr lang="en-US" altLang="zh-TW" smtClean="0"/>
+              <a:t>Second level</a:t>
             </a:r>
           </a:p>
           <a:p>
             <a:pPr lvl="2"/>
             <a:r>
-              <a:rPr lang="zh-TW" altLang="en-US" smtClean="0"/>
-              <a:t>第三層</a:t>
+              <a:rPr lang="en-US" altLang="zh-TW" smtClean="0"/>
+              <a:t>Third level</a:t>
             </a:r>
           </a:p>
           <a:p>
             <a:pPr lvl="3"/>
             <a:r>
-              <a:rPr lang="zh-TW" altLang="en-US" smtClean="0"/>
-              <a:t>第四層</a:t>
+              <a:rPr lang="en-US" altLang="zh-TW" smtClean="0"/>
+              <a:t>Fourth level</a:t>
             </a:r>
           </a:p>
           <a:p>
             <a:pPr lvl="4"/>
             <a:r>
-              <a:rPr lang="zh-TW" altLang="en-US" smtClean="0"/>
-              <a:t>第五層</a:t>
-            </a:r>
-            <a:endParaRPr lang="en-US"/>
-          </a:p>
-        </p:txBody>
-      </p:sp>
-      <p:sp>
-        <p:nvSpPr>
-          <p:cNvPr id="5" name="Date Placeholder 3"/>
+              <a:rPr lang="en-US" altLang="zh-TW" smtClean="0"/>
+              <a:t>Fifth level</a:t>
+            </a:r>
+            <a:endParaRPr lang="zh-TW" altLang="en-US"/>
+          </a:p>
+        </p:txBody>
+      </p:sp>
+      <p:sp>
+        <p:nvSpPr>
+          <p:cNvPr id="5" name="日期版面配置區 4"/>
           <p:cNvSpPr>
             <a:spLocks noGrp="1"/>
           </p:cNvSpPr>
@@ -1386,16 +1372,12 @@
         <p:spPr/>
         <p:txBody>
           <a:bodyPr/>
-          <a:lstStyle>
-            <a:lvl1pPr>
-              <a:defRPr/>
-            </a:lvl1pPr>
-          </a:lstStyle>
+          <a:lstStyle/>
           <a:p>
             <a:fld id="{5206280B-8FF8-4552-83E2-7FA6F95602A5}" type="datetimeFigureOut">
               <a:rPr lang="zh-TW" altLang="en-US" smtClean="0"/>
               <a:pPr/>
-              <a:t>2016/9/3</a:t>
+              <a:t>2021/4/24</a:t>
             </a:fld>
             <a:endParaRPr lang="zh-TW" altLang="en-US"/>
           </a:p>
@@ -1403,7 +1385,7 @@
       </p:sp>
       <p:sp>
         <p:nvSpPr>
-          <p:cNvPr id="6" name="Footer Placeholder 4"/>
+          <p:cNvPr id="6" name="頁尾版面配置區 5"/>
           <p:cNvSpPr>
             <a:spLocks noGrp="1"/>
           </p:cNvSpPr>
@@ -1414,19 +1396,15 @@
         <p:spPr/>
         <p:txBody>
           <a:bodyPr/>
-          <a:lstStyle>
-            <a:lvl1pPr>
-              <a:defRPr/>
-            </a:lvl1pPr>
-          </a:lstStyle>
-          <a:p>
-            <a:endParaRPr lang="zh-TW" altLang="en-US"/>
-          </a:p>
-        </p:txBody>
-      </p:sp>
-      <p:sp>
-        <p:nvSpPr>
-          <p:cNvPr id="7" name="Slide Number Placeholder 5"/>
+          <a:lstStyle/>
+          <a:p>
+            <a:endParaRPr lang="zh-TW" altLang="en-US"/>
+          </a:p>
+        </p:txBody>
+      </p:sp>
+      <p:sp>
+        <p:nvSpPr>
+          <p:cNvPr id="7" name="投影片編號版面配置區 6"/>
           <p:cNvSpPr>
             <a:spLocks noGrp="1"/>
           </p:cNvSpPr>
@@ -1437,11 +1415,7 @@
         <p:spPr/>
         <p:txBody>
           <a:bodyPr/>
-          <a:lstStyle>
-            <a:lvl1pPr>
-              <a:defRPr/>
-            </a:lvl1pPr>
-          </a:lstStyle>
+          <a:lstStyle/>
           <a:p>
             <a:fld id="{7C3A066A-B5C6-4F63-9854-EC4CA86BC07F}" type="slidenum">
               <a:rPr lang="zh-TW" altLang="en-US" smtClean="0"/>
@@ -1453,6 +1427,11 @@
         </p:txBody>
       </p:sp>
     </p:spTree>
+    <p:extLst>
+      <p:ext uri="{BB962C8B-B14F-4D97-AF65-F5344CB8AC3E}">
+        <p14:creationId xmlns:p14="http://schemas.microsoft.com/office/powerpoint/2010/main" val="2376911218"/>
+      </p:ext>
+    </p:extLst>
   </p:cSld>
   <p:clrMapOvr>
     <a:masterClrMapping/>
@@ -1479,7 +1458,7 @@
       </p:grpSpPr>
       <p:sp>
         <p:nvSpPr>
-          <p:cNvPr id="2" name="Title 1"/>
+          <p:cNvPr id="2" name="標題 1"/>
           <p:cNvSpPr>
             <a:spLocks noGrp="1"/>
           </p:cNvSpPr>
@@ -1497,16 +1476,16 @@
           </a:lstStyle>
           <a:p>
             <a:r>
-              <a:rPr lang="zh-TW" altLang="en-US" smtClean="0"/>
-              <a:t>按一下以編輯母片標題樣式</a:t>
-            </a:r>
-            <a:endParaRPr lang="en-US"/>
-          </a:p>
-        </p:txBody>
-      </p:sp>
-      <p:sp>
-        <p:nvSpPr>
-          <p:cNvPr id="3" name="Text Placeholder 2"/>
+              <a:rPr lang="en-US" altLang="zh-TW" smtClean="0"/>
+              <a:t>Click to edit Master title style</a:t>
+            </a:r>
+            <a:endParaRPr lang="zh-TW" altLang="en-US"/>
+          </a:p>
+        </p:txBody>
+      </p:sp>
+      <p:sp>
+        <p:nvSpPr>
+          <p:cNvPr id="3" name="文字版面配置區 2"/>
           <p:cNvSpPr>
             <a:spLocks noGrp="1"/>
           </p:cNvSpPr>
@@ -1516,8 +1495,8 @@
         </p:nvSpPr>
         <p:spPr>
           <a:xfrm>
-            <a:off x="457200" y="1535113"/>
-            <a:ext cx="4040188" cy="639762"/>
+            <a:off x="609600" y="1535113"/>
+            <a:ext cx="5386917" cy="639763"/>
           </a:xfrm>
         </p:spPr>
         <p:txBody>
@@ -1525,53 +1504,53 @@
           <a:lstStyle>
             <a:lvl1pPr marL="0" indent="0">
               <a:buNone/>
+              <a:defRPr sz="3200" b="1"/>
+            </a:lvl1pPr>
+            <a:lvl2pPr marL="609585" indent="0">
+              <a:buNone/>
+              <a:defRPr sz="2667" b="1"/>
+            </a:lvl2pPr>
+            <a:lvl3pPr marL="1219170" indent="0">
+              <a:buNone/>
               <a:defRPr sz="2400" b="1"/>
-            </a:lvl1pPr>
-            <a:lvl2pPr marL="457200" indent="0">
-              <a:buNone/>
-              <a:defRPr sz="2000" b="1"/>
-            </a:lvl2pPr>
-            <a:lvl3pPr marL="914400" indent="0">
-              <a:buNone/>
-              <a:defRPr sz="1800" b="1"/>
             </a:lvl3pPr>
-            <a:lvl4pPr marL="1371600" indent="0">
-              <a:buNone/>
-              <a:defRPr sz="1600" b="1"/>
+            <a:lvl4pPr marL="1828754" indent="0">
+              <a:buNone/>
+              <a:defRPr sz="2133" b="1"/>
             </a:lvl4pPr>
-            <a:lvl5pPr marL="1828800" indent="0">
-              <a:buNone/>
-              <a:defRPr sz="1600" b="1"/>
+            <a:lvl5pPr marL="2438339" indent="0">
+              <a:buNone/>
+              <a:defRPr sz="2133" b="1"/>
             </a:lvl5pPr>
-            <a:lvl6pPr marL="2286000" indent="0">
-              <a:buNone/>
-              <a:defRPr sz="1600" b="1"/>
+            <a:lvl6pPr marL="3047924" indent="0">
+              <a:buNone/>
+              <a:defRPr sz="2133" b="1"/>
             </a:lvl6pPr>
-            <a:lvl7pPr marL="2743200" indent="0">
-              <a:buNone/>
-              <a:defRPr sz="1600" b="1"/>
+            <a:lvl7pPr marL="3657509" indent="0">
+              <a:buNone/>
+              <a:defRPr sz="2133" b="1"/>
             </a:lvl7pPr>
-            <a:lvl8pPr marL="3200400" indent="0">
-              <a:buNone/>
-              <a:defRPr sz="1600" b="1"/>
+            <a:lvl8pPr marL="4267093" indent="0">
+              <a:buNone/>
+              <a:defRPr sz="2133" b="1"/>
             </a:lvl8pPr>
-            <a:lvl9pPr marL="3657600" indent="0">
-              <a:buNone/>
-              <a:defRPr sz="1600" b="1"/>
+            <a:lvl9pPr marL="4876678" indent="0">
+              <a:buNone/>
+              <a:defRPr sz="2133" b="1"/>
             </a:lvl9pPr>
           </a:lstStyle>
           <a:p>
             <a:pPr lvl="0"/>
             <a:r>
-              <a:rPr lang="zh-TW" altLang="en-US" smtClean="0"/>
-              <a:t>按一下以編輯母片文字樣式</a:t>
-            </a:r>
-          </a:p>
-        </p:txBody>
-      </p:sp>
-      <p:sp>
-        <p:nvSpPr>
-          <p:cNvPr id="4" name="Content Placeholder 3"/>
+              <a:rPr lang="en-US" altLang="zh-TW" smtClean="0"/>
+              <a:t>Edit Master text styles</a:t>
+            </a:r>
+          </a:p>
+        </p:txBody>
+      </p:sp>
+      <p:sp>
+        <p:nvSpPr>
+          <p:cNvPr id="4" name="內容版面配置區 3"/>
           <p:cNvSpPr>
             <a:spLocks noGrp="1"/>
           </p:cNvSpPr>
@@ -1581,82 +1560,82 @@
         </p:nvSpPr>
         <p:spPr>
           <a:xfrm>
-            <a:off x="457200" y="2174875"/>
-            <a:ext cx="4040188" cy="3951288"/>
+            <a:off x="609600" y="2174875"/>
+            <a:ext cx="5386917" cy="3951288"/>
           </a:xfrm>
         </p:spPr>
         <p:txBody>
           <a:bodyPr/>
           <a:lstStyle>
             <a:lvl1pPr>
-              <a:defRPr sz="2400"/>
+              <a:defRPr sz="3200"/>
             </a:lvl1pPr>
             <a:lvl2pPr>
-              <a:defRPr sz="2000"/>
+              <a:defRPr sz="2667"/>
             </a:lvl2pPr>
             <a:lvl3pPr>
-              <a:defRPr sz="1800"/>
+              <a:defRPr sz="2400"/>
             </a:lvl3pPr>
             <a:lvl4pPr>
-              <a:defRPr sz="1600"/>
+              <a:defRPr sz="2133"/>
             </a:lvl4pPr>
             <a:lvl5pPr>
-              <a:defRPr sz="1600"/>
+              <a:defRPr sz="2133"/>
             </a:lvl5pPr>
             <a:lvl6pPr>
-              <a:defRPr sz="1600"/>
+              <a:defRPr sz="2133"/>
             </a:lvl6pPr>
             <a:lvl7pPr>
-              <a:defRPr sz="1600"/>
+              <a:defRPr sz="2133"/>
             </a:lvl7pPr>
             <a:lvl8pPr>
-              <a:defRPr sz="1600"/>
+              <a:defRPr sz="2133"/>
             </a:lvl8pPr>
             <a:lvl9pPr>
-              <a:defRPr sz="1600"/>
+              <a:defRPr sz="2133"/>
             </a:lvl9pPr>
           </a:lstStyle>
           <a:p>
             <a:pPr lvl="0"/>
             <a:r>
-              <a:rPr lang="zh-TW" altLang="en-US" smtClean="0"/>
-              <a:t>按一下以編輯母片文字樣式</a:t>
+              <a:rPr lang="en-US" altLang="zh-TW" smtClean="0"/>
+              <a:t>Edit Master text styles</a:t>
             </a:r>
           </a:p>
           <a:p>
             <a:pPr lvl="1"/>
             <a:r>
-              <a:rPr lang="zh-TW" altLang="en-US" smtClean="0"/>
-              <a:t>第二層</a:t>
+              <a:rPr lang="en-US" altLang="zh-TW" smtClean="0"/>
+              <a:t>Second level</a:t>
             </a:r>
           </a:p>
           <a:p>
             <a:pPr lvl="2"/>
             <a:r>
-              <a:rPr lang="zh-TW" altLang="en-US" smtClean="0"/>
-              <a:t>第三層</a:t>
+              <a:rPr lang="en-US" altLang="zh-TW" smtClean="0"/>
+              <a:t>Third level</a:t>
             </a:r>
           </a:p>
           <a:p>
             <a:pPr lvl="3"/>
             <a:r>
-              <a:rPr lang="zh-TW" altLang="en-US" smtClean="0"/>
-              <a:t>第四層</a:t>
+              <a:rPr lang="en-US" altLang="zh-TW" smtClean="0"/>
+              <a:t>Fourth level</a:t>
             </a:r>
           </a:p>
           <a:p>
             <a:pPr lvl="4"/>
             <a:r>
-              <a:rPr lang="zh-TW" altLang="en-US" smtClean="0"/>
-              <a:t>第五層</a:t>
-            </a:r>
-            <a:endParaRPr lang="en-US"/>
-          </a:p>
-        </p:txBody>
-      </p:sp>
-      <p:sp>
-        <p:nvSpPr>
-          <p:cNvPr id="5" name="Text Placeholder 4"/>
+              <a:rPr lang="en-US" altLang="zh-TW" smtClean="0"/>
+              <a:t>Fifth level</a:t>
+            </a:r>
+            <a:endParaRPr lang="zh-TW" altLang="en-US"/>
+          </a:p>
+        </p:txBody>
+      </p:sp>
+      <p:sp>
+        <p:nvSpPr>
+          <p:cNvPr id="5" name="文字版面配置區 4"/>
           <p:cNvSpPr>
             <a:spLocks noGrp="1"/>
           </p:cNvSpPr>
@@ -1666,8 +1645,8 @@
         </p:nvSpPr>
         <p:spPr>
           <a:xfrm>
-            <a:off x="4645025" y="1535113"/>
-            <a:ext cx="4041775" cy="639762"/>
+            <a:off x="6193369" y="1535113"/>
+            <a:ext cx="5389033" cy="639763"/>
           </a:xfrm>
         </p:spPr>
         <p:txBody>
@@ -1675,53 +1654,53 @@
           <a:lstStyle>
             <a:lvl1pPr marL="0" indent="0">
               <a:buNone/>
+              <a:defRPr sz="3200" b="1"/>
+            </a:lvl1pPr>
+            <a:lvl2pPr marL="609585" indent="0">
+              <a:buNone/>
+              <a:defRPr sz="2667" b="1"/>
+            </a:lvl2pPr>
+            <a:lvl3pPr marL="1219170" indent="0">
+              <a:buNone/>
               <a:defRPr sz="2400" b="1"/>
-            </a:lvl1pPr>
-            <a:lvl2pPr marL="457200" indent="0">
-              <a:buNone/>
-              <a:defRPr sz="2000" b="1"/>
-            </a:lvl2pPr>
-            <a:lvl3pPr marL="914400" indent="0">
-              <a:buNone/>
-              <a:defRPr sz="1800" b="1"/>
             </a:lvl3pPr>
-            <a:lvl4pPr marL="1371600" indent="0">
-              <a:buNone/>
-              <a:defRPr sz="1600" b="1"/>
+            <a:lvl4pPr marL="1828754" indent="0">
+              <a:buNone/>
+              <a:defRPr sz="2133" b="1"/>
             </a:lvl4pPr>
-            <a:lvl5pPr marL="1828800" indent="0">
-              <a:buNone/>
-              <a:defRPr sz="1600" b="1"/>
+            <a:lvl5pPr marL="2438339" indent="0">
+              <a:buNone/>
+              <a:defRPr sz="2133" b="1"/>
             </a:lvl5pPr>
-            <a:lvl6pPr marL="2286000" indent="0">
-              <a:buNone/>
-              <a:defRPr sz="1600" b="1"/>
+            <a:lvl6pPr marL="3047924" indent="0">
+              <a:buNone/>
+              <a:defRPr sz="2133" b="1"/>
             </a:lvl6pPr>
-            <a:lvl7pPr marL="2743200" indent="0">
-              <a:buNone/>
-              <a:defRPr sz="1600" b="1"/>
+            <a:lvl7pPr marL="3657509" indent="0">
+              <a:buNone/>
+              <a:defRPr sz="2133" b="1"/>
             </a:lvl7pPr>
-            <a:lvl8pPr marL="3200400" indent="0">
-              <a:buNone/>
-              <a:defRPr sz="1600" b="1"/>
+            <a:lvl8pPr marL="4267093" indent="0">
+              <a:buNone/>
+              <a:defRPr sz="2133" b="1"/>
             </a:lvl8pPr>
-            <a:lvl9pPr marL="3657600" indent="0">
-              <a:buNone/>
-              <a:defRPr sz="1600" b="1"/>
+            <a:lvl9pPr marL="4876678" indent="0">
+              <a:buNone/>
+              <a:defRPr sz="2133" b="1"/>
             </a:lvl9pPr>
           </a:lstStyle>
           <a:p>
             <a:pPr lvl="0"/>
             <a:r>
-              <a:rPr lang="zh-TW" altLang="en-US" smtClean="0"/>
-              <a:t>按一下以編輯母片文字樣式</a:t>
-            </a:r>
-          </a:p>
-        </p:txBody>
-      </p:sp>
-      <p:sp>
-        <p:nvSpPr>
-          <p:cNvPr id="6" name="Content Placeholder 5"/>
+              <a:rPr lang="en-US" altLang="zh-TW" smtClean="0"/>
+              <a:t>Edit Master text styles</a:t>
+            </a:r>
+          </a:p>
+        </p:txBody>
+      </p:sp>
+      <p:sp>
+        <p:nvSpPr>
+          <p:cNvPr id="6" name="內容版面配置區 5"/>
           <p:cNvSpPr>
             <a:spLocks noGrp="1"/>
           </p:cNvSpPr>
@@ -1731,82 +1710,82 @@
         </p:nvSpPr>
         <p:spPr>
           <a:xfrm>
-            <a:off x="4645025" y="2174875"/>
-            <a:ext cx="4041775" cy="3951288"/>
+            <a:off x="6193369" y="2174875"/>
+            <a:ext cx="5389033" cy="3951288"/>
           </a:xfrm>
         </p:spPr>
         <p:txBody>
           <a:bodyPr/>
           <a:lstStyle>
             <a:lvl1pPr>
-              <a:defRPr sz="2400"/>
+              <a:defRPr sz="3200"/>
             </a:lvl1pPr>
             <a:lvl2pPr>
-              <a:defRPr sz="2000"/>
+              <a:defRPr sz="2667"/>
             </a:lvl2pPr>
             <a:lvl3pPr>
-              <a:defRPr sz="1800"/>
+              <a:defRPr sz="2400"/>
             </a:lvl3pPr>
             <a:lvl4pPr>
-              <a:defRPr sz="1600"/>
+              <a:defRPr sz="2133"/>
             </a:lvl4pPr>
             <a:lvl5pPr>
-              <a:defRPr sz="1600"/>
+              <a:defRPr sz="2133"/>
             </a:lvl5pPr>
             <a:lvl6pPr>
-              <a:defRPr sz="1600"/>
+              <a:defRPr sz="2133"/>
             </a:lvl6pPr>
             <a:lvl7pPr>
-              <a:defRPr sz="1600"/>
+              <a:defRPr sz="2133"/>
             </a:lvl7pPr>
             <a:lvl8pPr>
-              <a:defRPr sz="1600"/>
+              <a:defRPr sz="2133"/>
             </a:lvl8pPr>
             <a:lvl9pPr>
-              <a:defRPr sz="1600"/>
+              <a:defRPr sz="2133"/>
             </a:lvl9pPr>
           </a:lstStyle>
           <a:p>
             <a:pPr lvl="0"/>
             <a:r>
-              <a:rPr lang="zh-TW" altLang="en-US" smtClean="0"/>
-              <a:t>按一下以編輯母片文字樣式</a:t>
+              <a:rPr lang="en-US" altLang="zh-TW" smtClean="0"/>
+              <a:t>Edit Master text styles</a:t>
             </a:r>
           </a:p>
           <a:p>
             <a:pPr lvl="1"/>
             <a:r>
-              <a:rPr lang="zh-TW" altLang="en-US" smtClean="0"/>
-              <a:t>第二層</a:t>
+              <a:rPr lang="en-US" altLang="zh-TW" smtClean="0"/>
+              <a:t>Second level</a:t>
             </a:r>
           </a:p>
           <a:p>
             <a:pPr lvl="2"/>
             <a:r>
-              <a:rPr lang="zh-TW" altLang="en-US" smtClean="0"/>
-              <a:t>第三層</a:t>
+              <a:rPr lang="en-US" altLang="zh-TW" smtClean="0"/>
+              <a:t>Third level</a:t>
             </a:r>
           </a:p>
           <a:p>
             <a:pPr lvl="3"/>
             <a:r>
-              <a:rPr lang="zh-TW" altLang="en-US" smtClean="0"/>
-              <a:t>第四層</a:t>
+              <a:rPr lang="en-US" altLang="zh-TW" smtClean="0"/>
+              <a:t>Fourth level</a:t>
             </a:r>
           </a:p>
           <a:p>
             <a:pPr lvl="4"/>
             <a:r>
-              <a:rPr lang="zh-TW" altLang="en-US" smtClean="0"/>
-              <a:t>第五層</a:t>
-            </a:r>
-            <a:endParaRPr lang="en-US"/>
-          </a:p>
-        </p:txBody>
-      </p:sp>
-      <p:sp>
-        <p:nvSpPr>
-          <p:cNvPr id="7" name="Date Placeholder 3"/>
+              <a:rPr lang="en-US" altLang="zh-TW" smtClean="0"/>
+              <a:t>Fifth level</a:t>
+            </a:r>
+            <a:endParaRPr lang="zh-TW" altLang="en-US"/>
+          </a:p>
+        </p:txBody>
+      </p:sp>
+      <p:sp>
+        <p:nvSpPr>
+          <p:cNvPr id="7" name="日期版面配置區 6"/>
           <p:cNvSpPr>
             <a:spLocks noGrp="1"/>
           </p:cNvSpPr>
@@ -1817,16 +1796,12 @@
         <p:spPr/>
         <p:txBody>
           <a:bodyPr/>
-          <a:lstStyle>
-            <a:lvl1pPr>
-              <a:defRPr/>
-            </a:lvl1pPr>
-          </a:lstStyle>
+          <a:lstStyle/>
           <a:p>
             <a:fld id="{5206280B-8FF8-4552-83E2-7FA6F95602A5}" type="datetimeFigureOut">
               <a:rPr lang="zh-TW" altLang="en-US" smtClean="0"/>
               <a:pPr/>
-              <a:t>2016/9/3</a:t>
+              <a:t>2021/4/24</a:t>
             </a:fld>
             <a:endParaRPr lang="zh-TW" altLang="en-US"/>
           </a:p>
@@ -1834,7 +1809,7 @@
       </p:sp>
       <p:sp>
         <p:nvSpPr>
-          <p:cNvPr id="8" name="Footer Placeholder 4"/>
+          <p:cNvPr id="8" name="頁尾版面配置區 7"/>
           <p:cNvSpPr>
             <a:spLocks noGrp="1"/>
           </p:cNvSpPr>
@@ -1845,19 +1820,15 @@
         <p:spPr/>
         <p:txBody>
           <a:bodyPr/>
-          <a:lstStyle>
-            <a:lvl1pPr>
-              <a:defRPr/>
-            </a:lvl1pPr>
-          </a:lstStyle>
-          <a:p>
-            <a:endParaRPr lang="zh-TW" altLang="en-US"/>
-          </a:p>
-        </p:txBody>
-      </p:sp>
-      <p:sp>
-        <p:nvSpPr>
-          <p:cNvPr id="9" name="Slide Number Placeholder 5"/>
+          <a:lstStyle/>
+          <a:p>
+            <a:endParaRPr lang="zh-TW" altLang="en-US"/>
+          </a:p>
+        </p:txBody>
+      </p:sp>
+      <p:sp>
+        <p:nvSpPr>
+          <p:cNvPr id="9" name="投影片編號版面配置區 8"/>
           <p:cNvSpPr>
             <a:spLocks noGrp="1"/>
           </p:cNvSpPr>
@@ -1868,11 +1839,7 @@
         <p:spPr/>
         <p:txBody>
           <a:bodyPr/>
-          <a:lstStyle>
-            <a:lvl1pPr>
-              <a:defRPr/>
-            </a:lvl1pPr>
-          </a:lstStyle>
+          <a:lstStyle/>
           <a:p>
             <a:fld id="{7C3A066A-B5C6-4F63-9854-EC4CA86BC07F}" type="slidenum">
               <a:rPr lang="zh-TW" altLang="en-US" smtClean="0"/>
@@ -1884,6 +1851,11 @@
         </p:txBody>
       </p:sp>
     </p:spTree>
+    <p:extLst>
+      <p:ext uri="{BB962C8B-B14F-4D97-AF65-F5344CB8AC3E}">
+        <p14:creationId xmlns:p14="http://schemas.microsoft.com/office/powerpoint/2010/main" val="3746342835"/>
+      </p:ext>
+    </p:extLst>
   </p:cSld>
   <p:clrMapOvr>
     <a:masterClrMapping/>
@@ -1910,7 +1882,7 @@
       </p:grpSpPr>
       <p:sp>
         <p:nvSpPr>
-          <p:cNvPr id="2" name="Title 1"/>
+          <p:cNvPr id="2" name="標題 1"/>
           <p:cNvSpPr>
             <a:spLocks noGrp="1"/>
           </p:cNvSpPr>
@@ -1924,16 +1896,16 @@
           <a:lstStyle/>
           <a:p>
             <a:r>
-              <a:rPr lang="zh-TW" altLang="en-US" smtClean="0"/>
-              <a:t>按一下以編輯母片標題樣式</a:t>
-            </a:r>
-            <a:endParaRPr lang="en-US"/>
-          </a:p>
-        </p:txBody>
-      </p:sp>
-      <p:sp>
-        <p:nvSpPr>
-          <p:cNvPr id="3" name="Date Placeholder 3"/>
+              <a:rPr lang="en-US" altLang="zh-TW" smtClean="0"/>
+              <a:t>Click to edit Master title style</a:t>
+            </a:r>
+            <a:endParaRPr lang="zh-TW" altLang="en-US"/>
+          </a:p>
+        </p:txBody>
+      </p:sp>
+      <p:sp>
+        <p:nvSpPr>
+          <p:cNvPr id="3" name="日期版面配置區 2"/>
           <p:cNvSpPr>
             <a:spLocks noGrp="1"/>
           </p:cNvSpPr>
@@ -1944,16 +1916,12 @@
         <p:spPr/>
         <p:txBody>
           <a:bodyPr/>
-          <a:lstStyle>
-            <a:lvl1pPr>
-              <a:defRPr/>
-            </a:lvl1pPr>
-          </a:lstStyle>
+          <a:lstStyle/>
           <a:p>
             <a:fld id="{5206280B-8FF8-4552-83E2-7FA6F95602A5}" type="datetimeFigureOut">
               <a:rPr lang="zh-TW" altLang="en-US" smtClean="0"/>
               <a:pPr/>
-              <a:t>2016/9/3</a:t>
+              <a:t>2021/4/24</a:t>
             </a:fld>
             <a:endParaRPr lang="zh-TW" altLang="en-US"/>
           </a:p>
@@ -1961,7 +1929,7 @@
       </p:sp>
       <p:sp>
         <p:nvSpPr>
-          <p:cNvPr id="4" name="Footer Placeholder 4"/>
+          <p:cNvPr id="4" name="頁尾版面配置區 3"/>
           <p:cNvSpPr>
             <a:spLocks noGrp="1"/>
           </p:cNvSpPr>
@@ -1972,19 +1940,15 @@
         <p:spPr/>
         <p:txBody>
           <a:bodyPr/>
-          <a:lstStyle>
-            <a:lvl1pPr>
-              <a:defRPr/>
-            </a:lvl1pPr>
-          </a:lstStyle>
-          <a:p>
-            <a:endParaRPr lang="zh-TW" altLang="en-US"/>
-          </a:p>
-        </p:txBody>
-      </p:sp>
-      <p:sp>
-        <p:nvSpPr>
-          <p:cNvPr id="5" name="Slide Number Placeholder 5"/>
+          <a:lstStyle/>
+          <a:p>
+            <a:endParaRPr lang="zh-TW" altLang="en-US"/>
+          </a:p>
+        </p:txBody>
+      </p:sp>
+      <p:sp>
+        <p:nvSpPr>
+          <p:cNvPr id="5" name="投影片編號版面配置區 4"/>
           <p:cNvSpPr>
             <a:spLocks noGrp="1"/>
           </p:cNvSpPr>
@@ -1995,11 +1959,7 @@
         <p:spPr/>
         <p:txBody>
           <a:bodyPr/>
-          <a:lstStyle>
-            <a:lvl1pPr>
-              <a:defRPr/>
-            </a:lvl1pPr>
-          </a:lstStyle>
+          <a:lstStyle/>
           <a:p>
             <a:fld id="{7C3A066A-B5C6-4F63-9854-EC4CA86BC07F}" type="slidenum">
               <a:rPr lang="zh-TW" altLang="en-US" smtClean="0"/>
@@ -2011,6 +1971,11 @@
         </p:txBody>
       </p:sp>
     </p:spTree>
+    <p:extLst>
+      <p:ext uri="{BB962C8B-B14F-4D97-AF65-F5344CB8AC3E}">
+        <p14:creationId xmlns:p14="http://schemas.microsoft.com/office/powerpoint/2010/main" val="1281038449"/>
+      </p:ext>
+    </p:extLst>
   </p:cSld>
   <p:clrMapOvr>
     <a:masterClrMapping/>
@@ -2037,7 +2002,7 @@
       </p:grpSpPr>
       <p:sp>
         <p:nvSpPr>
-          <p:cNvPr id="2" name="Date Placeholder 3"/>
+          <p:cNvPr id="2" name="日期版面配置區 1"/>
           <p:cNvSpPr>
             <a:spLocks noGrp="1"/>
           </p:cNvSpPr>
@@ -2048,16 +2013,12 @@
         <p:spPr/>
         <p:txBody>
           <a:bodyPr/>
-          <a:lstStyle>
-            <a:lvl1pPr>
-              <a:defRPr/>
-            </a:lvl1pPr>
-          </a:lstStyle>
+          <a:lstStyle/>
           <a:p>
             <a:fld id="{5206280B-8FF8-4552-83E2-7FA6F95602A5}" type="datetimeFigureOut">
               <a:rPr lang="zh-TW" altLang="en-US" smtClean="0"/>
               <a:pPr/>
-              <a:t>2016/9/3</a:t>
+              <a:t>2021/4/24</a:t>
             </a:fld>
             <a:endParaRPr lang="zh-TW" altLang="en-US"/>
           </a:p>
@@ -2065,7 +2026,7 @@
       </p:sp>
       <p:sp>
         <p:nvSpPr>
-          <p:cNvPr id="3" name="Footer Placeholder 4"/>
+          <p:cNvPr id="3" name="頁尾版面配置區 2"/>
           <p:cNvSpPr>
             <a:spLocks noGrp="1"/>
           </p:cNvSpPr>
@@ -2076,19 +2037,15 @@
         <p:spPr/>
         <p:txBody>
           <a:bodyPr/>
-          <a:lstStyle>
-            <a:lvl1pPr>
-              <a:defRPr/>
-            </a:lvl1pPr>
-          </a:lstStyle>
-          <a:p>
-            <a:endParaRPr lang="zh-TW" altLang="en-US"/>
-          </a:p>
-        </p:txBody>
-      </p:sp>
-      <p:sp>
-        <p:nvSpPr>
-          <p:cNvPr id="4" name="Slide Number Placeholder 5"/>
+          <a:lstStyle/>
+          <a:p>
+            <a:endParaRPr lang="zh-TW" altLang="en-US"/>
+          </a:p>
+        </p:txBody>
+      </p:sp>
+      <p:sp>
+        <p:nvSpPr>
+          <p:cNvPr id="4" name="投影片編號版面配置區 3"/>
           <p:cNvSpPr>
             <a:spLocks noGrp="1"/>
           </p:cNvSpPr>
@@ -2099,11 +2056,7 @@
         <p:spPr/>
         <p:txBody>
           <a:bodyPr/>
-          <a:lstStyle>
-            <a:lvl1pPr>
-              <a:defRPr/>
-            </a:lvl1pPr>
-          </a:lstStyle>
+          <a:lstStyle/>
           <a:p>
             <a:fld id="{7C3A066A-B5C6-4F63-9854-EC4CA86BC07F}" type="slidenum">
               <a:rPr lang="zh-TW" altLang="en-US" smtClean="0"/>
@@ -2115,6 +2068,11 @@
         </p:txBody>
       </p:sp>
     </p:spTree>
+    <p:extLst>
+      <p:ext uri="{BB962C8B-B14F-4D97-AF65-F5344CB8AC3E}">
+        <p14:creationId xmlns:p14="http://schemas.microsoft.com/office/powerpoint/2010/main" val="1088462160"/>
+      </p:ext>
+    </p:extLst>
   </p:cSld>
   <p:clrMapOvr>
     <a:masterClrMapping/>
@@ -2141,7 +2099,7 @@
       </p:grpSpPr>
       <p:sp>
         <p:nvSpPr>
-          <p:cNvPr id="2" name="Title 1"/>
+          <p:cNvPr id="2" name="標題 1"/>
           <p:cNvSpPr>
             <a:spLocks noGrp="1"/>
           </p:cNvSpPr>
@@ -2151,29 +2109,29 @@
         </p:nvSpPr>
         <p:spPr>
           <a:xfrm>
-            <a:off x="457200" y="273050"/>
-            <a:ext cx="3008313" cy="1162050"/>
+            <a:off x="609602" y="273049"/>
+            <a:ext cx="4011084" cy="1162051"/>
           </a:xfrm>
         </p:spPr>
         <p:txBody>
           <a:bodyPr anchor="b"/>
           <a:lstStyle>
             <a:lvl1pPr algn="l">
-              <a:defRPr sz="2000" b="1"/>
+              <a:defRPr sz="2667" b="1"/>
             </a:lvl1pPr>
           </a:lstStyle>
           <a:p>
             <a:r>
-              <a:rPr lang="zh-TW" altLang="en-US" smtClean="0"/>
-              <a:t>按一下以編輯母片標題樣式</a:t>
-            </a:r>
-            <a:endParaRPr lang="en-US"/>
-          </a:p>
-        </p:txBody>
-      </p:sp>
-      <p:sp>
-        <p:nvSpPr>
-          <p:cNvPr id="3" name="Content Placeholder 2"/>
+              <a:rPr lang="en-US" altLang="zh-TW" smtClean="0"/>
+              <a:t>Click to edit Master title style</a:t>
+            </a:r>
+            <a:endParaRPr lang="zh-TW" altLang="en-US"/>
+          </a:p>
+        </p:txBody>
+      </p:sp>
+      <p:sp>
+        <p:nvSpPr>
+          <p:cNvPr id="3" name="內容版面配置區 2"/>
           <p:cNvSpPr>
             <a:spLocks noGrp="1"/>
           </p:cNvSpPr>
@@ -2183,82 +2141,82 @@
         </p:nvSpPr>
         <p:spPr>
           <a:xfrm>
-            <a:off x="3575050" y="273050"/>
-            <a:ext cx="5111750" cy="5853113"/>
+            <a:off x="4766733" y="273052"/>
+            <a:ext cx="6815667" cy="5853113"/>
           </a:xfrm>
         </p:spPr>
         <p:txBody>
           <a:bodyPr/>
           <a:lstStyle>
             <a:lvl1pPr>
-              <a:defRPr sz="3200"/>
+              <a:defRPr sz="4267"/>
             </a:lvl1pPr>
             <a:lvl2pPr>
-              <a:defRPr sz="2800"/>
+              <a:defRPr sz="3733"/>
             </a:lvl2pPr>
             <a:lvl3pPr>
-              <a:defRPr sz="2400"/>
+              <a:defRPr sz="3200"/>
             </a:lvl3pPr>
             <a:lvl4pPr>
-              <a:defRPr sz="2000"/>
+              <a:defRPr sz="2667"/>
             </a:lvl4pPr>
             <a:lvl5pPr>
-              <a:defRPr sz="2000"/>
+              <a:defRPr sz="2667"/>
             </a:lvl5pPr>
             <a:lvl6pPr>
-              <a:defRPr sz="2000"/>
+              <a:defRPr sz="2667"/>
             </a:lvl6pPr>
             <a:lvl7pPr>
-              <a:defRPr sz="2000"/>
+              <a:defRPr sz="2667"/>
             </a:lvl7pPr>
             <a:lvl8pPr>
-              <a:defRPr sz="2000"/>
+              <a:defRPr sz="2667"/>
             </a:lvl8pPr>
             <a:lvl9pPr>
-              <a:defRPr sz="2000"/>
+              <a:defRPr sz="2667"/>
             </a:lvl9pPr>
           </a:lstStyle>
           <a:p>
             <a:pPr lvl="0"/>
             <a:r>
-              <a:rPr lang="zh-TW" altLang="en-US" smtClean="0"/>
-              <a:t>按一下以編輯母片文字樣式</a:t>
+              <a:rPr lang="en-US" altLang="zh-TW" smtClean="0"/>
+              <a:t>Edit Master text styles</a:t>
             </a:r>
           </a:p>
           <a:p>
             <a:pPr lvl="1"/>
             <a:r>
-              <a:rPr lang="zh-TW" altLang="en-US" smtClean="0"/>
-              <a:t>第二層</a:t>
+              <a:rPr lang="en-US" altLang="zh-TW" smtClean="0"/>
+              <a:t>Second level</a:t>
             </a:r>
           </a:p>
           <a:p>
             <a:pPr lvl="2"/>
             <a:r>
-              <a:rPr lang="zh-TW" altLang="en-US" smtClean="0"/>
-              <a:t>第三層</a:t>
+              <a:rPr lang="en-US" altLang="zh-TW" smtClean="0"/>
+              <a:t>Third level</a:t>
             </a:r>
           </a:p>
           <a:p>
             <a:pPr lvl="3"/>
             <a:r>
-              <a:rPr lang="zh-TW" altLang="en-US" smtClean="0"/>
-              <a:t>第四層</a:t>
+              <a:rPr lang="en-US" altLang="zh-TW" smtClean="0"/>
+              <a:t>Fourth level</a:t>
             </a:r>
           </a:p>
           <a:p>
             <a:pPr lvl="4"/>
             <a:r>
-              <a:rPr lang="zh-TW" altLang="en-US" smtClean="0"/>
-              <a:t>第五層</a:t>
-            </a:r>
-            <a:endParaRPr lang="en-US"/>
-          </a:p>
-        </p:txBody>
-      </p:sp>
-      <p:sp>
-        <p:nvSpPr>
-          <p:cNvPr id="4" name="Text Placeholder 3"/>
+              <a:rPr lang="en-US" altLang="zh-TW" smtClean="0"/>
+              <a:t>Fifth level</a:t>
+            </a:r>
+            <a:endParaRPr lang="zh-TW" altLang="en-US"/>
+          </a:p>
+        </p:txBody>
+      </p:sp>
+      <p:sp>
+        <p:nvSpPr>
+          <p:cNvPr id="4" name="文字版面配置區 3"/>
           <p:cNvSpPr>
             <a:spLocks noGrp="1"/>
           </p:cNvSpPr>
@@ -2268,8 +2226,8 @@
         </p:nvSpPr>
         <p:spPr>
           <a:xfrm>
-            <a:off x="457200" y="1435100"/>
-            <a:ext cx="3008313" cy="4691063"/>
+            <a:off x="609602" y="1435102"/>
+            <a:ext cx="4011084" cy="4691063"/>
           </a:xfrm>
         </p:spPr>
         <p:txBody>
@@ -2277,53 +2235,53 @@
           <a:lstStyle>
             <a:lvl1pPr marL="0" indent="0">
               <a:buNone/>
-              <a:defRPr sz="1400"/>
+              <a:defRPr sz="1867"/>
             </a:lvl1pPr>
-            <a:lvl2pPr marL="457200" indent="0">
+            <a:lvl2pPr marL="609585" indent="0">
+              <a:buNone/>
+              <a:defRPr sz="1600"/>
+            </a:lvl2pPr>
+            <a:lvl3pPr marL="1219170" indent="0">
+              <a:buNone/>
+              <a:defRPr sz="1333"/>
+            </a:lvl3pPr>
+            <a:lvl4pPr marL="1828754" indent="0">
               <a:buNone/>
               <a:defRPr sz="1200"/>
-            </a:lvl2pPr>
-            <a:lvl3pPr marL="914400" indent="0">
-              <a:buNone/>
-              <a:defRPr sz="1000"/>
-            </a:lvl3pPr>
-            <a:lvl4pPr marL="1371600" indent="0">
-              <a:buNone/>
-              <a:defRPr sz="900"/>
             </a:lvl4pPr>
-            <a:lvl5pPr marL="1828800" indent="0">
-              <a:buNone/>
-              <a:defRPr sz="900"/>
+            <a:lvl5pPr marL="2438339" indent="0">
+              <a:buNone/>
+              <a:defRPr sz="1200"/>
             </a:lvl5pPr>
-            <a:lvl6pPr marL="2286000" indent="0">
-              <a:buNone/>
-              <a:defRPr sz="900"/>
+            <a:lvl6pPr marL="3047924" indent="0">
+              <a:buNone/>
+              <a:defRPr sz="1200"/>
             </a:lvl6pPr>
-            <a:lvl7pPr marL="2743200" indent="0">
-              <a:buNone/>
-              <a:defRPr sz="900"/>
+            <a:lvl7pPr marL="3657509" indent="0">
+              <a:buNone/>
+              <a:defRPr sz="1200"/>
             </a:lvl7pPr>
-            <a:lvl8pPr marL="3200400" indent="0">
-              <a:buNone/>
-              <a:defRPr sz="900"/>
+            <a:lvl8pPr marL="4267093" indent="0">
+              <a:buNone/>
+              <a:defRPr sz="1200"/>
             </a:lvl8pPr>
-            <a:lvl9pPr marL="3657600" indent="0">
-              <a:buNone/>
-              <a:defRPr sz="900"/>
+            <a:lvl9pPr marL="4876678" indent="0">
+              <a:buNone/>
+              <a:defRPr sz="1200"/>
             </a:lvl9pPr>
           </a:lstStyle>
           <a:p>
             <a:pPr lvl="0"/>
             <a:r>
-              <a:rPr lang="zh-TW" altLang="en-US" smtClean="0"/>
-              <a:t>按一下以編輯母片文字樣式</a:t>
-            </a:r>
-          </a:p>
-        </p:txBody>
-      </p:sp>
-      <p:sp>
-        <p:nvSpPr>
-          <p:cNvPr id="5" name="Date Placeholder 3"/>
+              <a:rPr lang="en-US" altLang="zh-TW" smtClean="0"/>
+              <a:t>Edit Master text styles</a:t>
+            </a:r>
+          </a:p>
+        </p:txBody>
+      </p:sp>
+      <p:sp>
+        <p:nvSpPr>
+          <p:cNvPr id="5" name="日期版面配置區 4"/>
           <p:cNvSpPr>
             <a:spLocks noGrp="1"/>
           </p:cNvSpPr>
@@ -2334,16 +2292,12 @@
         <p:spPr/>
         <p:txBody>
           <a:bodyPr/>
-          <a:lstStyle>
-            <a:lvl1pPr>
-              <a:defRPr/>
-            </a:lvl1pPr>
-          </a:lstStyle>
+          <a:lstStyle/>
           <a:p>
             <a:fld id="{5206280B-8FF8-4552-83E2-7FA6F95602A5}" type="datetimeFigureOut">
               <a:rPr lang="zh-TW" altLang="en-US" smtClean="0"/>
               <a:pPr/>
-              <a:t>2016/9/3</a:t>
+              <a:t>2021/4/24</a:t>
             </a:fld>
             <a:endParaRPr lang="zh-TW" altLang="en-US"/>
           </a:p>
@@ -2351,7 +2305,7 @@
       </p:sp>
       <p:sp>
         <p:nvSpPr>
-          <p:cNvPr id="6" name="Footer Placeholder 4"/>
+          <p:cNvPr id="6" name="頁尾版面配置區 5"/>
           <p:cNvSpPr>
             <a:spLocks noGrp="1"/>
           </p:cNvSpPr>
@@ -2362,19 +2316,15 @@
         <p:spPr/>
         <p:txBody>
           <a:bodyPr/>
-          <a:lstStyle>
-            <a:lvl1pPr>
-              <a:defRPr/>
-            </a:lvl1pPr>
-          </a:lstStyle>
-          <a:p>
-            <a:endParaRPr lang="zh-TW" altLang="en-US"/>
-          </a:p>
-        </p:txBody>
-      </p:sp>
-      <p:sp>
-        <p:nvSpPr>
-          <p:cNvPr id="7" name="Slide Number Placeholder 5"/>
+          <a:lstStyle/>
+          <a:p>
+            <a:endParaRPr lang="zh-TW" altLang="en-US"/>
+          </a:p>
+        </p:txBody>
+      </p:sp>
+      <p:sp>
+        <p:nvSpPr>
+          <p:cNvPr id="7" name="投影片編號版面配置區 6"/>
           <p:cNvSpPr>
             <a:spLocks noGrp="1"/>
           </p:cNvSpPr>
@@ -2385,11 +2335,7 @@
         <p:spPr/>
         <p:txBody>
           <a:bodyPr/>
-          <a:lstStyle>
-            <a:lvl1pPr>
-              <a:defRPr/>
-            </a:lvl1pPr>
-          </a:lstStyle>
+          <a:lstStyle/>
           <a:p>
             <a:fld id="{7C3A066A-B5C6-4F63-9854-EC4CA86BC07F}" type="slidenum">
               <a:rPr lang="zh-TW" altLang="en-US" smtClean="0"/>
@@ -2401,6 +2347,11 @@
         </p:txBody>
       </p:sp>
     </p:spTree>
+    <p:extLst>
+      <p:ext uri="{BB962C8B-B14F-4D97-AF65-F5344CB8AC3E}">
+        <p14:creationId xmlns:p14="http://schemas.microsoft.com/office/powerpoint/2010/main" val="746094955"/>
+      </p:ext>
+    </p:extLst>
   </p:cSld>
   <p:clrMapOvr>
     <a:masterClrMapping/>
@@ -2427,7 +2378,7 @@
       </p:grpSpPr>
       <p:sp>
         <p:nvSpPr>
-          <p:cNvPr id="2" name="Title 1"/>
+          <p:cNvPr id="2" name="標題 1"/>
           <p:cNvSpPr>
             <a:spLocks noGrp="1"/>
           </p:cNvSpPr>
@@ -2437,29 +2388,29 @@
         </p:nvSpPr>
         <p:spPr>
           <a:xfrm>
-            <a:off x="1792288" y="4800600"/>
-            <a:ext cx="5486400" cy="566738"/>
+            <a:off x="2389717" y="4800600"/>
+            <a:ext cx="7315200" cy="566739"/>
           </a:xfrm>
         </p:spPr>
         <p:txBody>
           <a:bodyPr anchor="b"/>
           <a:lstStyle>
             <a:lvl1pPr algn="l">
-              <a:defRPr sz="2000" b="1"/>
+              <a:defRPr sz="2667" b="1"/>
             </a:lvl1pPr>
           </a:lstStyle>
           <a:p>
             <a:r>
-              <a:rPr lang="zh-TW" altLang="en-US" smtClean="0"/>
-              <a:t>按一下以編輯母片標題樣式</a:t>
-            </a:r>
-            <a:endParaRPr lang="en-US"/>
-          </a:p>
-        </p:txBody>
-      </p:sp>
-      <p:sp>
-        <p:nvSpPr>
-          <p:cNvPr id="3" name="Picture Placeholder 2"/>
+              <a:rPr lang="en-US" altLang="zh-TW" smtClean="0"/>
+              <a:t>Click to edit Master title style</a:t>
+            </a:r>
+            <a:endParaRPr lang="zh-TW" altLang="en-US"/>
+          </a:p>
+        </p:txBody>
+      </p:sp>
+      <p:sp>
+        <p:nvSpPr>
+          <p:cNvPr id="3" name="圖片版面配置區 2"/>
           <p:cNvSpPr>
             <a:spLocks noGrp="1"/>
           </p:cNvSpPr>
@@ -2469,65 +2420,62 @@
         </p:nvSpPr>
         <p:spPr>
           <a:xfrm>
-            <a:off x="1792288" y="612775"/>
-            <a:ext cx="5486400" cy="4114800"/>
+            <a:off x="2389717" y="612775"/>
+            <a:ext cx="7315200" cy="4114800"/>
           </a:xfrm>
         </p:spPr>
         <p:txBody>
-          <a:bodyPr rtlCol="0">
-            <a:normAutofit/>
-          </a:bodyPr>
+          <a:bodyPr/>
           <a:lstStyle>
             <a:lvl1pPr marL="0" indent="0">
               <a:buNone/>
+              <a:defRPr sz="4267"/>
+            </a:lvl1pPr>
+            <a:lvl2pPr marL="609585" indent="0">
+              <a:buNone/>
+              <a:defRPr sz="3733"/>
+            </a:lvl2pPr>
+            <a:lvl3pPr marL="1219170" indent="0">
+              <a:buNone/>
               <a:defRPr sz="3200"/>
-            </a:lvl1pPr>
-            <a:lvl2pPr marL="457200" indent="0">
-              <a:buNone/>
-              <a:defRPr sz="2800"/>
-            </a:lvl2pPr>
-            <a:lvl3pPr marL="914400" indent="0">
-              <a:buNone/>
-              <a:defRPr sz="2400"/>
             </a:lvl3pPr>
-            <a:lvl4pPr marL="1371600" indent="0">
-              <a:buNone/>
-              <a:defRPr sz="2000"/>
+            <a:lvl4pPr marL="1828754" indent="0">
+              <a:buNone/>
+              <a:defRPr sz="2667"/>
             </a:lvl4pPr>
-            <a:lvl5pPr marL="1828800" indent="0">
-              <a:buNone/>
-              <a:defRPr sz="2000"/>
+            <a:lvl5pPr marL="2438339" indent="0">
+              <a:buNone/>
+              <a:defRPr sz="2667"/>
             </a:lvl5pPr>
-            <a:lvl6pPr marL="2286000" indent="0">
-              <a:buNone/>
-              <a:defRPr sz="2000"/>
+            <a:lvl6pPr marL="3047924" indent="0">
+              <a:buNone/>
+              <a:defRPr sz="2667"/>
             </a:lvl6pPr>
-            <a:lvl7pPr marL="2743200" indent="0">
-              <a:buNone/>
-              <a:defRPr sz="2000"/>
+            <a:lvl7pPr marL="3657509" indent="0">
+              <a:buNone/>
+              <a:defRPr sz="2667"/>
             </a:lvl7pPr>
-            <a:lvl8pPr marL="3200400" indent="0">
-              <a:buNone/>
-              <a:defRPr sz="2000"/>
+            <a:lvl8pPr marL="4267093" indent="0">
+              <a:buNone/>
+              <a:defRPr sz="2667"/>
             </a:lvl8pPr>
-            <a:lvl9pPr marL="3657600" indent="0">
-              <a:buNone/>
-              <a:defRPr sz="2000"/>
+            <a:lvl9pPr marL="4876678" indent="0">
+              <a:buNone/>
+              <a:defRPr sz="2667"/>
             </a:lvl9pPr>
           </a:lstStyle>
           <a:p>
-            <a:pPr lvl="0"/>
-            <a:r>
-              <a:rPr lang="zh-TW" altLang="en-US" noProof="0" smtClean="0"/>
-              <a:t>按一下圖示以新增圖片</a:t>
-            </a:r>
-            <a:endParaRPr lang="en-US" noProof="0"/>
-          </a:p>
-        </p:txBody>
-      </p:sp>
-      <p:sp>
-        <p:nvSpPr>
-          <p:cNvPr id="4" name="Text Placeholder 3"/>
+            <a:r>
+              <a:rPr lang="en-US" altLang="zh-TW" smtClean="0"/>
+              <a:t>Click icon to add picture</a:t>
+            </a:r>
+            <a:endParaRPr lang="zh-TW" altLang="en-US"/>
+          </a:p>
+        </p:txBody>
+      </p:sp>
+      <p:sp>
+        <p:nvSpPr>
+          <p:cNvPr id="4" name="文字版面配置區 3"/>
           <p:cNvSpPr>
             <a:spLocks noGrp="1"/>
           </p:cNvSpPr>
@@ -2537,8 +2485,8 @@
         </p:nvSpPr>
         <p:spPr>
           <a:xfrm>
-            <a:off x="1792288" y="5367338"/>
-            <a:ext cx="5486400" cy="804862"/>
+            <a:off x="2389717" y="5367338"/>
+            <a:ext cx="7315200" cy="804863"/>
           </a:xfrm>
         </p:spPr>
         <p:txBody>
@@ -2546,53 +2494,53 @@
           <a:lstStyle>
             <a:lvl1pPr marL="0" indent="0">
               <a:buNone/>
-              <a:defRPr sz="1400"/>
+              <a:defRPr sz="1867"/>
             </a:lvl1pPr>
-            <a:lvl2pPr marL="457200" indent="0">
+            <a:lvl2pPr marL="609585" indent="0">
+              <a:buNone/>
+              <a:defRPr sz="1600"/>
+            </a:lvl2pPr>
+            <a:lvl3pPr marL="1219170" indent="0">
+              <a:buNone/>
+              <a:defRPr sz="1333"/>
+            </a:lvl3pPr>
+            <a:lvl4pPr marL="1828754" indent="0">
               <a:buNone/>
               <a:defRPr sz="1200"/>
-            </a:lvl2pPr>
-            <a:lvl3pPr marL="914400" indent="0">
-              <a:buNone/>
-              <a:defRPr sz="1000"/>
-            </a:lvl3pPr>
-            <a:lvl4pPr marL="1371600" indent="0">
-              <a:buNone/>
-              <a:defRPr sz="900"/>
             </a:lvl4pPr>
-            <a:lvl5pPr marL="1828800" indent="0">
-              <a:buNone/>
-              <a:defRPr sz="900"/>
+            <a:lvl5pPr marL="2438339" indent="0">
+              <a:buNone/>
+              <a:defRPr sz="1200"/>
             </a:lvl5pPr>
-            <a:lvl6pPr marL="2286000" indent="0">
-              <a:buNone/>
-              <a:defRPr sz="900"/>
+            <a:lvl6pPr marL="3047924" indent="0">
+              <a:buNone/>
+              <a:defRPr sz="1200"/>
             </a:lvl6pPr>
-            <a:lvl7pPr marL="2743200" indent="0">
-              <a:buNone/>
-              <a:defRPr sz="900"/>
+            <a:lvl7pPr marL="3657509" indent="0">
+              <a:buNone/>
+              <a:defRPr sz="1200"/>
             </a:lvl7pPr>
-            <a:lvl8pPr marL="3200400" indent="0">
-              <a:buNone/>
-              <a:defRPr sz="900"/>
+            <a:lvl8pPr marL="4267093" indent="0">
+              <a:buNone/>
+              <a:defRPr sz="1200"/>
             </a:lvl8pPr>
-            <a:lvl9pPr marL="3657600" indent="0">
-              <a:buNone/>
-              <a:defRPr sz="900"/>
+            <a:lvl9pPr marL="4876678" indent="0">
+              <a:buNone/>
+              <a:defRPr sz="1200"/>
             </a:lvl9pPr>
           </a:lstStyle>
           <a:p>
             <a:pPr lvl="0"/>
             <a:r>
-              <a:rPr lang="zh-TW" altLang="en-US" smtClean="0"/>
-              <a:t>按一下以編輯母片文字樣式</a:t>
-            </a:r>
-          </a:p>
-        </p:txBody>
-      </p:sp>
-      <p:sp>
-        <p:nvSpPr>
-          <p:cNvPr id="5" name="Date Placeholder 3"/>
+              <a:rPr lang="en-US" altLang="zh-TW" smtClean="0"/>
+              <a:t>Edit Master text styles</a:t>
+            </a:r>
+          </a:p>
+        </p:txBody>
+      </p:sp>
+      <p:sp>
+        <p:nvSpPr>
+          <p:cNvPr id="5" name="日期版面配置區 4"/>
           <p:cNvSpPr>
             <a:spLocks noGrp="1"/>
           </p:cNvSpPr>
@@ -2603,16 +2551,12 @@
         <p:spPr/>
         <p:txBody>
           <a:bodyPr/>
-          <a:lstStyle>
-            <a:lvl1pPr>
-              <a:defRPr/>
-            </a:lvl1pPr>
-          </a:lstStyle>
+          <a:lstStyle/>
           <a:p>
             <a:fld id="{5206280B-8FF8-4552-83E2-7FA6F95602A5}" type="datetimeFigureOut">
               <a:rPr lang="zh-TW" altLang="en-US" smtClean="0"/>
               <a:pPr/>
-              <a:t>2016/9/3</a:t>
+              <a:t>2021/4/24</a:t>
             </a:fld>
             <a:endParaRPr lang="zh-TW" altLang="en-US"/>
           </a:p>
@@ -2620,7 +2564,7 @@
       </p:sp>
       <p:sp>
         <p:nvSpPr>
-          <p:cNvPr id="6" name="Footer Placeholder 4"/>
+          <p:cNvPr id="6" name="頁尾版面配置區 5"/>
           <p:cNvSpPr>
             <a:spLocks noGrp="1"/>
           </p:cNvSpPr>
@@ -2631,19 +2575,15 @@
         <p:spPr/>
         <p:txBody>
           <a:bodyPr/>
-          <a:lstStyle>
-            <a:lvl1pPr>
-              <a:defRPr/>
-            </a:lvl1pPr>
-          </a:lstStyle>
-          <a:p>
-            <a:endParaRPr lang="zh-TW" altLang="en-US"/>
-          </a:p>
-        </p:txBody>
-      </p:sp>
-      <p:sp>
-        <p:nvSpPr>
-          <p:cNvPr id="7" name="Slide Number Placeholder 5"/>
+          <a:lstStyle/>
+          <a:p>
+            <a:endParaRPr lang="zh-TW" altLang="en-US"/>
+          </a:p>
+        </p:txBody>
+      </p:sp>
+      <p:sp>
+        <p:nvSpPr>
+          <p:cNvPr id="7" name="投影片編號版面配置區 6"/>
           <p:cNvSpPr>
             <a:spLocks noGrp="1"/>
           </p:cNvSpPr>
@@ -2654,11 +2594,7 @@
         <p:spPr/>
         <p:txBody>
           <a:bodyPr/>
-          <a:lstStyle>
-            <a:lvl1pPr>
-              <a:defRPr/>
-            </a:lvl1pPr>
-          </a:lstStyle>
+          <a:lstStyle/>
           <a:p>
             <a:fld id="{7C3A066A-B5C6-4F63-9854-EC4CA86BC07F}" type="slidenum">
               <a:rPr lang="zh-TW" altLang="en-US" smtClean="0"/>
@@ -2670,6 +2606,11 @@
         </p:txBody>
       </p:sp>
     </p:spTree>
+    <p:extLst>
+      <p:ext uri="{BB962C8B-B14F-4D97-AF65-F5344CB8AC3E}">
+        <p14:creationId xmlns:p14="http://schemas.microsoft.com/office/powerpoint/2010/main" val="1109893288"/>
+      </p:ext>
+    </p:extLst>
   </p:cSld>
   <p:clrMapOvr>
     <a:masterClrMapping/>
@@ -2683,13 +2624,9 @@
     <p:bg>
       <p:bgPr>
         <a:blipFill dpi="0" rotWithShape="1">
-          <a:blip r:embed="rId13">
-            <a:lum/>
-          </a:blip>
+          <a:blip r:embed="rId13"/>
           <a:srcRect/>
-          <a:stretch>
-            <a:fillRect l="-21000" r="-21000"/>
-          </a:stretch>
+          <a:tile tx="0" ty="0" sx="100000" sy="100000" flip="none" algn="tl"/>
         </a:blipFill>
         <a:effectLst/>
       </p:bgPr>
@@ -2710,227 +2647,113 @@
       </p:grpSpPr>
       <p:sp>
         <p:nvSpPr>
-          <p:cNvPr id="1026" name="Title Placeholder 1"/>
+          <p:cNvPr id="2" name="標題版面配置區 1"/>
           <p:cNvSpPr>
             <a:spLocks noGrp="1"/>
           </p:cNvSpPr>
           <p:nvPr>
             <p:ph type="title"/>
-          </p:nvPr>
-        </p:nvSpPr>
-        <p:spPr bwMode="auto">
-          <a:xfrm>
-            <a:off x="457200" y="274638"/>
-            <a:ext cx="8229600" cy="1143000"/>
-          </a:xfrm>
-          <a:prstGeom prst="rect">
-            <a:avLst/>
-          </a:prstGeom>
-          <a:noFill/>
-          <a:ln w="9525">
-            <a:noFill/>
-            <a:miter lim="800000"/>
-            <a:headEnd/>
-            <a:tailEnd/>
-          </a:ln>
-        </p:spPr>
-        <p:txBody>
-          <a:bodyPr vert="horz" wrap="square" lIns="91440" tIns="45720" rIns="91440" bIns="45720" numCol="1" anchor="ctr" anchorCtr="0" compatLnSpc="1">
-            <a:prstTxWarp prst="textNoShape">
-              <a:avLst/>
-            </a:prstTxWarp>
-          </a:bodyPr>
-          <a:lstStyle/>
-          <a:p>
-            <a:pPr lvl="0"/>
-            <a:r>
-              <a:rPr lang="zh-TW" altLang="en-US" smtClean="0"/>
-              <a:t>按一下以編輯母片標題樣式</a:t>
-            </a:r>
-            <a:endParaRPr lang="en-US" altLang="zh-TW" smtClean="0"/>
-          </a:p>
-        </p:txBody>
-      </p:sp>
-      <p:sp>
-        <p:nvSpPr>
-          <p:cNvPr id="1027" name="Text Placeholder 2"/>
-          <p:cNvSpPr>
-            <a:spLocks noGrp="1"/>
-          </p:cNvSpPr>
-          <p:nvPr>
-            <p:ph type="body" idx="1"/>
-          </p:nvPr>
-        </p:nvSpPr>
-        <p:spPr bwMode="auto">
-          <a:xfrm>
-            <a:off x="457200" y="1600200"/>
-            <a:ext cx="8229600" cy="4525963"/>
-          </a:xfrm>
-          <a:prstGeom prst="rect">
-            <a:avLst/>
-          </a:prstGeom>
-          <a:noFill/>
-          <a:ln w="9525">
-            <a:noFill/>
-            <a:miter lim="800000"/>
-            <a:headEnd/>
-            <a:tailEnd/>
-          </a:ln>
-        </p:spPr>
-        <p:txBody>
-          <a:bodyPr vert="horz" wrap="square" lIns="91440" tIns="45720" rIns="91440" bIns="45720" numCol="1" anchor="t" anchorCtr="0" compatLnSpc="1">
-            <a:prstTxWarp prst="textNoShape">
-              <a:avLst/>
-            </a:prstTxWarp>
-          </a:bodyPr>
-          <a:lstStyle/>
-          <a:p>
-            <a:pPr lvl="0"/>
-            <a:r>
-              <a:rPr lang="zh-TW" altLang="en-US" smtClean="0"/>
-              <a:t>按一下以編輯母片文字樣式</a:t>
-            </a:r>
-          </a:p>
-          <a:p>
-            <a:pPr lvl="1"/>
-            <a:r>
-              <a:rPr lang="zh-TW" altLang="en-US" smtClean="0"/>
-              <a:t>第二層</a:t>
-            </a:r>
-          </a:p>
-          <a:p>
-            <a:pPr lvl="2"/>
-            <a:r>
-              <a:rPr lang="zh-TW" altLang="en-US" smtClean="0"/>
-              <a:t>第三層</a:t>
-            </a:r>
-          </a:p>
-          <a:p>
-            <a:pPr lvl="3"/>
-            <a:r>
-              <a:rPr lang="zh-TW" altLang="en-US" smtClean="0"/>
-              <a:t>第四層</a:t>
-            </a:r>
-          </a:p>
-          <a:p>
-            <a:pPr lvl="4"/>
-            <a:r>
-              <a:rPr lang="zh-TW" altLang="en-US" smtClean="0"/>
-              <a:t>第五層</a:t>
-            </a:r>
-            <a:endParaRPr lang="en-US" altLang="zh-TW" smtClean="0"/>
-          </a:p>
-        </p:txBody>
-      </p:sp>
-      <p:sp>
-        <p:nvSpPr>
-          <p:cNvPr id="4" name="Date Placeholder 3"/>
-          <p:cNvSpPr>
-            <a:spLocks noGrp="1"/>
-          </p:cNvSpPr>
-          <p:nvPr>
-            <p:ph type="dt" sz="half" idx="2"/>
           </p:nvPr>
         </p:nvSpPr>
         <p:spPr>
           <a:xfrm>
-            <a:off x="457200" y="6356350"/>
-            <a:ext cx="2133600" cy="365125"/>
+            <a:off x="609600" y="274639"/>
+            <a:ext cx="10972800" cy="1143000"/>
           </a:xfrm>
           <a:prstGeom prst="rect">
             <a:avLst/>
           </a:prstGeom>
         </p:spPr>
         <p:txBody>
-          <a:bodyPr vert="horz" lIns="91440" tIns="45720" rIns="91440" bIns="45720" rtlCol="0" anchor="ctr"/>
-          <a:lstStyle>
-            <a:lvl1pPr algn="l" fontAlgn="auto">
-              <a:spcBef>
-                <a:spcPts val="0"/>
-              </a:spcBef>
-              <a:spcAft>
-                <a:spcPts val="0"/>
-              </a:spcAft>
-              <a:defRPr kumimoji="0" sz="1200" smtClean="0">
-                <a:solidFill>
-                  <a:schemeClr val="tx1">
-                    <a:tint val="75000"/>
-                  </a:schemeClr>
-                </a:solidFill>
-                <a:latin typeface="+mn-lt"/>
-                <a:ea typeface="+mn-ea"/>
-              </a:defRPr>
-            </a:lvl1pPr>
-          </a:lstStyle>
-          <a:p>
-            <a:fld id="{5206280B-8FF8-4552-83E2-7FA6F95602A5}" type="datetimeFigureOut">
+          <a:bodyPr vert="horz" lIns="91440" tIns="45720" rIns="91440" bIns="45720" rtlCol="0" anchor="ctr">
+            <a:normAutofit/>
+          </a:bodyPr>
+          <a:lstStyle/>
+          <a:p>
+            <a:r>
               <a:rPr lang="zh-TW" altLang="en-US" smtClean="0"/>
-              <a:pPr/>
-              <a:t>2016/9/3</a:t>
-            </a:fld>
-            <a:endParaRPr lang="zh-TW" altLang="en-US"/>
-          </a:p>
-        </p:txBody>
-      </p:sp>
-      <p:sp>
-        <p:nvSpPr>
-          <p:cNvPr id="5" name="Footer Placeholder 4"/>
-          <p:cNvSpPr>
-            <a:spLocks noGrp="1"/>
-          </p:cNvSpPr>
-          <p:nvPr>
-            <p:ph type="ftr" sz="quarter" idx="3"/>
+              <a:t>按一下以編輯母片標題樣式</a:t>
+            </a:r>
+            <a:endParaRPr lang="zh-TW" altLang="en-US"/>
+          </a:p>
+        </p:txBody>
+      </p:sp>
+      <p:sp>
+        <p:nvSpPr>
+          <p:cNvPr id="3" name="文字版面配置區 2"/>
+          <p:cNvSpPr>
+            <a:spLocks noGrp="1"/>
+          </p:cNvSpPr>
+          <p:nvPr>
+            <p:ph type="body" idx="1"/>
           </p:nvPr>
         </p:nvSpPr>
         <p:spPr>
           <a:xfrm>
-            <a:off x="3124200" y="6356350"/>
-            <a:ext cx="2895600" cy="365125"/>
+            <a:off x="609600" y="1600201"/>
+            <a:ext cx="10972800" cy="4525963"/>
           </a:xfrm>
           <a:prstGeom prst="rect">
             <a:avLst/>
           </a:prstGeom>
         </p:spPr>
         <p:txBody>
-          <a:bodyPr vert="horz" lIns="91440" tIns="45720" rIns="91440" bIns="45720" rtlCol="0" anchor="ctr"/>
-          <a:lstStyle>
-            <a:lvl1pPr algn="ctr" fontAlgn="auto">
-              <a:spcBef>
-                <a:spcPts val="0"/>
-              </a:spcBef>
-              <a:spcAft>
-                <a:spcPts val="0"/>
-              </a:spcAft>
-              <a:defRPr kumimoji="0" sz="1200">
-                <a:solidFill>
-                  <a:schemeClr val="tx1">
-                    <a:tint val="75000"/>
-                  </a:schemeClr>
-                </a:solidFill>
-                <a:latin typeface="+mn-lt"/>
-                <a:ea typeface="+mn-ea"/>
-              </a:defRPr>
-            </a:lvl1pPr>
-          </a:lstStyle>
-          <a:p>
-            <a:endParaRPr lang="zh-TW" altLang="en-US"/>
-          </a:p>
-        </p:txBody>
-      </p:sp>
-      <p:sp>
-        <p:nvSpPr>
-          <p:cNvPr id="6" name="Slide Number Placeholder 5"/>
-          <p:cNvSpPr>
-            <a:spLocks noGrp="1"/>
-          </p:cNvSpPr>
-          <p:nvPr>
-            <p:ph type="sldNum" sz="quarter" idx="4"/>
+          <a:bodyPr vert="horz" lIns="91440" tIns="45720" rIns="91440" bIns="45720" rtlCol="0">
+            <a:normAutofit/>
+          </a:bodyPr>
+          <a:lstStyle/>
+          <a:p>
+            <a:pPr lvl="0"/>
+            <a:r>
+              <a:rPr lang="zh-TW" altLang="en-US" smtClean="0"/>
+              <a:t>按一下以編輯母片文字樣式</a:t>
+            </a:r>
+          </a:p>
+          <a:p>
+            <a:pPr lvl="1"/>
+            <a:r>
+              <a:rPr lang="zh-TW" altLang="en-US" smtClean="0"/>
+              <a:t>第二層</a:t>
+            </a:r>
+          </a:p>
+          <a:p>
+            <a:pPr lvl="2"/>
+            <a:r>
+              <a:rPr lang="zh-TW" altLang="en-US" smtClean="0"/>
+              <a:t>第三層</a:t>
+            </a:r>
+          </a:p>
+          <a:p>
+            <a:pPr lvl="3"/>
+            <a:r>
+              <a:rPr lang="zh-TW" altLang="en-US" smtClean="0"/>
+              <a:t>第四層</a:t>
+            </a:r>
+          </a:p>
+          <a:p>
+            <a:pPr lvl="4"/>
+            <a:r>
+              <a:rPr lang="zh-TW" altLang="en-US" smtClean="0"/>
+              <a:t>第五層</a:t>
+            </a:r>
+            <a:endParaRPr lang="zh-TW" altLang="en-US"/>
+          </a:p>
+        </p:txBody>
+      </p:sp>
+      <p:sp>
+        <p:nvSpPr>
+          <p:cNvPr id="4" name="日期版面配置區 3"/>
+          <p:cNvSpPr>
+            <a:spLocks noGrp="1"/>
+          </p:cNvSpPr>
+          <p:nvPr>
+            <p:ph type="dt" sz="half" idx="2"/>
           </p:nvPr>
         </p:nvSpPr>
         <p:spPr>
           <a:xfrm>
-            <a:off x="6553200" y="6356350"/>
-            <a:ext cx="2133600" cy="365125"/>
+            <a:off x="609600" y="6356351"/>
+            <a:ext cx="2844800" cy="365125"/>
           </a:xfrm>
           <a:prstGeom prst="rect">
             <a:avLst/>
@@ -2939,21 +2762,92 @@
         <p:txBody>
           <a:bodyPr vert="horz" lIns="91440" tIns="45720" rIns="91440" bIns="45720" rtlCol="0" anchor="ctr"/>
           <a:lstStyle>
-            <a:lvl1pPr algn="r" fontAlgn="auto">
-              <a:spcBef>
-                <a:spcPts val="0"/>
-              </a:spcBef>
-              <a:spcAft>
-                <a:spcPts val="0"/>
-              </a:spcAft>
-              <a:defRPr kumimoji="0" sz="1200" smtClean="0">
+            <a:lvl1pPr algn="l">
+              <a:defRPr sz="1600">
                 <a:solidFill>
                   <a:schemeClr val="tx1">
                     <a:tint val="75000"/>
                   </a:schemeClr>
                 </a:solidFill>
-                <a:latin typeface="+mn-lt"/>
-                <a:ea typeface="+mn-ea"/>
+              </a:defRPr>
+            </a:lvl1pPr>
+          </a:lstStyle>
+          <a:p>
+            <a:fld id="{5206280B-8FF8-4552-83E2-7FA6F95602A5}" type="datetimeFigureOut">
+              <a:rPr lang="zh-TW" altLang="en-US" smtClean="0"/>
+              <a:pPr/>
+              <a:t>2021/4/24</a:t>
+            </a:fld>
+            <a:endParaRPr lang="zh-TW" altLang="en-US"/>
+          </a:p>
+        </p:txBody>
+      </p:sp>
+      <p:sp>
+        <p:nvSpPr>
+          <p:cNvPr id="5" name="頁尾版面配置區 4"/>
+          <p:cNvSpPr>
+            <a:spLocks noGrp="1"/>
+          </p:cNvSpPr>
+          <p:nvPr>
+            <p:ph type="ftr" sz="quarter" idx="3"/>
+          </p:nvPr>
+        </p:nvSpPr>
+        <p:spPr>
+          <a:xfrm>
+            <a:off x="4165600" y="6356351"/>
+            <a:ext cx="3860800" cy="365125"/>
+          </a:xfrm>
+          <a:prstGeom prst="rect">
+            <a:avLst/>
+          </a:prstGeom>
+        </p:spPr>
+        <p:txBody>
+          <a:bodyPr vert="horz" lIns="91440" tIns="45720" rIns="91440" bIns="45720" rtlCol="0" anchor="ctr"/>
+          <a:lstStyle>
+            <a:lvl1pPr algn="ctr">
+              <a:defRPr sz="1600">
+                <a:solidFill>
+                  <a:schemeClr val="tx1">
+                    <a:tint val="75000"/>
+                  </a:schemeClr>
+                </a:solidFill>
+              </a:defRPr>
+            </a:lvl1pPr>
+          </a:lstStyle>
+          <a:p>
+            <a:endParaRPr lang="zh-TW" altLang="en-US"/>
+          </a:p>
+        </p:txBody>
+      </p:sp>
+      <p:sp>
+        <p:nvSpPr>
+          <p:cNvPr id="6" name="投影片編號版面配置區 5"/>
+          <p:cNvSpPr>
+            <a:spLocks noGrp="1"/>
+          </p:cNvSpPr>
+          <p:nvPr>
+            <p:ph type="sldNum" sz="quarter" idx="4"/>
+          </p:nvPr>
+        </p:nvSpPr>
+        <p:spPr>
+          <a:xfrm>
+            <a:off x="8737600" y="6356351"/>
+            <a:ext cx="2844800" cy="365125"/>
+          </a:xfrm>
+          <a:prstGeom prst="rect">
+            <a:avLst/>
+          </a:prstGeom>
+        </p:spPr>
+        <p:txBody>
+          <a:bodyPr vert="horz" lIns="91440" tIns="45720" rIns="91440" bIns="45720" rtlCol="0" anchor="ctr"/>
+          <a:lstStyle>
+            <a:lvl1pPr algn="r">
+              <a:defRPr sz="1600">
+                <a:solidFill>
+                  <a:schemeClr val="tx1">
+                    <a:tint val="75000"/>
+                  </a:schemeClr>
+                </a:solidFill>
               </a:defRPr>
             </a:lvl1pPr>
           </a:lstStyle>
@@ -2968,31 +2862,34 @@
         </p:txBody>
       </p:sp>
     </p:spTree>
+    <p:extLst>
+      <p:ext uri="{BB962C8B-B14F-4D97-AF65-F5344CB8AC3E}">
+        <p14:creationId xmlns:p14="http://schemas.microsoft.com/office/powerpoint/2010/main" val="2123291681"/>
+      </p:ext>
+    </p:extLst>
   </p:cSld>
   <p:clrMap bg1="lt1" tx1="dk1" bg2="lt2" tx2="dk2" accent1="accent1" accent2="accent2" accent3="accent3" accent4="accent4" accent5="accent5" accent6="accent6" hlink="hlink" folHlink="folHlink"/>
   <p:sldLayoutIdLst>
-    <p:sldLayoutId id="2147483661" r:id="rId1"/>
-    <p:sldLayoutId id="2147483662" r:id="rId2"/>
-    <p:sldLayoutId id="2147483663" r:id="rId3"/>
-    <p:sldLayoutId id="2147483664" r:id="rId4"/>
-    <p:sldLayoutId id="2147483665" r:id="rId5"/>
-    <p:sldLayoutId id="2147483666" r:id="rId6"/>
-    <p:sldLayoutId id="2147483667" r:id="rId7"/>
-    <p:sldLayoutId id="2147483668" r:id="rId8"/>
-    <p:sldLayoutId id="2147483669" r:id="rId9"/>
-    <p:sldLayoutId id="2147483670" r:id="rId10"/>
-    <p:sldLayoutId id="2147483671" r:id="rId11"/>
+    <p:sldLayoutId id="2147483673" r:id="rId1"/>
+    <p:sldLayoutId id="2147483674" r:id="rId2"/>
+    <p:sldLayoutId id="2147483675" r:id="rId3"/>
+    <p:sldLayoutId id="2147483676" r:id="rId4"/>
+    <p:sldLayoutId id="2147483677" r:id="rId5"/>
+    <p:sldLayoutId id="2147483678" r:id="rId6"/>
+    <p:sldLayoutId id="2147483679" r:id="rId7"/>
+    <p:sldLayoutId id="2147483680" r:id="rId8"/>
+    <p:sldLayoutId id="2147483681" r:id="rId9"/>
+    <p:sldLayoutId id="2147483682" r:id="rId10"/>
+    <p:sldLayoutId id="2147483683" r:id="rId11"/>
   </p:sldLayoutIdLst>
   <p:txStyles>
     <p:titleStyle>
-      <a:lvl1pPr algn="ctr" rtl="0" eaLnBrk="1" fontAlgn="base" hangingPunct="1">
+      <a:lvl1pPr algn="ctr" defTabSz="1219170" rtl="0" eaLnBrk="1" latinLnBrk="0" hangingPunct="1">
         <a:spcBef>
           <a:spcPct val="0"/>
         </a:spcBef>
-        <a:spcAft>
-          <a:spcPct val="0"/>
-        </a:spcAft>
-        <a:defRPr sz="4400" kern="1200">
+        <a:buNone/>
+        <a:defRPr sz="5867" kern="1200">
           <a:solidFill>
             <a:schemeClr val="tx1"/>
           </a:solidFill>
@@ -3001,128 +2898,43 @@
           <a:cs typeface="+mj-cs"/>
         </a:defRPr>
       </a:lvl1pPr>
-      <a:lvl2pPr algn="ctr" rtl="0" eaLnBrk="1" fontAlgn="base" hangingPunct="1">
+    </p:titleStyle>
+    <p:bodyStyle>
+      <a:lvl1pPr marL="457189" indent="-457189" algn="l" defTabSz="1219170" rtl="0" eaLnBrk="1" latinLnBrk="0" hangingPunct="1">
         <a:spcBef>
-          <a:spcPct val="0"/>
+          <a:spcPct val="20000"/>
         </a:spcBef>
-        <a:spcAft>
-          <a:spcPct val="0"/>
-        </a:spcAft>
-        <a:defRPr sz="4400">
+        <a:buFont typeface="Arial" pitchFamily="34" charset="0"/>
+        <a:buChar char="•"/>
+        <a:defRPr sz="4267" kern="1200">
           <a:solidFill>
             <a:schemeClr val="tx1"/>
           </a:solidFill>
-          <a:latin typeface="Calibri" pitchFamily="34" charset="0"/>
+          <a:latin typeface="+mn-lt"/>
+          <a:ea typeface="+mn-ea"/>
+          <a:cs typeface="+mn-cs"/>
         </a:defRPr>
-      </a:lvl2pPr>
-      <a:lvl3pPr algn="ctr" rtl="0" eaLnBrk="1" fontAlgn="base" hangingPunct="1">
+      </a:lvl1pPr>
+      <a:lvl2pPr marL="990575" indent="-380990" algn="l" defTabSz="1219170" rtl="0" eaLnBrk="1" latinLnBrk="0" hangingPunct="1">
         <a:spcBef>
-          <a:spcPct val="0"/>
+          <a:spcPct val="20000"/>
         </a:spcBef>
-        <a:spcAft>
-          <a:spcPct val="0"/>
-        </a:spcAft>
-        <a:defRPr sz="4400">
+        <a:buFont typeface="Arial" pitchFamily="34" charset="0"/>
+        <a:buChar char="–"/>
+        <a:defRPr sz="3733" kern="1200">
           <a:solidFill>
             <a:schemeClr val="tx1"/>
           </a:solidFill>
-          <a:latin typeface="Calibri" pitchFamily="34" charset="0"/>
+          <a:latin typeface="+mn-lt"/>
+          <a:ea typeface="+mn-ea"/>
+          <a:cs typeface="+mn-cs"/>
         </a:defRPr>
-      </a:lvl3pPr>
-      <a:lvl4pPr algn="ctr" rtl="0" eaLnBrk="1" fontAlgn="base" hangingPunct="1">
-        <a:spcBef>
-          <a:spcPct val="0"/>
-        </a:spcBef>
-        <a:spcAft>
-          <a:spcPct val="0"/>
-        </a:spcAft>
-        <a:defRPr sz="4400">
-          <a:solidFill>
-            <a:schemeClr val="tx1"/>
-          </a:solidFill>
-          <a:latin typeface="Calibri" pitchFamily="34" charset="0"/>
-        </a:defRPr>
-      </a:lvl4pPr>
-      <a:lvl5pPr algn="ctr" rtl="0" eaLnBrk="1" fontAlgn="base" hangingPunct="1">
-        <a:spcBef>
-          <a:spcPct val="0"/>
-        </a:spcBef>
-        <a:spcAft>
-          <a:spcPct val="0"/>
-        </a:spcAft>
-        <a:defRPr sz="4400">
-          <a:solidFill>
-            <a:schemeClr val="tx1"/>
-          </a:solidFill>
-          <a:latin typeface="Calibri" pitchFamily="34" charset="0"/>
-        </a:defRPr>
-      </a:lvl5pPr>
-      <a:lvl6pPr marL="457200" algn="ctr" rtl="0" eaLnBrk="1" fontAlgn="base" hangingPunct="1">
-        <a:spcBef>
-          <a:spcPct val="0"/>
-        </a:spcBef>
-        <a:spcAft>
-          <a:spcPct val="0"/>
-        </a:spcAft>
-        <a:defRPr sz="4400">
-          <a:solidFill>
-            <a:schemeClr val="tx1"/>
-          </a:solidFill>
-          <a:latin typeface="Calibri" pitchFamily="34" charset="0"/>
-        </a:defRPr>
-      </a:lvl6pPr>
-      <a:lvl7pPr marL="914400" algn="ctr" rtl="0" eaLnBrk="1" fontAlgn="base" hangingPunct="1">
-        <a:spcBef>
-          <a:spcPct val="0"/>
-        </a:spcBef>
-        <a:spcAft>
-          <a:spcPct val="0"/>
-        </a:spcAft>
-        <a:defRPr sz="4400">
-          <a:solidFill>
-            <a:schemeClr val="tx1"/>
-          </a:solidFill>
-          <a:latin typeface="Calibri" pitchFamily="34" charset="0"/>
-        </a:defRPr>
-      </a:lvl7pPr>
-      <a:lvl8pPr marL="1371600" algn="ctr" rtl="0" eaLnBrk="1" fontAlgn="base" hangingPunct="1">
-        <a:spcBef>
-          <a:spcPct val="0"/>
-        </a:spcBef>
-        <a:spcAft>
-          <a:spcPct val="0"/>
-        </a:spcAft>
-        <a:defRPr sz="4400">
-          <a:solidFill>
-            <a:schemeClr val="tx1"/>
-          </a:solidFill>
-          <a:latin typeface="Calibri" pitchFamily="34" charset="0"/>
-        </a:defRPr>
-      </a:lvl8pPr>
-      <a:lvl9pPr marL="1828800" algn="ctr" rtl="0" eaLnBrk="1" fontAlgn="base" hangingPunct="1">
-        <a:spcBef>
-          <a:spcPct val="0"/>
-        </a:spcBef>
-        <a:spcAft>
-          <a:spcPct val="0"/>
-        </a:spcAft>
-        <a:defRPr sz="4400">
-          <a:solidFill>
-            <a:schemeClr val="tx1"/>
-          </a:solidFill>
-          <a:latin typeface="Calibri" pitchFamily="34" charset="0"/>
-        </a:defRPr>
-      </a:lvl9pPr>
-    </p:titleStyle>
-    <p:bodyStyle>
-      <a:lvl1pPr marL="342900" indent="-342900" algn="l" rtl="0" eaLnBrk="1" fontAlgn="base" hangingPunct="1">
+      </a:lvl2pPr>
+      <a:lvl3pPr marL="1523962" indent="-304792" algn="l" defTabSz="1219170" rtl="0" eaLnBrk="1" latinLnBrk="0" hangingPunct="1">
         <a:spcBef>
           <a:spcPct val="20000"/>
         </a:spcBef>
-        <a:spcAft>
-          <a:spcPct val="0"/>
-        </a:spcAft>
-        <a:buFont typeface="Arial" charset="0"/>
+        <a:buFont typeface="Arial" pitchFamily="34" charset="0"/>
         <a:buChar char="•"/>
         <a:defRPr sz="3200" kern="1200">
           <a:solidFill>
@@ -3132,53 +2944,14 @@
           <a:ea typeface="+mn-ea"/>
           <a:cs typeface="+mn-cs"/>
         </a:defRPr>
-      </a:lvl1pPr>
-      <a:lvl2pPr marL="742950" indent="-285750" algn="l" rtl="0" eaLnBrk="1" fontAlgn="base" hangingPunct="1">
+      </a:lvl3pPr>
+      <a:lvl4pPr marL="2133547" indent="-304792" algn="l" defTabSz="1219170" rtl="0" eaLnBrk="1" latinLnBrk="0" hangingPunct="1">
         <a:spcBef>
           <a:spcPct val="20000"/>
         </a:spcBef>
-        <a:spcAft>
-          <a:spcPct val="0"/>
-        </a:spcAft>
-        <a:buFont typeface="Arial" charset="0"/>
+        <a:buFont typeface="Arial" pitchFamily="34" charset="0"/>
         <a:buChar char="–"/>
-        <a:defRPr sz="2800" kern="1200">
-          <a:solidFill>
-            <a:schemeClr val="tx1"/>
-          </a:solidFill>
-          <a:latin typeface="+mn-lt"/>
-          <a:ea typeface="+mn-ea"/>
-          <a:cs typeface="+mn-cs"/>
-        </a:defRPr>
-      </a:lvl2pPr>
-      <a:lvl3pPr marL="1143000" indent="-228600" algn="l" rtl="0" eaLnBrk="1" fontAlgn="base" hangingPunct="1">
-        <a:spcBef>
-          <a:spcPct val="20000"/>
-        </a:spcBef>
-        <a:spcAft>
-          <a:spcPct val="0"/>
-        </a:spcAft>
-        <a:buFont typeface="Arial" charset="0"/>
-        <a:buChar char="•"/>
-        <a:defRPr sz="2400" kern="1200">
-          <a:solidFill>
-            <a:schemeClr val="tx1"/>
-          </a:solidFill>
-          <a:latin typeface="+mn-lt"/>
-          <a:ea typeface="+mn-ea"/>
-          <a:cs typeface="+mn-cs"/>
-        </a:defRPr>
-      </a:lvl3pPr>
-      <a:lvl4pPr marL="1600200" indent="-228600" algn="l" rtl="0" eaLnBrk="1" fontAlgn="base" hangingPunct="1">
-        <a:spcBef>
-          <a:spcPct val="20000"/>
-        </a:spcBef>
-        <a:spcAft>
-          <a:spcPct val="0"/>
-        </a:spcAft>
-        <a:buFont typeface="Arial" charset="0"/>
-        <a:buChar char="–"/>
-        <a:defRPr sz="2000" kern="1200">
+        <a:defRPr sz="2667" kern="1200">
           <a:solidFill>
             <a:schemeClr val="tx1"/>
           </a:solidFill>
@@ -3187,16 +2960,13 @@
           <a:cs typeface="+mn-cs"/>
         </a:defRPr>
       </a:lvl4pPr>
-      <a:lvl5pPr marL="2057400" indent="-228600" algn="l" rtl="0" eaLnBrk="1" fontAlgn="base" hangingPunct="1">
+      <a:lvl5pPr marL="2743131" indent="-304792" algn="l" defTabSz="1219170" rtl="0" eaLnBrk="1" latinLnBrk="0" hangingPunct="1">
         <a:spcBef>
           <a:spcPct val="20000"/>
         </a:spcBef>
-        <a:spcAft>
-          <a:spcPct val="0"/>
-        </a:spcAft>
-        <a:buFont typeface="Arial" charset="0"/>
+        <a:buFont typeface="Arial" pitchFamily="34" charset="0"/>
         <a:buChar char="»"/>
-        <a:defRPr sz="2000" kern="1200">
+        <a:defRPr sz="2667" kern="1200">
           <a:solidFill>
             <a:schemeClr val="tx1"/>
           </a:solidFill>
@@ -3205,13 +2975,13 @@
           <a:cs typeface="+mn-cs"/>
         </a:defRPr>
       </a:lvl5pPr>
-      <a:lvl6pPr marL="2514600" indent="-228600" algn="l" defTabSz="914400" rtl="0" eaLnBrk="1" latinLnBrk="0" hangingPunct="1">
+      <a:lvl6pPr marL="3352716" indent="-304792" algn="l" defTabSz="1219170" rtl="0" eaLnBrk="1" latinLnBrk="0" hangingPunct="1">
         <a:spcBef>
           <a:spcPct val="20000"/>
         </a:spcBef>
         <a:buFont typeface="Arial" pitchFamily="34" charset="0"/>
         <a:buChar char="•"/>
-        <a:defRPr sz="2000" kern="1200">
+        <a:defRPr sz="2667" kern="1200">
           <a:solidFill>
             <a:schemeClr val="tx1"/>
           </a:solidFill>
@@ -3220,13 +2990,13 @@
           <a:cs typeface="+mn-cs"/>
         </a:defRPr>
       </a:lvl6pPr>
-      <a:lvl7pPr marL="2971800" indent="-228600" algn="l" defTabSz="914400" rtl="0" eaLnBrk="1" latinLnBrk="0" hangingPunct="1">
+      <a:lvl7pPr marL="3962301" indent="-304792" algn="l" defTabSz="1219170" rtl="0" eaLnBrk="1" latinLnBrk="0" hangingPunct="1">
         <a:spcBef>
           <a:spcPct val="20000"/>
         </a:spcBef>
         <a:buFont typeface="Arial" pitchFamily="34" charset="0"/>
         <a:buChar char="•"/>
-        <a:defRPr sz="2000" kern="1200">
+        <a:defRPr sz="2667" kern="1200">
           <a:solidFill>
             <a:schemeClr val="tx1"/>
           </a:solidFill>
@@ -3235,13 +3005,13 @@
           <a:cs typeface="+mn-cs"/>
         </a:defRPr>
       </a:lvl7pPr>
-      <a:lvl8pPr marL="3429000" indent="-228600" algn="l" defTabSz="914400" rtl="0" eaLnBrk="1" latinLnBrk="0" hangingPunct="1">
+      <a:lvl8pPr marL="4571886" indent="-304792" algn="l" defTabSz="1219170" rtl="0" eaLnBrk="1" latinLnBrk="0" hangingPunct="1">
         <a:spcBef>
           <a:spcPct val="20000"/>
         </a:spcBef>
         <a:buFont typeface="Arial" pitchFamily="34" charset="0"/>
         <a:buChar char="•"/>
-        <a:defRPr sz="2000" kern="1200">
+        <a:defRPr sz="2667" kern="1200">
           <a:solidFill>
             <a:schemeClr val="tx1"/>
           </a:solidFill>
@@ -3250,13 +3020,13 @@
           <a:cs typeface="+mn-cs"/>
         </a:defRPr>
       </a:lvl8pPr>
-      <a:lvl9pPr marL="3886200" indent="-228600" algn="l" defTabSz="914400" rtl="0" eaLnBrk="1" latinLnBrk="0" hangingPunct="1">
+      <a:lvl9pPr marL="5181470" indent="-304792" algn="l" defTabSz="1219170" rtl="0" eaLnBrk="1" latinLnBrk="0" hangingPunct="1">
         <a:spcBef>
           <a:spcPct val="20000"/>
         </a:spcBef>
         <a:buFont typeface="Arial" pitchFamily="34" charset="0"/>
         <a:buChar char="•"/>
-        <a:defRPr sz="2000" kern="1200">
+        <a:defRPr sz="2667" kern="1200">
           <a:solidFill>
             <a:schemeClr val="tx1"/>
           </a:solidFill>
@@ -3268,10 +3038,10 @@
     </p:bodyStyle>
     <p:otherStyle>
       <a:defPPr>
-        <a:defRPr lang="en-US"/>
+        <a:defRPr lang="zh-TW"/>
       </a:defPPr>
-      <a:lvl1pPr marL="0" algn="l" defTabSz="914400" rtl="0" eaLnBrk="1" latinLnBrk="0" hangingPunct="1">
-        <a:defRPr sz="1800" kern="1200">
+      <a:lvl1pPr marL="0" algn="l" defTabSz="1219170" rtl="0" eaLnBrk="1" latinLnBrk="0" hangingPunct="1">
+        <a:defRPr sz="2400" kern="1200">
           <a:solidFill>
             <a:schemeClr val="tx1"/>
           </a:solidFill>
@@ -3280,8 +3050,8 @@
           <a:cs typeface="+mn-cs"/>
         </a:defRPr>
       </a:lvl1pPr>
-      <a:lvl2pPr marL="457200" algn="l" defTabSz="914400" rtl="0" eaLnBrk="1" latinLnBrk="0" hangingPunct="1">
-        <a:defRPr sz="1800" kern="1200">
+      <a:lvl2pPr marL="609585" algn="l" defTabSz="1219170" rtl="0" eaLnBrk="1" latinLnBrk="0" hangingPunct="1">
+        <a:defRPr sz="2400" kern="1200">
           <a:solidFill>
             <a:schemeClr val="tx1"/>
           </a:solidFill>
@@ -3290,8 +3060,8 @@
           <a:cs typeface="+mn-cs"/>
         </a:defRPr>
       </a:lvl2pPr>
-      <a:lvl3pPr marL="914400" algn="l" defTabSz="914400" rtl="0" eaLnBrk="1" latinLnBrk="0" hangingPunct="1">
-        <a:defRPr sz="1800" kern="1200">
+      <a:lvl3pPr marL="1219170" algn="l" defTabSz="1219170" rtl="0" eaLnBrk="1" latinLnBrk="0" hangingPunct="1">
+        <a:defRPr sz="2400" kern="1200">
           <a:solidFill>
             <a:schemeClr val="tx1"/>
           </a:solidFill>
@@ -3300,8 +3070,8 @@
           <a:cs typeface="+mn-cs"/>
         </a:defRPr>
       </a:lvl3pPr>
-      <a:lvl4pPr marL="1371600" algn="l" defTabSz="914400" rtl="0" eaLnBrk="1" latinLnBrk="0" hangingPunct="1">
-        <a:defRPr sz="1800" kern="1200">
+      <a:lvl4pPr marL="1828754" algn="l" defTabSz="1219170" rtl="0" eaLnBrk="1" latinLnBrk="0" hangingPunct="1">
+        <a:defRPr sz="2400" kern="1200">
           <a:solidFill>
             <a:schemeClr val="tx1"/>
           </a:solidFill>
@@ -3310,8 +3080,8 @@
           <a:cs typeface="+mn-cs"/>
         </a:defRPr>
       </a:lvl4pPr>
-      <a:lvl5pPr marL="1828800" algn="l" defTabSz="914400" rtl="0" eaLnBrk="1" latinLnBrk="0" hangingPunct="1">
-        <a:defRPr sz="1800" kern="1200">
+      <a:lvl5pPr marL="2438339" algn="l" defTabSz="1219170" rtl="0" eaLnBrk="1" latinLnBrk="0" hangingPunct="1">
+        <a:defRPr sz="2400" kern="1200">
           <a:solidFill>
             <a:schemeClr val="tx1"/>
           </a:solidFill>
@@ -3320,8 +3090,8 @@
           <a:cs typeface="+mn-cs"/>
         </a:defRPr>
       </a:lvl5pPr>
-      <a:lvl6pPr marL="2286000" algn="l" defTabSz="914400" rtl="0" eaLnBrk="1" latinLnBrk="0" hangingPunct="1">
-        <a:defRPr sz="1800" kern="1200">
+      <a:lvl6pPr marL="3047924" algn="l" defTabSz="1219170" rtl="0" eaLnBrk="1" latinLnBrk="0" hangingPunct="1">
+        <a:defRPr sz="2400" kern="1200">
           <a:solidFill>
             <a:schemeClr val="tx1"/>
           </a:solidFill>
@@ -3330,8 +3100,8 @@
           <a:cs typeface="+mn-cs"/>
         </a:defRPr>
       </a:lvl6pPr>
-      <a:lvl7pPr marL="2743200" algn="l" defTabSz="914400" rtl="0" eaLnBrk="1" latinLnBrk="0" hangingPunct="1">
-        <a:defRPr sz="1800" kern="1200">
+      <a:lvl7pPr marL="3657509" algn="l" defTabSz="1219170" rtl="0" eaLnBrk="1" latinLnBrk="0" hangingPunct="1">
+        <a:defRPr sz="2400" kern="1200">
           <a:solidFill>
             <a:schemeClr val="tx1"/>
           </a:solidFill>
@@ -3340,8 +3110,8 @@
           <a:cs typeface="+mn-cs"/>
         </a:defRPr>
       </a:lvl7pPr>
-      <a:lvl8pPr marL="3200400" algn="l" defTabSz="914400" rtl="0" eaLnBrk="1" latinLnBrk="0" hangingPunct="1">
-        <a:defRPr sz="1800" kern="1200">
+      <a:lvl8pPr marL="4267093" algn="l" defTabSz="1219170" rtl="0" eaLnBrk="1" latinLnBrk="0" hangingPunct="1">
+        <a:defRPr sz="2400" kern="1200">
           <a:solidFill>
             <a:schemeClr val="tx1"/>
           </a:solidFill>
@@ -3350,8 +3120,8 @@
           <a:cs typeface="+mn-cs"/>
         </a:defRPr>
       </a:lvl8pPr>
-      <a:lvl9pPr marL="3657600" algn="l" defTabSz="914400" rtl="0" eaLnBrk="1" latinLnBrk="0" hangingPunct="1">
-        <a:defRPr sz="1800" kern="1200">
+      <a:lvl9pPr marL="4876678" algn="l" defTabSz="1219170" rtl="0" eaLnBrk="1" latinLnBrk="0" hangingPunct="1">
+        <a:defRPr sz="2400" kern="1200">
           <a:solidFill>
             <a:schemeClr val="tx1"/>
           </a:solidFill>
@@ -3392,39 +3162,10 @@
             <p:ph type="title"/>
           </p:nvPr>
         </p:nvSpPr>
-        <p:spPr/>
-        <p:txBody>
-          <a:bodyPr/>
-          <a:lstStyle/>
-          <a:p>
-            <a:r>
-              <a:rPr lang="zh-CN" altLang="en-US" dirty="0" smtClean="0">
-                <a:latin typeface="標楷體" pitchFamily="65" charset="-120"/>
-                <a:ea typeface="標楷體" pitchFamily="65" charset="-120"/>
-              </a:rPr>
-              <a:t>基督等待你</a:t>
-            </a:r>
-            <a:endParaRPr lang="zh-TW" altLang="en-US" dirty="0">
-              <a:latin typeface="標楷體" pitchFamily="65" charset="-120"/>
-              <a:ea typeface="標楷體" pitchFamily="65" charset="-120"/>
-            </a:endParaRPr>
-          </a:p>
-        </p:txBody>
-      </p:sp>
-      <p:sp>
-        <p:nvSpPr>
-          <p:cNvPr id="5" name="內容版面配置區 4"/>
-          <p:cNvSpPr>
-            <a:spLocks noGrp="1"/>
-          </p:cNvSpPr>
-          <p:nvPr>
-            <p:ph idx="1"/>
-          </p:nvPr>
-        </p:nvSpPr>
         <p:spPr>
           <a:xfrm>
-            <a:off x="0" y="1600200"/>
-            <a:ext cx="9144000" cy="5257800"/>
+            <a:off x="0" y="2660915"/>
+            <a:ext cx="12192000" cy="1143000"/>
           </a:xfrm>
         </p:spPr>
         <p:txBody>
@@ -3433,147 +3174,63 @@
           </a:bodyPr>
           <a:lstStyle/>
           <a:p>
-            <a:pPr algn="ctr">
-              <a:buNone/>
-            </a:pPr>
-            <a:r>
-              <a:rPr lang="zh-TW" altLang="en-US" sz="5400" dirty="0">
-                <a:latin typeface="標楷體" pitchFamily="65" charset="-120"/>
-                <a:ea typeface="標楷體" pitchFamily="65" charset="-120"/>
+            <a:r>
+              <a:rPr lang="zh-CN" altLang="en-US" sz="7200" b="1" i="1" dirty="0">
+                <a:solidFill>
+                  <a:srgbClr val="660033"/>
+                </a:solidFill>
+                <a:effectLst>
+                  <a:outerShdw blurRad="38100" dist="38100" dir="2700000" algn="tl">
+                    <a:srgbClr val="000000">
+                      <a:alpha val="43137"/>
+                    </a:srgbClr>
+                  </a:outerShdw>
+                </a:effectLst>
+                <a:latin typeface="微軟正黑體" pitchFamily="34" charset="-120"/>
+                <a:ea typeface="微軟正黑體" pitchFamily="34" charset="-120"/>
               </a:rPr>
-              <a:t>世界滿有知識與</a:t>
-            </a:r>
-            <a:r>
-              <a:rPr lang="zh-TW" altLang="en-US" sz="5400" dirty="0" smtClean="0">
-                <a:latin typeface="標楷體" pitchFamily="65" charset="-120"/>
-                <a:ea typeface="標楷體" pitchFamily="65" charset="-120"/>
+              <a:t>基</a:t>
+            </a:r>
+            <a:r>
+              <a:rPr lang="zh-CN" altLang="en-US" sz="7200" b="1" i="1" dirty="0">
+                <a:solidFill>
+                  <a:srgbClr val="660033"/>
+                </a:solidFill>
+                <a:effectLst>
+                  <a:outerShdw blurRad="38100" dist="38100" dir="2700000" algn="tl">
+                    <a:srgbClr val="000000">
+                      <a:alpha val="43137"/>
+                    </a:srgbClr>
+                  </a:outerShdw>
+                </a:effectLst>
+                <a:latin typeface="微軟正黑體" pitchFamily="34" charset="-120"/>
+                <a:ea typeface="微軟正黑體" pitchFamily="34" charset="-120"/>
               </a:rPr>
-              <a:t>才</a:t>
-            </a:r>
-            <a:r>
-              <a:rPr lang="zh-CN" altLang="en-US" sz="5400" dirty="0">
-                <a:latin typeface="標楷體" pitchFamily="65" charset="-120"/>
-                <a:ea typeface="標楷體" pitchFamily="65" charset="-120"/>
-              </a:rPr>
-              <a:t>華</a:t>
-            </a:r>
-            <a:endParaRPr lang="en-US" altLang="zh-TW" sz="5400" dirty="0" smtClean="0">
-              <a:latin typeface="標楷體" pitchFamily="65" charset="-120"/>
-              <a:ea typeface="標楷體" pitchFamily="65" charset="-120"/>
+              <a:t>督等待你</a:t>
+            </a:r>
+            <a:endParaRPr lang="zh-TW" altLang="en-US" sz="7200" b="1" i="1" dirty="0">
+              <a:solidFill>
+                <a:srgbClr val="660033"/>
+              </a:solidFill>
+              <a:effectLst>
+                <a:outerShdw blurRad="38100" dist="38100" dir="2700000" algn="tl">
+                  <a:srgbClr val="000000">
+                    <a:alpha val="43137"/>
+                  </a:srgbClr>
+                </a:outerShdw>
+              </a:effectLst>
+              <a:latin typeface="微軟正黑體" pitchFamily="34" charset="-120"/>
+              <a:ea typeface="微軟正黑體" pitchFamily="34" charset="-120"/>
             </a:endParaRPr>
           </a:p>
-          <a:p>
-            <a:pPr algn="ctr">
-              <a:buNone/>
-            </a:pPr>
-            <a:r>
-              <a:rPr lang="zh-TW" altLang="en-US" sz="5400" dirty="0" smtClean="0">
-                <a:latin typeface="標楷體" pitchFamily="65" charset="-120"/>
-                <a:ea typeface="標楷體" pitchFamily="65" charset="-120"/>
-              </a:rPr>
-              <a:t>人群</a:t>
-            </a:r>
-            <a:r>
-              <a:rPr lang="zh-TW" altLang="en-US" sz="5400" dirty="0">
-                <a:latin typeface="標楷體" pitchFamily="65" charset="-120"/>
-                <a:ea typeface="標楷體" pitchFamily="65" charset="-120"/>
-              </a:rPr>
-              <a:t>仍然每天尋路</a:t>
-            </a:r>
-            <a:r>
-              <a:rPr lang="zh-TW" altLang="en-US" sz="5400" dirty="0" smtClean="0">
-                <a:latin typeface="標楷體" pitchFamily="65" charset="-120"/>
-                <a:ea typeface="標楷體" pitchFamily="65" charset="-120"/>
-              </a:rPr>
-              <a:t>向</a:t>
-            </a:r>
-            <a:endParaRPr lang="en-US" altLang="zh-TW" sz="5400" dirty="0">
-              <a:latin typeface="標楷體" pitchFamily="65" charset="-120"/>
-              <a:ea typeface="標楷體" pitchFamily="65" charset="-120"/>
-            </a:endParaRPr>
-          </a:p>
-          <a:p>
-            <a:pPr algn="ctr">
-              <a:buNone/>
-            </a:pPr>
-            <a:r>
-              <a:rPr lang="zh-TW" altLang="en-US" sz="5400" dirty="0" smtClean="0">
-                <a:latin typeface="標楷體" pitchFamily="65" charset="-120"/>
-                <a:ea typeface="標楷體" pitchFamily="65" charset="-120"/>
-              </a:rPr>
-              <a:t>可知</a:t>
-            </a:r>
-            <a:r>
-              <a:rPr lang="zh-TW" altLang="en-US" sz="5400" dirty="0">
-                <a:latin typeface="標楷體" pitchFamily="65" charset="-120"/>
-                <a:ea typeface="標楷體" pitchFamily="65" charset="-120"/>
-              </a:rPr>
-              <a:t>基督的</a:t>
-            </a:r>
-            <a:r>
-              <a:rPr lang="zh-TW" altLang="en-US" sz="5400" dirty="0" smtClean="0">
-                <a:latin typeface="標楷體" pitchFamily="65" charset="-120"/>
-                <a:ea typeface="標楷體" pitchFamily="65" charset="-120"/>
-              </a:rPr>
-              <a:t>愛</a:t>
-            </a:r>
-            <a:endParaRPr lang="en-US" altLang="zh-TW" sz="5400" dirty="0" smtClean="0">
-              <a:latin typeface="標楷體" pitchFamily="65" charset="-120"/>
-              <a:ea typeface="標楷體" pitchFamily="65" charset="-120"/>
-            </a:endParaRPr>
-          </a:p>
-          <a:p>
-            <a:pPr algn="ctr">
-              <a:buNone/>
-            </a:pPr>
-            <a:r>
-              <a:rPr lang="zh-TW" altLang="en-US" sz="5400" dirty="0" smtClean="0">
-                <a:latin typeface="標楷體" pitchFamily="65" charset="-120"/>
-                <a:ea typeface="標楷體" pitchFamily="65" charset="-120"/>
-              </a:rPr>
-              <a:t>今天</a:t>
-            </a:r>
-            <a:r>
-              <a:rPr lang="zh-TW" altLang="en-US" sz="5400" dirty="0">
-                <a:latin typeface="標楷體" pitchFamily="65" charset="-120"/>
-                <a:ea typeface="標楷體" pitchFamily="65" charset="-120"/>
-              </a:rPr>
-              <a:t>仍然</a:t>
-            </a:r>
-            <a:r>
-              <a:rPr lang="zh-TW" altLang="en-US" sz="5400" dirty="0" smtClean="0">
-                <a:latin typeface="標楷體" pitchFamily="65" charset="-120"/>
-                <a:ea typeface="標楷體" pitchFamily="65" charset="-120"/>
-              </a:rPr>
-              <a:t>期待</a:t>
-            </a:r>
-            <a:endParaRPr lang="en-US" altLang="zh-TW" sz="5400" dirty="0" smtClean="0">
-              <a:latin typeface="標楷體" pitchFamily="65" charset="-120"/>
-              <a:ea typeface="標楷體" pitchFamily="65" charset="-120"/>
-            </a:endParaRPr>
-          </a:p>
-          <a:p>
-            <a:pPr algn="ctr">
-              <a:buNone/>
-            </a:pPr>
-            <a:r>
-              <a:rPr lang="zh-TW" altLang="en-US" sz="5400" dirty="0" smtClean="0">
-                <a:latin typeface="標楷體" pitchFamily="65" charset="-120"/>
-                <a:ea typeface="標楷體" pitchFamily="65" charset="-120"/>
-              </a:rPr>
-              <a:t>誰</a:t>
-            </a:r>
-            <a:r>
-              <a:rPr lang="zh-TW" altLang="en-US" sz="5400" dirty="0">
-                <a:latin typeface="標楷體" pitchFamily="65" charset="-120"/>
-                <a:ea typeface="標楷體" pitchFamily="65" charset="-120"/>
-              </a:rPr>
-              <a:t>願意領會你的愛</a:t>
-            </a:r>
-          </a:p>
         </p:txBody>
       </p:sp>
     </p:spTree>
+    <p:extLst>
+      <p:ext uri="{BB962C8B-B14F-4D97-AF65-F5344CB8AC3E}">
+        <p14:creationId xmlns:p14="http://schemas.microsoft.com/office/powerpoint/2010/main" val="2398242922"/>
+      </p:ext>
+    </p:extLst>
   </p:cSld>
   <p:clrMapOvr>
     <a:masterClrMapping/>
@@ -3600,35 +3257,6 @@
       </p:grpSpPr>
       <p:sp>
         <p:nvSpPr>
-          <p:cNvPr id="4" name="標題 3"/>
-          <p:cNvSpPr>
-            <a:spLocks noGrp="1"/>
-          </p:cNvSpPr>
-          <p:nvPr>
-            <p:ph type="title"/>
-          </p:nvPr>
-        </p:nvSpPr>
-        <p:spPr/>
-        <p:txBody>
-          <a:bodyPr/>
-          <a:lstStyle/>
-          <a:p>
-            <a:r>
-              <a:rPr lang="zh-CN" altLang="en-US" dirty="0" smtClean="0">
-                <a:latin typeface="標楷體" pitchFamily="65" charset="-120"/>
-                <a:ea typeface="標楷體" pitchFamily="65" charset="-120"/>
-              </a:rPr>
-              <a:t>基督等待你</a:t>
-            </a:r>
-            <a:endParaRPr lang="zh-TW" altLang="en-US" dirty="0">
-              <a:latin typeface="標楷體" pitchFamily="65" charset="-120"/>
-              <a:ea typeface="標楷體" pitchFamily="65" charset="-120"/>
-            </a:endParaRPr>
-          </a:p>
-        </p:txBody>
-      </p:sp>
-      <p:sp>
-        <p:nvSpPr>
           <p:cNvPr id="5" name="內容版面配置區 4"/>
           <p:cNvSpPr>
             <a:spLocks noGrp="1"/>
@@ -3639,13 +3267,13 @@
         </p:nvSpPr>
         <p:spPr>
           <a:xfrm>
-            <a:off x="0" y="1600200"/>
-            <a:ext cx="9144000" cy="5257800"/>
+            <a:off x="0" y="2084851"/>
+            <a:ext cx="12192000" cy="2404863"/>
           </a:xfrm>
         </p:spPr>
         <p:txBody>
-          <a:bodyPr>
-            <a:noAutofit/>
+          <a:bodyPr anchor="ctr">
+            <a:normAutofit/>
           </a:bodyPr>
           <a:lstStyle/>
           <a:p>
@@ -3653,127 +3281,112 @@
               <a:buNone/>
             </a:pPr>
             <a:r>
-              <a:rPr lang="zh-TW" altLang="en-US" sz="5400" dirty="0">
-                <a:latin typeface="標楷體" pitchFamily="65" charset="-120"/>
-                <a:ea typeface="標楷體" pitchFamily="65" charset="-120"/>
+              <a:rPr lang="zh-TW" altLang="en-US" sz="6400" b="1" dirty="0">
+                <a:solidFill>
+                  <a:srgbClr val="660033"/>
+                </a:solidFill>
+                <a:latin typeface="微軟正黑體" pitchFamily="34" charset="-120"/>
+                <a:ea typeface="微軟正黑體" pitchFamily="34" charset="-120"/>
               </a:rPr>
-              <a:t>基督等待</a:t>
-            </a:r>
-            <a:r>
-              <a:rPr lang="zh-TW" altLang="en-US" sz="5400" dirty="0" smtClean="0">
-                <a:latin typeface="標楷體" pitchFamily="65" charset="-120"/>
-                <a:ea typeface="標楷體" pitchFamily="65" charset="-120"/>
+              <a:t>世</a:t>
+            </a:r>
+            <a:r>
+              <a:rPr lang="zh-TW" altLang="en-US" sz="6400" b="1" dirty="0">
+                <a:solidFill>
+                  <a:srgbClr val="660033"/>
+                </a:solidFill>
+                <a:latin typeface="微軟正黑體" pitchFamily="34" charset="-120"/>
+                <a:ea typeface="微軟正黑體" pitchFamily="34" charset="-120"/>
               </a:rPr>
-              <a:t>你</a:t>
-            </a:r>
-            <a:r>
-              <a:rPr lang="en-US" altLang="zh-TW" sz="5400" dirty="0" smtClean="0">
-                <a:latin typeface="標楷體" pitchFamily="65" charset="-120"/>
-                <a:ea typeface="標楷體" pitchFamily="65" charset="-120"/>
+              <a:t>界滿有知識與才</a:t>
+            </a:r>
+            <a:r>
+              <a:rPr lang="zh-CN" altLang="en-US" sz="6400" b="1" dirty="0">
+                <a:solidFill>
+                  <a:srgbClr val="660033"/>
+                </a:solidFill>
+                <a:latin typeface="微軟正黑體" pitchFamily="34" charset="-120"/>
+                <a:ea typeface="微軟正黑體" pitchFamily="34" charset="-120"/>
               </a:rPr>
-              <a:t> </a:t>
-            </a:r>
-            <a:r>
-              <a:rPr lang="zh-TW" altLang="en-US" sz="5400" dirty="0" smtClean="0">
-                <a:latin typeface="標楷體" pitchFamily="65" charset="-120"/>
-                <a:ea typeface="標楷體" pitchFamily="65" charset="-120"/>
+              <a:t>華</a:t>
+            </a:r>
+            <a:endParaRPr lang="en-US" altLang="zh-TW" sz="6400" b="1" dirty="0">
+              <a:solidFill>
+                <a:srgbClr val="660033"/>
+              </a:solidFill>
+              <a:latin typeface="微軟正黑體" pitchFamily="34" charset="-120"/>
+              <a:ea typeface="微軟正黑體" pitchFamily="34" charset="-120"/>
+            </a:endParaRPr>
+          </a:p>
+          <a:p>
+            <a:pPr algn="ctr">
+              <a:buNone/>
+            </a:pPr>
+            <a:r>
+              <a:rPr lang="zh-TW" altLang="en-US" sz="6400" b="1" dirty="0">
+                <a:solidFill>
+                  <a:srgbClr val="660033"/>
+                </a:solidFill>
+                <a:latin typeface="微軟正黑體" pitchFamily="34" charset="-120"/>
+                <a:ea typeface="微軟正黑體" pitchFamily="34" charset="-120"/>
               </a:rPr>
-              <a:t>願</a:t>
-            </a:r>
-            <a:r>
-              <a:rPr lang="zh-TW" altLang="en-US" sz="5400" dirty="0">
-                <a:latin typeface="標楷體" pitchFamily="65" charset="-120"/>
-                <a:ea typeface="標楷體" pitchFamily="65" charset="-120"/>
+              <a:t>人群仍然每天尋路向</a:t>
+            </a:r>
+            <a:endParaRPr lang="en-US" altLang="zh-TW" sz="6400" b="1" dirty="0">
+              <a:solidFill>
+                <a:srgbClr val="660033"/>
+              </a:solidFill>
+              <a:latin typeface="微軟正黑體" pitchFamily="34" charset="-120"/>
+              <a:ea typeface="微軟正黑體" pitchFamily="34" charset="-120"/>
+            </a:endParaRPr>
+          </a:p>
+        </p:txBody>
+      </p:sp>
+      <p:sp>
+        <p:nvSpPr>
+          <p:cNvPr id="2" name="TextBox 1"/>
+          <p:cNvSpPr txBox="1"/>
+          <p:nvPr/>
+        </p:nvSpPr>
+        <p:spPr>
+          <a:xfrm>
+            <a:off x="0" y="5172548"/>
+            <a:ext cx="12192000" cy="748988"/>
+          </a:xfrm>
+          <a:prstGeom prst="rect">
+            <a:avLst/>
+          </a:prstGeom>
+          <a:noFill/>
+        </p:spPr>
+        <p:txBody>
+          <a:bodyPr wrap="square" rtlCol="0" anchor="ctr">
+            <a:spAutoFit/>
+          </a:bodyPr>
+          <a:lstStyle/>
+          <a:p>
+            <a:pPr algn="ctr"/>
+            <a:r>
+              <a:rPr lang="en-US" sz="4267" b="1" dirty="0">
+                <a:solidFill>
+                  <a:srgbClr val="660033"/>
+                </a:solidFill>
               </a:rPr>
-              <a:t>你知曉主道理</a:t>
-            </a:r>
-            <a:endParaRPr lang="en-US" altLang="zh-TW" sz="5400" dirty="0">
-              <a:latin typeface="標楷體" pitchFamily="65" charset="-120"/>
-              <a:ea typeface="標楷體" pitchFamily="65" charset="-120"/>
+              <a:t>( 1 )</a:t>
+            </a:r>
+            <a:endParaRPr lang="vi-VN" sz="4267" b="1" dirty="0">
+              <a:solidFill>
+                <a:srgbClr val="660033"/>
+              </a:solidFill>
             </a:endParaRPr>
           </a:p>
-          <a:p>
-            <a:pPr algn="ctr">
-              <a:buNone/>
-            </a:pPr>
-            <a:r>
-              <a:rPr lang="zh-TW" altLang="en-US" sz="5400" dirty="0">
-                <a:latin typeface="標楷體" pitchFamily="65" charset="-120"/>
-                <a:ea typeface="標楷體" pitchFamily="65" charset="-120"/>
-              </a:rPr>
-              <a:t>將一生</a:t>
-            </a:r>
-            <a:r>
-              <a:rPr lang="zh-TW" altLang="en-US" sz="5400" dirty="0" smtClean="0">
-                <a:latin typeface="標楷體" pitchFamily="65" charset="-120"/>
-                <a:ea typeface="標楷體" pitchFamily="65" charset="-120"/>
-              </a:rPr>
-              <a:t>交</a:t>
-            </a:r>
-            <a:r>
-              <a:rPr lang="zh-CN" altLang="en-US" sz="5400" dirty="0" smtClean="0">
-                <a:latin typeface="標楷體" pitchFamily="65" charset="-120"/>
-                <a:ea typeface="標楷體" pitchFamily="65" charset="-120"/>
-              </a:rPr>
-              <a:t>主</a:t>
-            </a:r>
-            <a:r>
-              <a:rPr lang="zh-TW" altLang="en-US" sz="5400" dirty="0" smtClean="0">
-                <a:latin typeface="標楷體" pitchFamily="65" charset="-120"/>
-                <a:ea typeface="標楷體" pitchFamily="65" charset="-120"/>
-              </a:rPr>
-              <a:t>管理</a:t>
-            </a:r>
-            <a:endParaRPr lang="en-US" altLang="zh-TW" sz="5400" dirty="0">
-              <a:latin typeface="標楷體" pitchFamily="65" charset="-120"/>
-              <a:ea typeface="標楷體" pitchFamily="65" charset="-120"/>
-            </a:endParaRPr>
-          </a:p>
-          <a:p>
-            <a:pPr algn="ctr">
-              <a:buNone/>
-            </a:pPr>
-            <a:r>
-              <a:rPr lang="zh-TW" altLang="en-US" sz="5400" dirty="0">
-                <a:latin typeface="標楷體" pitchFamily="65" charset="-120"/>
-                <a:ea typeface="標楷體" pitchFamily="65" charset="-120"/>
-              </a:rPr>
-              <a:t>祂天天伴你 </a:t>
-            </a:r>
-            <a:r>
-              <a:rPr lang="zh-TW" altLang="en-US" sz="5400" dirty="0" smtClean="0">
-                <a:latin typeface="標楷體" pitchFamily="65" charset="-120"/>
-                <a:ea typeface="標楷體" pitchFamily="65" charset="-120"/>
-              </a:rPr>
-              <a:t>踏</a:t>
-            </a:r>
-            <a:r>
-              <a:rPr lang="zh-TW" altLang="en-US" sz="5400" dirty="0">
-                <a:latin typeface="標楷體" pitchFamily="65" charset="-120"/>
-                <a:ea typeface="標楷體" pitchFamily="65" charset="-120"/>
-              </a:rPr>
-              <a:t>過崎嶇險路徑</a:t>
-            </a:r>
-            <a:endParaRPr lang="en-US" altLang="zh-TW" sz="5400" dirty="0">
-              <a:latin typeface="標楷體" pitchFamily="65" charset="-120"/>
-              <a:ea typeface="標楷體" pitchFamily="65" charset="-120"/>
-            </a:endParaRPr>
-          </a:p>
-          <a:p>
-            <a:pPr algn="ctr">
-              <a:buNone/>
-            </a:pPr>
-            <a:r>
-              <a:rPr lang="zh-TW" altLang="en-US" sz="5400" dirty="0">
-                <a:latin typeface="標楷體" pitchFamily="65" charset="-120"/>
-                <a:ea typeface="標楷體" pitchFamily="65" charset="-120"/>
-              </a:rPr>
-              <a:t>恩典的光照亮路程</a:t>
-            </a:r>
-          </a:p>
         </p:txBody>
       </p:sp>
     </p:spTree>
+    <p:extLst>
+      <p:ext uri="{BB962C8B-B14F-4D97-AF65-F5344CB8AC3E}">
+        <p14:creationId xmlns:p14="http://schemas.microsoft.com/office/powerpoint/2010/main" val="365101347"/>
+      </p:ext>
+    </p:extLst>
   </p:cSld>
   <p:clrMapOvr>
     <a:masterClrMapping/>
@@ -3800,35 +3413,6 @@
       </p:grpSpPr>
       <p:sp>
         <p:nvSpPr>
-          <p:cNvPr id="4" name="標題 3"/>
-          <p:cNvSpPr>
-            <a:spLocks noGrp="1"/>
-          </p:cNvSpPr>
-          <p:nvPr>
-            <p:ph type="title"/>
-          </p:nvPr>
-        </p:nvSpPr>
-        <p:spPr/>
-        <p:txBody>
-          <a:bodyPr/>
-          <a:lstStyle/>
-          <a:p>
-            <a:r>
-              <a:rPr lang="zh-CN" altLang="en-US" dirty="0" smtClean="0">
-                <a:latin typeface="標楷體" pitchFamily="65" charset="-120"/>
-                <a:ea typeface="標楷體" pitchFamily="65" charset="-120"/>
-              </a:rPr>
-              <a:t>基督等待你</a:t>
-            </a:r>
-            <a:endParaRPr lang="zh-TW" altLang="en-US" dirty="0">
-              <a:latin typeface="標楷體" pitchFamily="65" charset="-120"/>
-              <a:ea typeface="標楷體" pitchFamily="65" charset="-120"/>
-            </a:endParaRPr>
-          </a:p>
-        </p:txBody>
-      </p:sp>
-      <p:sp>
-        <p:nvSpPr>
           <p:cNvPr id="5" name="內容版面配置區 4"/>
           <p:cNvSpPr>
             <a:spLocks noGrp="1"/>
@@ -3839,13 +3423,13 @@
         </p:nvSpPr>
         <p:spPr>
           <a:xfrm>
-            <a:off x="0" y="1600200"/>
-            <a:ext cx="9144000" cy="5257800"/>
+            <a:off x="0" y="2084851"/>
+            <a:ext cx="12192000" cy="2404863"/>
           </a:xfrm>
         </p:spPr>
         <p:txBody>
-          <a:bodyPr>
-            <a:noAutofit/>
+          <a:bodyPr anchor="ctr">
+            <a:normAutofit/>
           </a:bodyPr>
           <a:lstStyle/>
           <a:p>
@@ -3853,22 +3437,41 @@
               <a:buNone/>
             </a:pPr>
             <a:r>
-              <a:rPr lang="zh-TW" altLang="en-US" sz="5400" dirty="0">
-                <a:latin typeface="標楷體" pitchFamily="65" charset="-120"/>
-                <a:ea typeface="標楷體" pitchFamily="65" charset="-120"/>
+              <a:rPr lang="zh-TW" altLang="en-US" sz="6400" b="1" dirty="0">
+                <a:solidFill>
+                  <a:srgbClr val="660033"/>
+                </a:solidFill>
+                <a:latin typeface="微軟正黑體" pitchFamily="34" charset="-120"/>
+                <a:ea typeface="微軟正黑體" pitchFamily="34" charset="-120"/>
               </a:rPr>
-              <a:t>世界佈滿痛苦與</a:t>
-            </a:r>
-            <a:r>
-              <a:rPr lang="zh-TW" altLang="en-US" sz="5400" dirty="0" smtClean="0">
-                <a:latin typeface="標楷體" pitchFamily="65" charset="-120"/>
-                <a:ea typeface="標楷體" pitchFamily="65" charset="-120"/>
+              <a:t>可知基督的</a:t>
+            </a:r>
+            <a:r>
+              <a:rPr lang="zh-TW" altLang="en-US" sz="6400" b="1" dirty="0">
+                <a:solidFill>
+                  <a:srgbClr val="660033"/>
+                </a:solidFill>
+                <a:latin typeface="微軟正黑體" pitchFamily="34" charset="-120"/>
+                <a:ea typeface="微軟正黑體" pitchFamily="34" charset="-120"/>
               </a:rPr>
-              <a:t>無奈</a:t>
-            </a:r>
-            <a:endParaRPr lang="en-US" altLang="zh-TW" sz="5400" dirty="0" smtClean="0">
-              <a:latin typeface="標楷體" pitchFamily="65" charset="-120"/>
-              <a:ea typeface="標楷體" pitchFamily="65" charset="-120"/>
+              <a:t>愛  今</a:t>
+            </a:r>
+            <a:r>
+              <a:rPr lang="zh-TW" altLang="en-US" sz="6400" b="1" dirty="0">
+                <a:solidFill>
+                  <a:srgbClr val="660033"/>
+                </a:solidFill>
+                <a:latin typeface="微軟正黑體" pitchFamily="34" charset="-120"/>
+                <a:ea typeface="微軟正黑體" pitchFamily="34" charset="-120"/>
+              </a:rPr>
+              <a:t>天仍然期待</a:t>
+            </a:r>
+            <a:endParaRPr lang="en-US" altLang="zh-TW" sz="6400" b="1" dirty="0">
+              <a:solidFill>
+                <a:srgbClr val="660033"/>
+              </a:solidFill>
+              <a:latin typeface="微軟正黑體" pitchFamily="34" charset="-120"/>
+              <a:ea typeface="微軟正黑體" pitchFamily="34" charset="-120"/>
             </a:endParaRPr>
           </a:p>
           <a:p>
@@ -3876,113 +3479,63 @@
               <a:buNone/>
             </a:pPr>
             <a:r>
-              <a:rPr lang="zh-TW" altLang="en-US" sz="5400" dirty="0" smtClean="0">
-                <a:latin typeface="標楷體" pitchFamily="65" charset="-120"/>
-                <a:ea typeface="標楷體" pitchFamily="65" charset="-120"/>
+              <a:rPr lang="zh-TW" altLang="en-US" sz="6400" b="1" dirty="0">
+                <a:solidFill>
+                  <a:srgbClr val="660033"/>
+                </a:solidFill>
+                <a:latin typeface="微軟正黑體" pitchFamily="34" charset="-120"/>
+                <a:ea typeface="微軟正黑體" pitchFamily="34" charset="-120"/>
               </a:rPr>
-              <a:t>人潮</a:t>
-            </a:r>
-            <a:r>
-              <a:rPr lang="zh-TW" altLang="en-US" sz="5400" dirty="0">
-                <a:latin typeface="標楷體" pitchFamily="65" charset="-120"/>
-                <a:ea typeface="標楷體" pitchFamily="65" charset="-120"/>
+              <a:t>誰願意領會你的愛</a:t>
+            </a:r>
+          </a:p>
+        </p:txBody>
+      </p:sp>
+      <p:sp>
+        <p:nvSpPr>
+          <p:cNvPr id="3" name="TextBox 2"/>
+          <p:cNvSpPr txBox="1"/>
+          <p:nvPr/>
+        </p:nvSpPr>
+        <p:spPr>
+          <a:xfrm>
+            <a:off x="0" y="5172548"/>
+            <a:ext cx="12192000" cy="748988"/>
+          </a:xfrm>
+          <a:prstGeom prst="rect">
+            <a:avLst/>
+          </a:prstGeom>
+          <a:noFill/>
+        </p:spPr>
+        <p:txBody>
+          <a:bodyPr wrap="square" rtlCol="0" anchor="ctr">
+            <a:spAutoFit/>
+          </a:bodyPr>
+          <a:lstStyle/>
+          <a:p>
+            <a:pPr algn="ctr"/>
+            <a:r>
+              <a:rPr lang="en-US" sz="4267" b="1" dirty="0">
+                <a:solidFill>
+                  <a:srgbClr val="660033"/>
+                </a:solidFill>
               </a:rPr>
-              <a:t>茫然不知前路</a:t>
-            </a:r>
-            <a:r>
-              <a:rPr lang="zh-TW" altLang="en-US" sz="5400" dirty="0" smtClean="0">
-                <a:latin typeface="標楷體" pitchFamily="65" charset="-120"/>
-                <a:ea typeface="標楷體" pitchFamily="65" charset="-120"/>
-              </a:rPr>
-              <a:t>往</a:t>
-            </a:r>
-            <a:endParaRPr lang="en-US" altLang="zh-TW" sz="5400" dirty="0">
-              <a:latin typeface="標楷體" pitchFamily="65" charset="-120"/>
-              <a:ea typeface="標楷體" pitchFamily="65" charset="-120"/>
+              <a:t>( 1 )</a:t>
+            </a:r>
+            <a:endParaRPr lang="vi-VN" sz="4267" b="1" dirty="0">
+              <a:solidFill>
+                <a:srgbClr val="660033"/>
+              </a:solidFill>
             </a:endParaRPr>
           </a:p>
-          <a:p>
-            <a:pPr algn="ctr">
-              <a:buNone/>
-            </a:pPr>
-            <a:r>
-              <a:rPr lang="zh-TW" altLang="en-US" sz="5400" dirty="0" smtClean="0">
-                <a:latin typeface="標楷體" pitchFamily="65" charset="-120"/>
-                <a:ea typeface="標楷體" pitchFamily="65" charset="-120"/>
-              </a:rPr>
-              <a:t>可知</a:t>
-            </a:r>
-            <a:r>
-              <a:rPr lang="zh-TW" altLang="en-US" sz="5400" dirty="0">
-                <a:latin typeface="標楷體" pitchFamily="65" charset="-120"/>
-                <a:ea typeface="標楷體" pitchFamily="65" charset="-120"/>
-              </a:rPr>
-              <a:t>基督的</a:t>
-            </a:r>
-            <a:r>
-              <a:rPr lang="zh-TW" altLang="en-US" sz="5400" dirty="0" smtClean="0">
-                <a:latin typeface="標楷體" pitchFamily="65" charset="-120"/>
-                <a:ea typeface="標楷體" pitchFamily="65" charset="-120"/>
-              </a:rPr>
-              <a:t>愛</a:t>
-            </a:r>
-            <a:endParaRPr lang="en-US" altLang="zh-TW" sz="5400" dirty="0" smtClean="0">
-              <a:latin typeface="標楷體" pitchFamily="65" charset="-120"/>
-              <a:ea typeface="標楷體" pitchFamily="65" charset="-120"/>
-            </a:endParaRPr>
-          </a:p>
-          <a:p>
-            <a:pPr algn="ctr">
-              <a:buNone/>
-            </a:pPr>
-            <a:r>
-              <a:rPr lang="zh-TW" altLang="en-US" sz="5400" dirty="0" smtClean="0">
-                <a:latin typeface="標楷體" pitchFamily="65" charset="-120"/>
-                <a:ea typeface="標楷體" pitchFamily="65" charset="-120"/>
-              </a:rPr>
-              <a:t>此</a:t>
-            </a:r>
-            <a:r>
-              <a:rPr lang="zh-TW" altLang="en-US" sz="5400" dirty="0">
-                <a:latin typeface="標楷體" pitchFamily="65" charset="-120"/>
-                <a:ea typeface="標楷體" pitchFamily="65" charset="-120"/>
-              </a:rPr>
-              <a:t>際仍然</a:t>
-            </a:r>
-            <a:r>
-              <a:rPr lang="zh-TW" altLang="en-US" sz="5400" dirty="0" smtClean="0">
-                <a:latin typeface="標楷體" pitchFamily="65" charset="-120"/>
-                <a:ea typeface="標楷體" pitchFamily="65" charset="-120"/>
-              </a:rPr>
-              <a:t>期待</a:t>
-            </a:r>
-            <a:endParaRPr lang="en-US" altLang="zh-TW" sz="5400" dirty="0" smtClean="0">
-              <a:latin typeface="標楷體" pitchFamily="65" charset="-120"/>
-              <a:ea typeface="標楷體" pitchFamily="65" charset="-120"/>
-            </a:endParaRPr>
-          </a:p>
-          <a:p>
-            <a:pPr algn="ctr">
-              <a:buNone/>
-            </a:pPr>
-            <a:r>
-              <a:rPr lang="zh-TW" altLang="en-US" sz="5400" dirty="0" smtClean="0">
-                <a:latin typeface="標楷體" pitchFamily="65" charset="-120"/>
-                <a:ea typeface="標楷體" pitchFamily="65" charset="-120"/>
-              </a:rPr>
-              <a:t>唯</a:t>
-            </a:r>
-            <a:r>
-              <a:rPr lang="zh-TW" altLang="en-US" sz="5400" dirty="0">
-                <a:latin typeface="標楷體" pitchFamily="65" charset="-120"/>
-                <a:ea typeface="標楷體" pitchFamily="65" charset="-120"/>
-              </a:rPr>
-              <a:t>願你領會這真愛</a:t>
-            </a:r>
-          </a:p>
         </p:txBody>
       </p:sp>
     </p:spTree>
+    <p:extLst>
+      <p:ext uri="{BB962C8B-B14F-4D97-AF65-F5344CB8AC3E}">
+        <p14:creationId xmlns:p14="http://schemas.microsoft.com/office/powerpoint/2010/main" val="1725262792"/>
+      </p:ext>
+    </p:extLst>
   </p:cSld>
   <p:clrMapOvr>
     <a:masterClrMapping/>
@@ -4009,35 +3562,6 @@
       </p:grpSpPr>
       <p:sp>
         <p:nvSpPr>
-          <p:cNvPr id="4" name="標題 3"/>
-          <p:cNvSpPr>
-            <a:spLocks noGrp="1"/>
-          </p:cNvSpPr>
-          <p:nvPr>
-            <p:ph type="title"/>
-          </p:nvPr>
-        </p:nvSpPr>
-        <p:spPr/>
-        <p:txBody>
-          <a:bodyPr/>
-          <a:lstStyle/>
-          <a:p>
-            <a:r>
-              <a:rPr lang="zh-CN" altLang="en-US" dirty="0" smtClean="0">
-                <a:latin typeface="標楷體" pitchFamily="65" charset="-120"/>
-                <a:ea typeface="標楷體" pitchFamily="65" charset="-120"/>
-              </a:rPr>
-              <a:t>基督等待你</a:t>
-            </a:r>
-            <a:endParaRPr lang="zh-TW" altLang="en-US" dirty="0">
-              <a:latin typeface="標楷體" pitchFamily="65" charset="-120"/>
-              <a:ea typeface="標楷體" pitchFamily="65" charset="-120"/>
-            </a:endParaRPr>
-          </a:p>
-        </p:txBody>
-      </p:sp>
-      <p:sp>
-        <p:nvSpPr>
           <p:cNvPr id="5" name="內容版面配置區 4"/>
           <p:cNvSpPr>
             <a:spLocks noGrp="1"/>
@@ -4048,13 +3572,13 @@
         </p:nvSpPr>
         <p:spPr>
           <a:xfrm>
-            <a:off x="0" y="1600200"/>
-            <a:ext cx="9144000" cy="5257800"/>
+            <a:off x="0" y="2084851"/>
+            <a:ext cx="12192000" cy="2404863"/>
           </a:xfrm>
         </p:spPr>
         <p:txBody>
-          <a:bodyPr>
-            <a:noAutofit/>
+          <a:bodyPr anchor="ctr">
+            <a:normAutofit/>
           </a:bodyPr>
           <a:lstStyle/>
           <a:p>
@@ -4062,43 +3586,643 @@
               <a:buNone/>
             </a:pPr>
             <a:r>
-              <a:rPr lang="zh-TW" altLang="en-US" sz="5400" dirty="0">
-                <a:latin typeface="標楷體" pitchFamily="65" charset="-120"/>
-                <a:ea typeface="標楷體" pitchFamily="65" charset="-120"/>
+              <a:rPr lang="zh-TW" altLang="en-US" sz="6400" b="1" dirty="0">
+                <a:solidFill>
+                  <a:srgbClr val="660033"/>
+                </a:solidFill>
+                <a:latin typeface="微軟正黑體" pitchFamily="34" charset="-120"/>
+                <a:ea typeface="微軟正黑體" pitchFamily="34" charset="-120"/>
               </a:rPr>
               <a:t>基督等待</a:t>
             </a:r>
             <a:r>
-              <a:rPr lang="zh-TW" altLang="en-US" sz="5400" dirty="0" smtClean="0">
-                <a:latin typeface="標楷體" pitchFamily="65" charset="-120"/>
-                <a:ea typeface="標楷體" pitchFamily="65" charset="-120"/>
+              <a:rPr lang="zh-TW" altLang="en-US" sz="6400" b="1" dirty="0">
+                <a:solidFill>
+                  <a:srgbClr val="660033"/>
+                </a:solidFill>
+                <a:latin typeface="微軟正黑體" pitchFamily="34" charset="-120"/>
+                <a:ea typeface="微軟正黑體" pitchFamily="34" charset="-120"/>
               </a:rPr>
               <a:t>你</a:t>
             </a:r>
             <a:r>
-              <a:rPr lang="en-US" altLang="zh-TW" sz="5400" dirty="0" smtClean="0">
-                <a:latin typeface="標楷體" pitchFamily="65" charset="-120"/>
-                <a:ea typeface="標楷體" pitchFamily="65" charset="-120"/>
+              <a:rPr lang="en-US" altLang="zh-TW" sz="6400" b="1" dirty="0">
+                <a:solidFill>
+                  <a:srgbClr val="660033"/>
+                </a:solidFill>
+                <a:latin typeface="微軟正黑體" pitchFamily="34" charset="-120"/>
+                <a:ea typeface="微軟正黑體" pitchFamily="34" charset="-120"/>
+              </a:rPr>
+              <a:t>  </a:t>
+            </a:r>
+            <a:r>
+              <a:rPr lang="zh-TW" altLang="en-US" sz="6400" b="1" dirty="0">
+                <a:solidFill>
+                  <a:srgbClr val="660033"/>
+                </a:solidFill>
+                <a:latin typeface="微軟正黑體" pitchFamily="34" charset="-120"/>
+                <a:ea typeface="微軟正黑體" pitchFamily="34" charset="-120"/>
+              </a:rPr>
+              <a:t>願</a:t>
+            </a:r>
+            <a:r>
+              <a:rPr lang="zh-TW" altLang="en-US" sz="6400" b="1" dirty="0">
+                <a:solidFill>
+                  <a:srgbClr val="660033"/>
+                </a:solidFill>
+                <a:latin typeface="微軟正黑體" pitchFamily="34" charset="-120"/>
+                <a:ea typeface="微軟正黑體" pitchFamily="34" charset="-120"/>
+              </a:rPr>
+              <a:t>你知曉主道理</a:t>
+            </a:r>
+            <a:endParaRPr lang="en-US" altLang="zh-TW" sz="6400" b="1" dirty="0">
+              <a:solidFill>
+                <a:srgbClr val="660033"/>
+              </a:solidFill>
+              <a:latin typeface="微軟正黑體" pitchFamily="34" charset="-120"/>
+              <a:ea typeface="微軟正黑體" pitchFamily="34" charset="-120"/>
+            </a:endParaRPr>
+          </a:p>
+          <a:p>
+            <a:pPr algn="ctr">
+              <a:buNone/>
+            </a:pPr>
+            <a:r>
+              <a:rPr lang="zh-TW" altLang="en-US" sz="6400" b="1" dirty="0">
+                <a:solidFill>
+                  <a:srgbClr val="660033"/>
+                </a:solidFill>
+                <a:latin typeface="微軟正黑體" pitchFamily="34" charset="-120"/>
+                <a:ea typeface="微軟正黑體" pitchFamily="34" charset="-120"/>
+              </a:rPr>
+              <a:t>將一生交</a:t>
+            </a:r>
+            <a:r>
+              <a:rPr lang="zh-CN" altLang="en-US" sz="6400" b="1" dirty="0">
+                <a:solidFill>
+                  <a:srgbClr val="660033"/>
+                </a:solidFill>
+                <a:latin typeface="微軟正黑體" pitchFamily="34" charset="-120"/>
+                <a:ea typeface="微軟正黑體" pitchFamily="34" charset="-120"/>
+              </a:rPr>
+              <a:t>主</a:t>
+            </a:r>
+            <a:r>
+              <a:rPr lang="zh-TW" altLang="en-US" sz="6400" b="1" dirty="0">
+                <a:solidFill>
+                  <a:srgbClr val="660033"/>
+                </a:solidFill>
+                <a:latin typeface="微軟正黑體" pitchFamily="34" charset="-120"/>
+                <a:ea typeface="微軟正黑體" pitchFamily="34" charset="-120"/>
+              </a:rPr>
+              <a:t>管理</a:t>
+            </a:r>
+            <a:endParaRPr lang="en-US" altLang="zh-TW" sz="6400" b="1" dirty="0">
+              <a:solidFill>
+                <a:srgbClr val="660033"/>
+              </a:solidFill>
+              <a:latin typeface="微軟正黑體" pitchFamily="34" charset="-120"/>
+              <a:ea typeface="微軟正黑體" pitchFamily="34" charset="-120"/>
+            </a:endParaRPr>
+          </a:p>
+        </p:txBody>
+      </p:sp>
+    </p:spTree>
+    <p:extLst>
+      <p:ext uri="{BB962C8B-B14F-4D97-AF65-F5344CB8AC3E}">
+        <p14:creationId xmlns:p14="http://schemas.microsoft.com/office/powerpoint/2010/main" val="1702266218"/>
+      </p:ext>
+    </p:extLst>
+  </p:cSld>
+  <p:clrMapOvr>
+    <a:masterClrMapping/>
+  </p:clrMapOvr>
+</p:sld>
+</file>
+
+<file path=ppt/slides/slide5.xml><?xml version="1.0" encoding="utf-8"?>
+<p:sld xmlns:a="http://schemas.openxmlformats.org/drawingml/2006/main" xmlns:r="http://schemas.openxmlformats.org/officeDocument/2006/relationships" xmlns:p="http://schemas.openxmlformats.org/presentationml/2006/main">
+  <p:cSld>
+    <p:spTree>
+      <p:nvGrpSpPr>
+        <p:cNvPr id="1" name=""/>
+        <p:cNvGrpSpPr/>
+        <p:nvPr/>
+      </p:nvGrpSpPr>
+      <p:grpSpPr>
+        <a:xfrm>
+          <a:off x="0" y="0"/>
+          <a:ext cx="0" cy="0"/>
+          <a:chOff x="0" y="0"/>
+          <a:chExt cx="0" cy="0"/>
+        </a:xfrm>
+      </p:grpSpPr>
+      <p:sp>
+        <p:nvSpPr>
+          <p:cNvPr id="5" name="內容版面配置區 4"/>
+          <p:cNvSpPr>
+            <a:spLocks noGrp="1"/>
+          </p:cNvSpPr>
+          <p:nvPr>
+            <p:ph idx="1"/>
+          </p:nvPr>
+        </p:nvSpPr>
+        <p:spPr>
+          <a:xfrm>
+            <a:off x="0" y="2084851"/>
+            <a:ext cx="12192000" cy="2404863"/>
+          </a:xfrm>
+        </p:spPr>
+        <p:txBody>
+          <a:bodyPr anchor="ctr">
+            <a:normAutofit/>
+          </a:bodyPr>
+          <a:lstStyle/>
+          <a:p>
+            <a:pPr algn="ctr">
+              <a:buNone/>
+            </a:pPr>
+            <a:r>
+              <a:rPr lang="zh-TW" altLang="en-US" sz="6400" b="1" dirty="0">
+                <a:solidFill>
+                  <a:srgbClr val="660033"/>
+                </a:solidFill>
+                <a:latin typeface="微軟正黑體" pitchFamily="34" charset="-120"/>
+                <a:ea typeface="微軟正黑體" pitchFamily="34" charset="-120"/>
+              </a:rPr>
+              <a:t>祂天天伴你 </a:t>
+            </a:r>
+            <a:r>
+              <a:rPr lang="zh-TW" altLang="en-US" sz="6400" b="1" dirty="0">
+                <a:solidFill>
+                  <a:srgbClr val="660033"/>
+                </a:solidFill>
+                <a:latin typeface="微軟正黑體" pitchFamily="34" charset="-120"/>
+                <a:ea typeface="微軟正黑體" pitchFamily="34" charset="-120"/>
+              </a:rPr>
+              <a:t> 踏</a:t>
+            </a:r>
+            <a:r>
+              <a:rPr lang="zh-TW" altLang="en-US" sz="6400" b="1" dirty="0">
+                <a:solidFill>
+                  <a:srgbClr val="660033"/>
+                </a:solidFill>
+                <a:latin typeface="微軟正黑體" pitchFamily="34" charset="-120"/>
+                <a:ea typeface="微軟正黑體" pitchFamily="34" charset="-120"/>
+              </a:rPr>
+              <a:t>過崎嶇險路徑</a:t>
+            </a:r>
+            <a:endParaRPr lang="en-US" altLang="zh-TW" sz="6400" b="1" dirty="0">
+              <a:solidFill>
+                <a:srgbClr val="660033"/>
+              </a:solidFill>
+              <a:latin typeface="微軟正黑體" pitchFamily="34" charset="-120"/>
+              <a:ea typeface="微軟正黑體" pitchFamily="34" charset="-120"/>
+            </a:endParaRPr>
+          </a:p>
+          <a:p>
+            <a:pPr algn="ctr">
+              <a:buNone/>
+            </a:pPr>
+            <a:r>
+              <a:rPr lang="zh-TW" altLang="en-US" sz="6400" b="1" dirty="0">
+                <a:solidFill>
+                  <a:srgbClr val="660033"/>
+                </a:solidFill>
+                <a:latin typeface="微軟正黑體" pitchFamily="34" charset="-120"/>
+                <a:ea typeface="微軟正黑體" pitchFamily="34" charset="-120"/>
+              </a:rPr>
+              <a:t>恩典的光照亮路程</a:t>
+            </a:r>
+          </a:p>
+        </p:txBody>
+      </p:sp>
+    </p:spTree>
+    <p:extLst>
+      <p:ext uri="{BB962C8B-B14F-4D97-AF65-F5344CB8AC3E}">
+        <p14:creationId xmlns:p14="http://schemas.microsoft.com/office/powerpoint/2010/main" val="526742988"/>
+      </p:ext>
+    </p:extLst>
+  </p:cSld>
+  <p:clrMapOvr>
+    <a:masterClrMapping/>
+  </p:clrMapOvr>
+</p:sld>
+</file>
+
+<file path=ppt/slides/slide6.xml><?xml version="1.0" encoding="utf-8"?>
+<p:sld xmlns:a="http://schemas.openxmlformats.org/drawingml/2006/main" xmlns:r="http://schemas.openxmlformats.org/officeDocument/2006/relationships" xmlns:p="http://schemas.openxmlformats.org/presentationml/2006/main">
+  <p:cSld>
+    <p:spTree>
+      <p:nvGrpSpPr>
+        <p:cNvPr id="1" name=""/>
+        <p:cNvGrpSpPr/>
+        <p:nvPr/>
+      </p:nvGrpSpPr>
+      <p:grpSpPr>
+        <a:xfrm>
+          <a:off x="0" y="0"/>
+          <a:ext cx="0" cy="0"/>
+          <a:chOff x="0" y="0"/>
+          <a:chExt cx="0" cy="0"/>
+        </a:xfrm>
+      </p:grpSpPr>
+      <p:sp>
+        <p:nvSpPr>
+          <p:cNvPr id="5" name="內容版面配置區 4"/>
+          <p:cNvSpPr>
+            <a:spLocks noGrp="1"/>
+          </p:cNvSpPr>
+          <p:nvPr>
+            <p:ph idx="1"/>
+          </p:nvPr>
+        </p:nvSpPr>
+        <p:spPr>
+          <a:xfrm>
+            <a:off x="0" y="2084851"/>
+            <a:ext cx="12192000" cy="2404863"/>
+          </a:xfrm>
+        </p:spPr>
+        <p:txBody>
+          <a:bodyPr anchor="ctr">
+            <a:normAutofit/>
+          </a:bodyPr>
+          <a:lstStyle/>
+          <a:p>
+            <a:pPr algn="ctr">
+              <a:buNone/>
+            </a:pPr>
+            <a:r>
+              <a:rPr lang="zh-TW" altLang="en-US" sz="6400" b="1" dirty="0">
+                <a:solidFill>
+                  <a:srgbClr val="660033"/>
+                </a:solidFill>
+                <a:latin typeface="微軟正黑體" pitchFamily="34" charset="-120"/>
+                <a:ea typeface="微軟正黑體" pitchFamily="34" charset="-120"/>
+              </a:rPr>
+              <a:t>世界佈滿痛苦與無奈</a:t>
+            </a:r>
+            <a:endParaRPr lang="en-US" altLang="zh-TW" sz="6400" b="1" dirty="0">
+              <a:solidFill>
+                <a:srgbClr val="660033"/>
+              </a:solidFill>
+              <a:latin typeface="微軟正黑體" pitchFamily="34" charset="-120"/>
+              <a:ea typeface="微軟正黑體" pitchFamily="34" charset="-120"/>
+            </a:endParaRPr>
+          </a:p>
+          <a:p>
+            <a:pPr algn="ctr">
+              <a:buNone/>
+            </a:pPr>
+            <a:r>
+              <a:rPr lang="zh-TW" altLang="en-US" sz="6400" b="1" dirty="0">
+                <a:solidFill>
+                  <a:srgbClr val="660033"/>
+                </a:solidFill>
+                <a:latin typeface="微軟正黑體" pitchFamily="34" charset="-120"/>
+                <a:ea typeface="微軟正黑體" pitchFamily="34" charset="-120"/>
+              </a:rPr>
+              <a:t>人潮茫然不知前路往</a:t>
+            </a:r>
+            <a:endParaRPr lang="en-US" altLang="zh-TW" sz="6400" b="1" dirty="0">
+              <a:solidFill>
+                <a:srgbClr val="660033"/>
+              </a:solidFill>
+              <a:latin typeface="微軟正黑體" pitchFamily="34" charset="-120"/>
+              <a:ea typeface="微軟正黑體" pitchFamily="34" charset="-120"/>
+            </a:endParaRPr>
+          </a:p>
+        </p:txBody>
+      </p:sp>
+      <p:sp>
+        <p:nvSpPr>
+          <p:cNvPr id="3" name="TextBox 2"/>
+          <p:cNvSpPr txBox="1"/>
+          <p:nvPr/>
+        </p:nvSpPr>
+        <p:spPr>
+          <a:xfrm>
+            <a:off x="0" y="5172548"/>
+            <a:ext cx="12192000" cy="748988"/>
+          </a:xfrm>
+          <a:prstGeom prst="rect">
+            <a:avLst/>
+          </a:prstGeom>
+          <a:noFill/>
+        </p:spPr>
+        <p:txBody>
+          <a:bodyPr wrap="square" rtlCol="0" anchor="ctr">
+            <a:spAutoFit/>
+          </a:bodyPr>
+          <a:lstStyle/>
+          <a:p>
+            <a:pPr algn="ctr"/>
+            <a:r>
+              <a:rPr lang="en-US" sz="4267" b="1" dirty="0">
+                <a:solidFill>
+                  <a:srgbClr val="660033"/>
+                </a:solidFill>
+              </a:rPr>
+              <a:t>( 2 )</a:t>
+            </a:r>
+            <a:endParaRPr lang="vi-VN" sz="4267" b="1" dirty="0">
+              <a:solidFill>
+                <a:srgbClr val="660033"/>
+              </a:solidFill>
+            </a:endParaRPr>
+          </a:p>
+        </p:txBody>
+      </p:sp>
+    </p:spTree>
+    <p:extLst>
+      <p:ext uri="{BB962C8B-B14F-4D97-AF65-F5344CB8AC3E}">
+        <p14:creationId xmlns:p14="http://schemas.microsoft.com/office/powerpoint/2010/main" val="828396862"/>
+      </p:ext>
+    </p:extLst>
+  </p:cSld>
+  <p:clrMapOvr>
+    <a:masterClrMapping/>
+  </p:clrMapOvr>
+</p:sld>
+</file>
+
+<file path=ppt/slides/slide7.xml><?xml version="1.0" encoding="utf-8"?>
+<p:sld xmlns:a="http://schemas.openxmlformats.org/drawingml/2006/main" xmlns:r="http://schemas.openxmlformats.org/officeDocument/2006/relationships" xmlns:p="http://schemas.openxmlformats.org/presentationml/2006/main">
+  <p:cSld>
+    <p:spTree>
+      <p:nvGrpSpPr>
+        <p:cNvPr id="1" name=""/>
+        <p:cNvGrpSpPr/>
+        <p:nvPr/>
+      </p:nvGrpSpPr>
+      <p:grpSpPr>
+        <a:xfrm>
+          <a:off x="0" y="0"/>
+          <a:ext cx="0" cy="0"/>
+          <a:chOff x="0" y="0"/>
+          <a:chExt cx="0" cy="0"/>
+        </a:xfrm>
+      </p:grpSpPr>
+      <p:sp>
+        <p:nvSpPr>
+          <p:cNvPr id="5" name="內容版面配置區 4"/>
+          <p:cNvSpPr>
+            <a:spLocks noGrp="1"/>
+          </p:cNvSpPr>
+          <p:nvPr>
+            <p:ph idx="1"/>
+          </p:nvPr>
+        </p:nvSpPr>
+        <p:spPr>
+          <a:xfrm>
+            <a:off x="0" y="2084851"/>
+            <a:ext cx="12192000" cy="2404863"/>
+          </a:xfrm>
+        </p:spPr>
+        <p:txBody>
+          <a:bodyPr anchor="ctr">
+            <a:normAutofit/>
+          </a:bodyPr>
+          <a:lstStyle/>
+          <a:p>
+            <a:pPr algn="ctr">
+              <a:buNone/>
+            </a:pPr>
+            <a:r>
+              <a:rPr lang="zh-TW" altLang="en-US" sz="6400" b="1" dirty="0">
+                <a:solidFill>
+                  <a:srgbClr val="660033"/>
+                </a:solidFill>
+                <a:latin typeface="微軟正黑體" pitchFamily="34" charset="-120"/>
+                <a:ea typeface="微軟正黑體" pitchFamily="34" charset="-120"/>
+              </a:rPr>
+              <a:t>可知基督的</a:t>
+            </a:r>
+            <a:r>
+              <a:rPr lang="zh-TW" altLang="en-US" sz="6400" b="1" dirty="0">
+                <a:solidFill>
+                  <a:srgbClr val="660033"/>
+                </a:solidFill>
+                <a:latin typeface="微軟正黑體" pitchFamily="34" charset="-120"/>
+                <a:ea typeface="微軟正黑體" pitchFamily="34" charset="-120"/>
+              </a:rPr>
+              <a:t>愛</a:t>
+            </a:r>
+            <a:r>
+              <a:rPr lang="en-US" altLang="zh-TW" sz="6400" b="1" dirty="0">
+                <a:solidFill>
+                  <a:srgbClr val="660033"/>
+                </a:solidFill>
+                <a:latin typeface="微軟正黑體" pitchFamily="34" charset="-120"/>
+                <a:ea typeface="微軟正黑體" pitchFamily="34" charset="-120"/>
               </a:rPr>
               <a:t> </a:t>
             </a:r>
             <a:r>
-              <a:rPr lang="zh-TW" altLang="en-US" sz="5400" dirty="0" smtClean="0">
-                <a:latin typeface="標楷體" pitchFamily="65" charset="-120"/>
-                <a:ea typeface="標楷體" pitchFamily="65" charset="-120"/>
+              <a:rPr lang="en-US" altLang="zh-TW" sz="6400" b="1" dirty="0">
+                <a:solidFill>
+                  <a:srgbClr val="660033"/>
+                </a:solidFill>
+                <a:latin typeface="微軟正黑體" pitchFamily="34" charset="-120"/>
+                <a:ea typeface="微軟正黑體" pitchFamily="34" charset="-120"/>
+              </a:rPr>
+              <a:t> </a:t>
+            </a:r>
+            <a:r>
+              <a:rPr lang="zh-TW" altLang="en-US" sz="6400" b="1" dirty="0">
+                <a:solidFill>
+                  <a:srgbClr val="660033"/>
+                </a:solidFill>
+                <a:latin typeface="微軟正黑體" pitchFamily="34" charset="-120"/>
+                <a:ea typeface="微軟正黑體" pitchFamily="34" charset="-120"/>
+              </a:rPr>
+              <a:t>此</a:t>
+            </a:r>
+            <a:r>
+              <a:rPr lang="zh-TW" altLang="en-US" sz="6400" b="1" dirty="0">
+                <a:solidFill>
+                  <a:srgbClr val="660033"/>
+                </a:solidFill>
+                <a:latin typeface="微軟正黑體" pitchFamily="34" charset="-120"/>
+                <a:ea typeface="微軟正黑體" pitchFamily="34" charset="-120"/>
+              </a:rPr>
+              <a:t>際仍然期待</a:t>
+            </a:r>
+            <a:endParaRPr lang="en-US" altLang="zh-TW" sz="6400" b="1" dirty="0">
+              <a:solidFill>
+                <a:srgbClr val="660033"/>
+              </a:solidFill>
+              <a:latin typeface="微軟正黑體" pitchFamily="34" charset="-120"/>
+              <a:ea typeface="微軟正黑體" pitchFamily="34" charset="-120"/>
+            </a:endParaRPr>
+          </a:p>
+          <a:p>
+            <a:pPr algn="ctr">
+              <a:buNone/>
+            </a:pPr>
+            <a:r>
+              <a:rPr lang="zh-TW" altLang="en-US" sz="6400" b="1" dirty="0">
+                <a:solidFill>
+                  <a:srgbClr val="660033"/>
+                </a:solidFill>
+                <a:latin typeface="微軟正黑體" pitchFamily="34" charset="-120"/>
+                <a:ea typeface="微軟正黑體" pitchFamily="34" charset="-120"/>
+              </a:rPr>
+              <a:t>唯願你領會這真愛</a:t>
+            </a:r>
+          </a:p>
+        </p:txBody>
+      </p:sp>
+      <p:sp>
+        <p:nvSpPr>
+          <p:cNvPr id="3" name="TextBox 2"/>
+          <p:cNvSpPr txBox="1"/>
+          <p:nvPr/>
+        </p:nvSpPr>
+        <p:spPr>
+          <a:xfrm>
+            <a:off x="0" y="5172548"/>
+            <a:ext cx="12192000" cy="748988"/>
+          </a:xfrm>
+          <a:prstGeom prst="rect">
+            <a:avLst/>
+          </a:prstGeom>
+          <a:noFill/>
+        </p:spPr>
+        <p:txBody>
+          <a:bodyPr wrap="square" rtlCol="0" anchor="ctr">
+            <a:spAutoFit/>
+          </a:bodyPr>
+          <a:lstStyle/>
+          <a:p>
+            <a:pPr algn="ctr"/>
+            <a:r>
+              <a:rPr lang="en-US" sz="4267" b="1" dirty="0">
+                <a:solidFill>
+                  <a:srgbClr val="660033"/>
+                </a:solidFill>
+              </a:rPr>
+              <a:t>( 2 )</a:t>
+            </a:r>
+            <a:endParaRPr lang="vi-VN" sz="4267" b="1" dirty="0">
+              <a:solidFill>
+                <a:srgbClr val="660033"/>
+              </a:solidFill>
+            </a:endParaRPr>
+          </a:p>
+        </p:txBody>
+      </p:sp>
+    </p:spTree>
+    <p:extLst>
+      <p:ext uri="{BB962C8B-B14F-4D97-AF65-F5344CB8AC3E}">
+        <p14:creationId xmlns:p14="http://schemas.microsoft.com/office/powerpoint/2010/main" val="3094487592"/>
+      </p:ext>
+    </p:extLst>
+  </p:cSld>
+  <p:clrMapOvr>
+    <a:masterClrMapping/>
+  </p:clrMapOvr>
+</p:sld>
+</file>
+
+<file path=ppt/slides/slide8.xml><?xml version="1.0" encoding="utf-8"?>
+<p:sld xmlns:a="http://schemas.openxmlformats.org/drawingml/2006/main" xmlns:r="http://schemas.openxmlformats.org/officeDocument/2006/relationships" xmlns:p="http://schemas.openxmlformats.org/presentationml/2006/main">
+  <p:cSld>
+    <p:spTree>
+      <p:nvGrpSpPr>
+        <p:cNvPr id="1" name=""/>
+        <p:cNvGrpSpPr/>
+        <p:nvPr/>
+      </p:nvGrpSpPr>
+      <p:grpSpPr>
+        <a:xfrm>
+          <a:off x="0" y="0"/>
+          <a:ext cx="0" cy="0"/>
+          <a:chOff x="0" y="0"/>
+          <a:chExt cx="0" cy="0"/>
+        </a:xfrm>
+      </p:grpSpPr>
+      <p:sp>
+        <p:nvSpPr>
+          <p:cNvPr id="5" name="內容版面配置區 4"/>
+          <p:cNvSpPr>
+            <a:spLocks noGrp="1"/>
+          </p:cNvSpPr>
+          <p:nvPr>
+            <p:ph idx="1"/>
+          </p:nvPr>
+        </p:nvSpPr>
+        <p:spPr>
+          <a:xfrm>
+            <a:off x="0" y="2084851"/>
+            <a:ext cx="12192000" cy="2404863"/>
+          </a:xfrm>
+        </p:spPr>
+        <p:txBody>
+          <a:bodyPr anchor="ctr">
+            <a:normAutofit/>
+          </a:bodyPr>
+          <a:lstStyle/>
+          <a:p>
+            <a:pPr algn="ctr">
+              <a:buNone/>
+            </a:pPr>
+            <a:r>
+              <a:rPr lang="zh-TW" altLang="en-US" sz="6400" b="1" dirty="0">
+                <a:solidFill>
+                  <a:srgbClr val="660033"/>
+                </a:solidFill>
+                <a:latin typeface="微軟正黑體" pitchFamily="34" charset="-120"/>
+                <a:ea typeface="微軟正黑體" pitchFamily="34" charset="-120"/>
+              </a:rPr>
+              <a:t>基督等待</a:t>
+            </a:r>
+            <a:r>
+              <a:rPr lang="zh-TW" altLang="en-US" sz="6400" b="1" dirty="0">
+                <a:solidFill>
+                  <a:srgbClr val="660033"/>
+                </a:solidFill>
+                <a:latin typeface="微軟正黑體" pitchFamily="34" charset="-120"/>
+                <a:ea typeface="微軟正黑體" pitchFamily="34" charset="-120"/>
+              </a:rPr>
+              <a:t>你</a:t>
+            </a:r>
+            <a:r>
+              <a:rPr lang="en-US" altLang="zh-TW" sz="6400" b="1" dirty="0">
+                <a:solidFill>
+                  <a:srgbClr val="660033"/>
+                </a:solidFill>
+                <a:latin typeface="微軟正黑體" pitchFamily="34" charset="-120"/>
+                <a:ea typeface="微軟正黑體" pitchFamily="34" charset="-120"/>
+              </a:rPr>
+              <a:t>  </a:t>
+            </a:r>
+            <a:r>
+              <a:rPr lang="zh-TW" altLang="en-US" sz="6400" b="1" dirty="0">
+                <a:solidFill>
+                  <a:srgbClr val="660033"/>
+                </a:solidFill>
+                <a:latin typeface="微軟正黑體" pitchFamily="34" charset="-120"/>
+                <a:ea typeface="微軟正黑體" pitchFamily="34" charset="-120"/>
               </a:rPr>
               <a:t>願</a:t>
             </a:r>
             <a:r>
-              <a:rPr lang="zh-TW" altLang="en-US" sz="5400" dirty="0">
-                <a:latin typeface="標楷體" pitchFamily="65" charset="-120"/>
-                <a:ea typeface="標楷體" pitchFamily="65" charset="-120"/>
+              <a:rPr lang="zh-TW" altLang="en-US" sz="6400" b="1" dirty="0">
+                <a:solidFill>
+                  <a:srgbClr val="660033"/>
+                </a:solidFill>
+                <a:latin typeface="微軟正黑體" pitchFamily="34" charset="-120"/>
+                <a:ea typeface="微軟正黑體" pitchFamily="34" charset="-120"/>
               </a:rPr>
               <a:t>你知曉主道理</a:t>
             </a:r>
-            <a:endParaRPr lang="en-US" altLang="zh-TW" sz="5400" dirty="0">
-              <a:latin typeface="標楷體" pitchFamily="65" charset="-120"/>
-              <a:ea typeface="標楷體" pitchFamily="65" charset="-120"/>
+            <a:endParaRPr lang="en-US" altLang="zh-TW" sz="6400" b="1" dirty="0">
+              <a:solidFill>
+                <a:srgbClr val="660033"/>
+              </a:solidFill>
+              <a:latin typeface="微軟正黑體" pitchFamily="34" charset="-120"/>
+              <a:ea typeface="微軟正黑體" pitchFamily="34" charset="-120"/>
             </a:endParaRPr>
           </a:p>
           <a:p>
@@ -4106,66 +4230,136 @@
               <a:buNone/>
             </a:pPr>
             <a:r>
-              <a:rPr lang="zh-TW" altLang="en-US" sz="5400" dirty="0">
-                <a:latin typeface="標楷體" pitchFamily="65" charset="-120"/>
-                <a:ea typeface="標楷體" pitchFamily="65" charset="-120"/>
+              <a:rPr lang="zh-TW" altLang="en-US" sz="6400" b="1" dirty="0">
+                <a:solidFill>
+                  <a:srgbClr val="660033"/>
+                </a:solidFill>
+                <a:latin typeface="微軟正黑體" pitchFamily="34" charset="-120"/>
+                <a:ea typeface="微軟正黑體" pitchFamily="34" charset="-120"/>
               </a:rPr>
-              <a:t>將一生</a:t>
-            </a:r>
-            <a:r>
-              <a:rPr lang="zh-TW" altLang="en-US" sz="5400" dirty="0" smtClean="0">
-                <a:latin typeface="標楷體" pitchFamily="65" charset="-120"/>
-                <a:ea typeface="標楷體" pitchFamily="65" charset="-120"/>
-              </a:rPr>
-              <a:t>交</a:t>
-            </a:r>
-            <a:r>
-              <a:rPr lang="zh-CN" altLang="en-US" sz="5400" smtClean="0">
-                <a:latin typeface="標楷體" pitchFamily="65" charset="-120"/>
-                <a:ea typeface="標楷體" pitchFamily="65" charset="-120"/>
+              <a:t>將一生交</a:t>
+            </a:r>
+            <a:r>
+              <a:rPr lang="zh-CN" altLang="en-US" sz="6400" b="1" dirty="0">
+                <a:solidFill>
+                  <a:srgbClr val="660033"/>
+                </a:solidFill>
+                <a:latin typeface="微軟正黑體" pitchFamily="34" charset="-120"/>
+                <a:ea typeface="微軟正黑體" pitchFamily="34" charset="-120"/>
               </a:rPr>
               <a:t>主</a:t>
             </a:r>
             <a:r>
-              <a:rPr lang="zh-TW" altLang="en-US" sz="5400" smtClean="0">
-                <a:latin typeface="標楷體" pitchFamily="65" charset="-120"/>
-                <a:ea typeface="標楷體" pitchFamily="65" charset="-120"/>
+              <a:rPr lang="zh-TW" altLang="en-US" sz="6400" b="1" dirty="0">
+                <a:solidFill>
+                  <a:srgbClr val="660033"/>
+                </a:solidFill>
+                <a:latin typeface="微軟正黑體" pitchFamily="34" charset="-120"/>
+                <a:ea typeface="微軟正黑體" pitchFamily="34" charset="-120"/>
               </a:rPr>
               <a:t>管理</a:t>
             </a:r>
-            <a:endParaRPr lang="en-US" altLang="zh-TW" sz="5400" dirty="0">
-              <a:latin typeface="標楷體" pitchFamily="65" charset="-120"/>
-              <a:ea typeface="標楷體" pitchFamily="65" charset="-120"/>
+            <a:endParaRPr lang="en-US" altLang="zh-TW" sz="6400" b="1" dirty="0">
+              <a:solidFill>
+                <a:srgbClr val="660033"/>
+              </a:solidFill>
+              <a:latin typeface="微軟正黑體" pitchFamily="34" charset="-120"/>
+              <a:ea typeface="微軟正黑體" pitchFamily="34" charset="-120"/>
             </a:endParaRPr>
           </a:p>
+        </p:txBody>
+      </p:sp>
+    </p:spTree>
+    <p:extLst>
+      <p:ext uri="{BB962C8B-B14F-4D97-AF65-F5344CB8AC3E}">
+        <p14:creationId xmlns:p14="http://schemas.microsoft.com/office/powerpoint/2010/main" val="1190532582"/>
+      </p:ext>
+    </p:extLst>
+  </p:cSld>
+  <p:clrMapOvr>
+    <a:masterClrMapping/>
+  </p:clrMapOvr>
+</p:sld>
+</file>
+
+<file path=ppt/slides/slide9.xml><?xml version="1.0" encoding="utf-8"?>
+<p:sld xmlns:a="http://schemas.openxmlformats.org/drawingml/2006/main" xmlns:r="http://schemas.openxmlformats.org/officeDocument/2006/relationships" xmlns:p="http://schemas.openxmlformats.org/presentationml/2006/main">
+  <p:cSld>
+    <p:spTree>
+      <p:nvGrpSpPr>
+        <p:cNvPr id="1" name=""/>
+        <p:cNvGrpSpPr/>
+        <p:nvPr/>
+      </p:nvGrpSpPr>
+      <p:grpSpPr>
+        <a:xfrm>
+          <a:off x="0" y="0"/>
+          <a:ext cx="0" cy="0"/>
+          <a:chOff x="0" y="0"/>
+          <a:chExt cx="0" cy="0"/>
+        </a:xfrm>
+      </p:grpSpPr>
+      <p:sp>
+        <p:nvSpPr>
+          <p:cNvPr id="5" name="內容版面配置區 4"/>
+          <p:cNvSpPr>
+            <a:spLocks noGrp="1"/>
+          </p:cNvSpPr>
+          <p:nvPr>
+            <p:ph idx="1"/>
+          </p:nvPr>
+        </p:nvSpPr>
+        <p:spPr>
+          <a:xfrm>
+            <a:off x="0" y="2084851"/>
+            <a:ext cx="12192000" cy="2404863"/>
+          </a:xfrm>
+        </p:spPr>
+        <p:txBody>
+          <a:bodyPr anchor="ctr">
+            <a:normAutofit/>
+          </a:bodyPr>
+          <a:lstStyle/>
           <a:p>
             <a:pPr algn="ctr">
               <a:buNone/>
             </a:pPr>
             <a:r>
-              <a:rPr lang="zh-TW" altLang="en-US" sz="5400" dirty="0">
-                <a:latin typeface="標楷體" pitchFamily="65" charset="-120"/>
-                <a:ea typeface="標楷體" pitchFamily="65" charset="-120"/>
+              <a:rPr lang="zh-TW" altLang="en-US" sz="6400" b="1" dirty="0">
+                <a:solidFill>
+                  <a:srgbClr val="660033"/>
+                </a:solidFill>
+                <a:latin typeface="微軟正黑體" pitchFamily="34" charset="-120"/>
+                <a:ea typeface="微軟正黑體" pitchFamily="34" charset="-120"/>
               </a:rPr>
               <a:t>祂天天伴你 </a:t>
             </a:r>
             <a:r>
-              <a:rPr lang="zh-TW" altLang="en-US" sz="5400" dirty="0" smtClean="0">
-                <a:latin typeface="標楷體" pitchFamily="65" charset="-120"/>
-                <a:ea typeface="標楷體" pitchFamily="65" charset="-120"/>
+              <a:rPr lang="zh-TW" altLang="en-US" sz="6400" b="1" dirty="0">
+                <a:solidFill>
+                  <a:srgbClr val="660033"/>
+                </a:solidFill>
+                <a:latin typeface="微軟正黑體" pitchFamily="34" charset="-120"/>
+                <a:ea typeface="微軟正黑體" pitchFamily="34" charset="-120"/>
               </a:rPr>
-              <a:t>踏</a:t>
-            </a:r>
-            <a:r>
-              <a:rPr lang="zh-TW" altLang="en-US" sz="5400" dirty="0">
-                <a:latin typeface="標楷體" pitchFamily="65" charset="-120"/>
-                <a:ea typeface="標楷體" pitchFamily="65" charset="-120"/>
+              <a:t> 踏</a:t>
+            </a:r>
+            <a:r>
+              <a:rPr lang="zh-TW" altLang="en-US" sz="6400" b="1" dirty="0">
+                <a:solidFill>
+                  <a:srgbClr val="660033"/>
+                </a:solidFill>
+                <a:latin typeface="微軟正黑體" pitchFamily="34" charset="-120"/>
+                <a:ea typeface="微軟正黑體" pitchFamily="34" charset="-120"/>
               </a:rPr>
               <a:t>過崎嶇險路徑</a:t>
             </a:r>
-            <a:endParaRPr lang="en-US" altLang="zh-TW" sz="5400" dirty="0">
-              <a:latin typeface="標楷體" pitchFamily="65" charset="-120"/>
-              <a:ea typeface="標楷體" pitchFamily="65" charset="-120"/>
+            <a:endParaRPr lang="en-US" altLang="zh-TW" sz="6400" b="1" dirty="0">
+              <a:solidFill>
+                <a:srgbClr val="660033"/>
+              </a:solidFill>
+              <a:latin typeface="微軟正黑體" pitchFamily="34" charset="-120"/>
+              <a:ea typeface="微軟正黑體" pitchFamily="34" charset="-120"/>
             </a:endParaRPr>
           </a:p>
           <a:p>
@@ -4173,9 +4367,12 @@
               <a:buNone/>
             </a:pPr>
             <a:r>
-              <a:rPr lang="zh-TW" altLang="en-US" sz="5400" dirty="0">
-                <a:latin typeface="標楷體" pitchFamily="65" charset="-120"/>
-                <a:ea typeface="標楷體" pitchFamily="65" charset="-120"/>
+              <a:rPr lang="zh-TW" altLang="en-US" sz="6400" b="1" dirty="0">
+                <a:solidFill>
+                  <a:srgbClr val="660033"/>
+                </a:solidFill>
+                <a:latin typeface="微軟正黑體" pitchFamily="34" charset="-120"/>
+                <a:ea typeface="微軟正黑體" pitchFamily="34" charset="-120"/>
               </a:rPr>
               <a:t>恩典的光照亮路程</a:t>
             </a:r>
@@ -4183,6 +4380,11 @@
         </p:txBody>
       </p:sp>
     </p:spTree>
+    <p:extLst>
+      <p:ext uri="{BB962C8B-B14F-4D97-AF65-F5344CB8AC3E}">
+        <p14:creationId xmlns:p14="http://schemas.microsoft.com/office/powerpoint/2010/main" val="525334400"/>
+      </p:ext>
+    </p:extLst>
   </p:cSld>
   <p:clrMapOvr>
     <a:masterClrMapping/>
@@ -4191,7 +4393,7 @@
 </file>
 
 <file path=ppt/theme/theme1.xml><?xml version="1.0" encoding="utf-8"?>
-<a:theme xmlns:a="http://schemas.openxmlformats.org/drawingml/2006/main" name="佈景主題1">
+<a:theme xmlns:a="http://schemas.openxmlformats.org/drawingml/2006/main" name="Theme1">
   <a:themeElements>
     <a:clrScheme name="Office">
       <a:dk1>
@@ -4470,5 +4672,10 @@
   </a:themeElements>
   <a:objectDefaults/>
   <a:extraClrSchemeLst/>
+  <a:extLst>
+    <a:ext uri="{05A4C25C-085E-4340-85A3-A5531E510DB2}">
+      <thm15:themeFamily xmlns:thm15="http://schemas.microsoft.com/office/thememl/2012/main" name="Theme1" id="{1A8DE197-990E-4893-BF04-3823FBB50F9A}" vid="{430B7048-5A04-4BDB-939A-C7E865DB887B}"/>
+    </a:ext>
+  </a:extLst>
 </a:theme>
 </file>